--- a/tex/figures/Vectors/Figures.pptx
+++ b/tex/figures/Vectors/Figures.pptx
@@ -247,7 +247,7 @@
           <a:p>
             <a:fld id="{A0A0F70D-D73B-9842-8C35-014CD7899AD7}" type="datetimeFigureOut">
               <a:rPr lang="en-US" smtClean="0"/>
-              <a:t>7/16/18</a:t>
+              <a:t>7/20/18</a:t>
             </a:fld>
             <a:endParaRPr lang="en-US"/>
           </a:p>
@@ -417,7 +417,7 @@
           <a:p>
             <a:fld id="{A0A0F70D-D73B-9842-8C35-014CD7899AD7}" type="datetimeFigureOut">
               <a:rPr lang="en-US" smtClean="0"/>
-              <a:t>7/16/18</a:t>
+              <a:t>7/20/18</a:t>
             </a:fld>
             <a:endParaRPr lang="en-US"/>
           </a:p>
@@ -597,7 +597,7 @@
           <a:p>
             <a:fld id="{A0A0F70D-D73B-9842-8C35-014CD7899AD7}" type="datetimeFigureOut">
               <a:rPr lang="en-US" smtClean="0"/>
-              <a:t>7/16/18</a:t>
+              <a:t>7/20/18</a:t>
             </a:fld>
             <a:endParaRPr lang="en-US"/>
           </a:p>
@@ -767,7 +767,7 @@
           <a:p>
             <a:fld id="{A0A0F70D-D73B-9842-8C35-014CD7899AD7}" type="datetimeFigureOut">
               <a:rPr lang="en-US" smtClean="0"/>
-              <a:t>7/16/18</a:t>
+              <a:t>7/20/18</a:t>
             </a:fld>
             <a:endParaRPr lang="en-US"/>
           </a:p>
@@ -1013,7 +1013,7 @@
           <a:p>
             <a:fld id="{A0A0F70D-D73B-9842-8C35-014CD7899AD7}" type="datetimeFigureOut">
               <a:rPr lang="en-US" smtClean="0"/>
-              <a:t>7/16/18</a:t>
+              <a:t>7/20/18</a:t>
             </a:fld>
             <a:endParaRPr lang="en-US"/>
           </a:p>
@@ -1245,7 +1245,7 @@
           <a:p>
             <a:fld id="{A0A0F70D-D73B-9842-8C35-014CD7899AD7}" type="datetimeFigureOut">
               <a:rPr lang="en-US" smtClean="0"/>
-              <a:t>7/16/18</a:t>
+              <a:t>7/20/18</a:t>
             </a:fld>
             <a:endParaRPr lang="en-US"/>
           </a:p>
@@ -1612,7 +1612,7 @@
           <a:p>
             <a:fld id="{A0A0F70D-D73B-9842-8C35-014CD7899AD7}" type="datetimeFigureOut">
               <a:rPr lang="en-US" smtClean="0"/>
-              <a:t>7/16/18</a:t>
+              <a:t>7/20/18</a:t>
             </a:fld>
             <a:endParaRPr lang="en-US"/>
           </a:p>
@@ -1730,7 +1730,7 @@
           <a:p>
             <a:fld id="{A0A0F70D-D73B-9842-8C35-014CD7899AD7}" type="datetimeFigureOut">
               <a:rPr lang="en-US" smtClean="0"/>
-              <a:t>7/16/18</a:t>
+              <a:t>7/20/18</a:t>
             </a:fld>
             <a:endParaRPr lang="en-US"/>
           </a:p>
@@ -1825,7 +1825,7 @@
           <a:p>
             <a:fld id="{A0A0F70D-D73B-9842-8C35-014CD7899AD7}" type="datetimeFigureOut">
               <a:rPr lang="en-US" smtClean="0"/>
-              <a:t>7/16/18</a:t>
+              <a:t>7/20/18</a:t>
             </a:fld>
             <a:endParaRPr lang="en-US"/>
           </a:p>
@@ -2102,7 +2102,7 @@
           <a:p>
             <a:fld id="{A0A0F70D-D73B-9842-8C35-014CD7899AD7}" type="datetimeFigureOut">
               <a:rPr lang="en-US" smtClean="0"/>
-              <a:t>7/16/18</a:t>
+              <a:t>7/20/18</a:t>
             </a:fld>
             <a:endParaRPr lang="en-US"/>
           </a:p>
@@ -2355,7 +2355,7 @@
           <a:p>
             <a:fld id="{A0A0F70D-D73B-9842-8C35-014CD7899AD7}" type="datetimeFigureOut">
               <a:rPr lang="en-US" smtClean="0"/>
-              <a:t>7/16/18</a:t>
+              <a:t>7/20/18</a:t>
             </a:fld>
             <a:endParaRPr lang="en-US"/>
           </a:p>
@@ -2568,7 +2568,7 @@
           <a:p>
             <a:fld id="{A0A0F70D-D73B-9842-8C35-014CD7899AD7}" type="datetimeFigureOut">
               <a:rPr lang="en-US" smtClean="0"/>
-              <a:t>7/16/18</a:t>
+              <a:t>7/20/18</a:t>
             </a:fld>
             <a:endParaRPr lang="en-US"/>
           </a:p>
@@ -15360,8 +15360,8 @@
               </a:fontRef>
             </p:style>
           </p:cxnSp>
-          <mc:AlternateContent xmlns:mc="http://schemas.openxmlformats.org/markup-compatibility/2006">
-            <mc:Choice xmlns:a14="http://schemas.microsoft.com/office/drawing/2010/main" Requires="a14">
+          <mc:AlternateContent xmlns:mc="http://schemas.openxmlformats.org/markup-compatibility/2006" xmlns:a14="http://schemas.microsoft.com/office/drawing/2010/main">
+            <mc:Choice Requires="a14">
               <p:sp>
                 <p:nvSpPr>
                   <p:cNvPr id="22" name="TextBox 21"/>
@@ -15427,7 +15427,7 @@
                 </p:txBody>
               </p:sp>
             </mc:Choice>
-            <mc:Fallback>
+            <mc:Fallback xmlns="">
               <p:sp>
                 <p:nvSpPr>
                   <p:cNvPr id="22" name="TextBox 21"/>
@@ -15466,8 +15466,8 @@
               </p:sp>
             </mc:Fallback>
           </mc:AlternateContent>
-          <mc:AlternateContent xmlns:mc="http://schemas.openxmlformats.org/markup-compatibility/2006">
-            <mc:Choice xmlns:a14="http://schemas.microsoft.com/office/drawing/2010/main" Requires="a14">
+          <mc:AlternateContent xmlns:mc="http://schemas.openxmlformats.org/markup-compatibility/2006" xmlns:a14="http://schemas.microsoft.com/office/drawing/2010/main">
+            <mc:Choice Requires="a14">
               <p:sp>
                 <p:nvSpPr>
                   <p:cNvPr id="23" name="TextBox 22"/>
@@ -15533,7 +15533,7 @@
                 </p:txBody>
               </p:sp>
             </mc:Choice>
-            <mc:Fallback>
+            <mc:Fallback xmlns="">
               <p:sp>
                 <p:nvSpPr>
                   <p:cNvPr id="23" name="TextBox 22"/>
@@ -15572,8 +15572,8 @@
               </p:sp>
             </mc:Fallback>
           </mc:AlternateContent>
-          <mc:AlternateContent xmlns:mc="http://schemas.openxmlformats.org/markup-compatibility/2006">
-            <mc:Choice xmlns:a14="http://schemas.microsoft.com/office/drawing/2010/main" Requires="a14">
+          <mc:AlternateContent xmlns:mc="http://schemas.openxmlformats.org/markup-compatibility/2006" xmlns:a14="http://schemas.microsoft.com/office/drawing/2010/main">
+            <mc:Choice Requires="a14">
               <p:sp>
                 <p:nvSpPr>
                   <p:cNvPr id="24" name="TextBox 23"/>
@@ -15672,7 +15672,7 @@
                 </p:txBody>
               </p:sp>
             </mc:Choice>
-            <mc:Fallback>
+            <mc:Fallback xmlns="">
               <p:sp>
                 <p:nvSpPr>
                   <p:cNvPr id="24" name="TextBox 23"/>
@@ -16478,7 +16478,7 @@
         </p:nvGrpSpPr>
         <p:grpSpPr>
           <a:xfrm>
-            <a:off x="2327977" y="1749773"/>
+            <a:off x="78843" y="128195"/>
             <a:ext cx="3372973" cy="1665634"/>
             <a:chOff x="2189660" y="3180080"/>
             <a:chExt cx="3372973" cy="1665634"/>
@@ -16575,8 +16575,8 @@
             </a:fontRef>
           </p:style>
         </p:cxnSp>
-        <mc:AlternateContent xmlns:mc="http://schemas.openxmlformats.org/markup-compatibility/2006">
-          <mc:Choice xmlns:a14="http://schemas.microsoft.com/office/drawing/2010/main" Requires="a14">
+        <mc:AlternateContent xmlns:mc="http://schemas.openxmlformats.org/markup-compatibility/2006" xmlns:a14="http://schemas.microsoft.com/office/drawing/2010/main">
+          <mc:Choice Requires="a14">
             <p:sp>
               <p:nvSpPr>
                 <p:cNvPr id="7" name="TextBox 6"/>
@@ -16637,7 +16637,7 @@
               </p:txBody>
             </p:sp>
           </mc:Choice>
-          <mc:Fallback>
+          <mc:Fallback xmlns="">
             <p:sp>
               <p:nvSpPr>
                 <p:cNvPr id="7" name="TextBox 6"/>
@@ -16712,8 +16712,8 @@
             </a:fontRef>
           </p:style>
         </p:cxnSp>
-        <mc:AlternateContent xmlns:mc="http://schemas.openxmlformats.org/markup-compatibility/2006">
-          <mc:Choice xmlns:a14="http://schemas.microsoft.com/office/drawing/2010/main" Requires="a14">
+        <mc:AlternateContent xmlns:mc="http://schemas.openxmlformats.org/markup-compatibility/2006" xmlns:a14="http://schemas.microsoft.com/office/drawing/2010/main">
+          <mc:Choice Requires="a14">
             <p:sp>
               <p:nvSpPr>
                 <p:cNvPr id="9" name="TextBox 8"/>
@@ -16774,7 +16774,7 @@
               </p:txBody>
             </p:sp>
           </mc:Choice>
-          <mc:Fallback>
+          <mc:Fallback xmlns="">
             <p:sp>
               <p:nvSpPr>
                 <p:cNvPr id="9" name="TextBox 8"/>
@@ -16849,8 +16849,8 @@
             </a:fontRef>
           </p:style>
         </p:cxnSp>
-        <mc:AlternateContent xmlns:mc="http://schemas.openxmlformats.org/markup-compatibility/2006">
-          <mc:Choice xmlns:a14="http://schemas.microsoft.com/office/drawing/2010/main" Requires="a14">
+        <mc:AlternateContent xmlns:mc="http://schemas.openxmlformats.org/markup-compatibility/2006" xmlns:a14="http://schemas.microsoft.com/office/drawing/2010/main">
+          <mc:Choice Requires="a14">
             <p:sp>
               <p:nvSpPr>
                 <p:cNvPr id="11" name="TextBox 10"/>
@@ -16911,7 +16911,7 @@
               </p:txBody>
             </p:sp>
           </mc:Choice>
-          <mc:Fallback>
+          <mc:Fallback xmlns="">
             <p:sp>
               <p:nvSpPr>
                 <p:cNvPr id="11" name="TextBox 10"/>
@@ -16950,8 +16950,8 @@
             </p:sp>
           </mc:Fallback>
         </mc:AlternateContent>
-        <mc:AlternateContent xmlns:mc="http://schemas.openxmlformats.org/markup-compatibility/2006">
-          <mc:Choice xmlns:a14="http://schemas.microsoft.com/office/drawing/2010/main" Requires="a14">
+        <mc:AlternateContent xmlns:mc="http://schemas.openxmlformats.org/markup-compatibility/2006" xmlns:a14="http://schemas.microsoft.com/office/drawing/2010/main">
+          <mc:Choice Requires="a14">
             <p:sp>
               <p:nvSpPr>
                 <p:cNvPr id="12" name="TextBox 11"/>
@@ -17012,7 +17012,7 @@
               </p:txBody>
             </p:sp>
           </mc:Choice>
-          <mc:Fallback>
+          <mc:Fallback xmlns="">
             <p:sp>
               <p:nvSpPr>
                 <p:cNvPr id="12" name="TextBox 11"/>
@@ -17135,8 +17135,8 @@
             </a:p>
           </p:txBody>
         </p:sp>
-        <mc:AlternateContent xmlns:mc="http://schemas.openxmlformats.org/markup-compatibility/2006">
-          <mc:Choice xmlns:a14="http://schemas.microsoft.com/office/drawing/2010/main" Requires="a14">
+        <mc:AlternateContent xmlns:mc="http://schemas.openxmlformats.org/markup-compatibility/2006" xmlns:a14="http://schemas.microsoft.com/office/drawing/2010/main">
+          <mc:Choice Requires="a14">
             <p:sp>
               <p:nvSpPr>
                 <p:cNvPr id="15" name="TextBox 14"/>
@@ -17184,7 +17184,7 @@
               </p:txBody>
             </p:sp>
           </mc:Choice>
-          <mc:Fallback>
+          <mc:Fallback xmlns="">
             <p:sp>
               <p:nvSpPr>
                 <p:cNvPr id="15" name="TextBox 14"/>
@@ -17223,6 +17223,3749 @@
             </p:sp>
           </mc:Fallback>
         </mc:AlternateContent>
+      </p:grpSp>
+      <p:grpSp>
+        <p:nvGrpSpPr>
+          <p:cNvPr id="44" name="Group 43"/>
+          <p:cNvGrpSpPr/>
+          <p:nvPr/>
+        </p:nvGrpSpPr>
+        <p:grpSpPr>
+          <a:xfrm>
+            <a:off x="3026943" y="813422"/>
+            <a:ext cx="1810333" cy="2262935"/>
+            <a:chOff x="6317809" y="1267375"/>
+            <a:chExt cx="1810333" cy="2262935"/>
+          </a:xfrm>
+        </p:grpSpPr>
+        <p:sp>
+          <p:nvSpPr>
+            <p:cNvPr id="23" name="Rectangle 22"/>
+            <p:cNvSpPr/>
+            <p:nvPr/>
+          </p:nvSpPr>
+          <p:spPr>
+            <a:xfrm>
+              <a:off x="6900157" y="3305701"/>
+              <a:ext cx="646779" cy="220670"/>
+            </a:xfrm>
+            <a:prstGeom prst="rect">
+              <a:avLst/>
+            </a:prstGeom>
+            <a:solidFill>
+              <a:schemeClr val="bg2">
+                <a:lumMod val="25000"/>
+              </a:schemeClr>
+            </a:solidFill>
+            <a:ln>
+              <a:solidFill>
+                <a:schemeClr val="bg2">
+                  <a:lumMod val="25000"/>
+                </a:schemeClr>
+              </a:solidFill>
+            </a:ln>
+          </p:spPr>
+          <p:style>
+            <a:lnRef idx="2">
+              <a:schemeClr val="accent1">
+                <a:shade val="50000"/>
+              </a:schemeClr>
+            </a:lnRef>
+            <a:fillRef idx="1">
+              <a:schemeClr val="accent1"/>
+            </a:fillRef>
+            <a:effectRef idx="0">
+              <a:schemeClr val="accent1"/>
+            </a:effectRef>
+            <a:fontRef idx="minor">
+              <a:schemeClr val="lt1"/>
+            </a:fontRef>
+          </p:style>
+          <p:txBody>
+            <a:bodyPr rtlCol="0" anchor="ctr"/>
+            <a:lstStyle/>
+            <a:p>
+              <a:pPr algn="ctr"/>
+              <a:endParaRPr lang="en-US"/>
+            </a:p>
+          </p:txBody>
+        </p:sp>
+        <p:sp>
+          <p:nvSpPr>
+            <p:cNvPr id="3" name="Rectangle 2"/>
+            <p:cNvSpPr/>
+            <p:nvPr/>
+          </p:nvSpPr>
+          <p:spPr>
+            <a:xfrm>
+              <a:off x="6934329" y="1271861"/>
+              <a:ext cx="646779" cy="153398"/>
+            </a:xfrm>
+            <a:prstGeom prst="rect">
+              <a:avLst/>
+            </a:prstGeom>
+            <a:solidFill>
+              <a:schemeClr val="bg2">
+                <a:lumMod val="25000"/>
+              </a:schemeClr>
+            </a:solidFill>
+            <a:ln>
+              <a:solidFill>
+                <a:schemeClr val="bg2">
+                  <a:lumMod val="25000"/>
+                </a:schemeClr>
+              </a:solidFill>
+            </a:ln>
+          </p:spPr>
+          <p:style>
+            <a:lnRef idx="2">
+              <a:schemeClr val="accent1">
+                <a:shade val="50000"/>
+              </a:schemeClr>
+            </a:lnRef>
+            <a:fillRef idx="1">
+              <a:schemeClr val="accent1"/>
+            </a:fillRef>
+            <a:effectRef idx="0">
+              <a:schemeClr val="accent1"/>
+            </a:effectRef>
+            <a:fontRef idx="minor">
+              <a:schemeClr val="lt1"/>
+            </a:fontRef>
+          </p:style>
+          <p:txBody>
+            <a:bodyPr rtlCol="0" anchor="ctr"/>
+            <a:lstStyle/>
+            <a:p>
+              <a:pPr algn="ctr"/>
+              <a:endParaRPr lang="en-US"/>
+            </a:p>
+          </p:txBody>
+        </p:sp>
+        <p:grpSp>
+          <p:nvGrpSpPr>
+            <p:cNvPr id="42" name="Group 41"/>
+            <p:cNvGrpSpPr/>
+            <p:nvPr/>
+          </p:nvGrpSpPr>
+          <p:grpSpPr>
+            <a:xfrm>
+              <a:off x="6317809" y="1267375"/>
+              <a:ext cx="1810333" cy="2262935"/>
+              <a:chOff x="6362779" y="1267375"/>
+              <a:chExt cx="1810333" cy="2262935"/>
+            </a:xfrm>
+          </p:grpSpPr>
+          <p:grpSp>
+            <p:nvGrpSpPr>
+              <p:cNvPr id="41" name="Group 40"/>
+              <p:cNvGrpSpPr/>
+              <p:nvPr/>
+            </p:nvGrpSpPr>
+            <p:grpSpPr>
+              <a:xfrm>
+                <a:off x="6362779" y="1267375"/>
+                <a:ext cx="1810333" cy="2262809"/>
+                <a:chOff x="6362779" y="1267375"/>
+                <a:chExt cx="1810333" cy="2262809"/>
+              </a:xfrm>
+            </p:grpSpPr>
+            <p:sp>
+              <p:nvSpPr>
+                <p:cNvPr id="19" name="Oval 18"/>
+                <p:cNvSpPr/>
+                <p:nvPr/>
+              </p:nvSpPr>
+              <p:spPr>
+                <a:xfrm>
+                  <a:off x="6372369" y="1271928"/>
+                  <a:ext cx="1188720" cy="2253591"/>
+                </a:xfrm>
+                <a:prstGeom prst="ellipse">
+                  <a:avLst/>
+                </a:prstGeom>
+                <a:solidFill>
+                  <a:schemeClr val="bg2">
+                    <a:lumMod val="25000"/>
+                  </a:schemeClr>
+                </a:solidFill>
+                <a:ln>
+                  <a:solidFill>
+                    <a:schemeClr val="bg2">
+                      <a:lumMod val="25000"/>
+                    </a:schemeClr>
+                  </a:solidFill>
+                </a:ln>
+              </p:spPr>
+              <p:style>
+                <a:lnRef idx="2">
+                  <a:schemeClr val="accent1">
+                    <a:shade val="50000"/>
+                  </a:schemeClr>
+                </a:lnRef>
+                <a:fillRef idx="1">
+                  <a:schemeClr val="accent1"/>
+                </a:fillRef>
+                <a:effectRef idx="0">
+                  <a:schemeClr val="accent1"/>
+                </a:effectRef>
+                <a:fontRef idx="minor">
+                  <a:schemeClr val="lt1"/>
+                </a:fontRef>
+              </p:style>
+              <p:txBody>
+                <a:bodyPr rtlCol="0" anchor="ctr"/>
+                <a:lstStyle/>
+                <a:p>
+                  <a:pPr algn="ctr"/>
+                  <a:endParaRPr lang="en-US"/>
+                </a:p>
+              </p:txBody>
+            </p:sp>
+            <p:sp>
+              <p:nvSpPr>
+                <p:cNvPr id="2" name="Oval 1"/>
+                <p:cNvSpPr/>
+                <p:nvPr/>
+              </p:nvSpPr>
+              <p:spPr>
+                <a:xfrm>
+                  <a:off x="6984392" y="1280160"/>
+                  <a:ext cx="1188720" cy="2245360"/>
+                </a:xfrm>
+                <a:prstGeom prst="ellipse">
+                  <a:avLst/>
+                </a:prstGeom>
+                <a:solidFill>
+                  <a:schemeClr val="bg2">
+                    <a:lumMod val="25000"/>
+                  </a:schemeClr>
+                </a:solidFill>
+                <a:ln>
+                  <a:solidFill>
+                    <a:schemeClr val="tx1"/>
+                  </a:solidFill>
+                </a:ln>
+              </p:spPr>
+              <p:style>
+                <a:lnRef idx="2">
+                  <a:schemeClr val="accent1">
+                    <a:shade val="50000"/>
+                  </a:schemeClr>
+                </a:lnRef>
+                <a:fillRef idx="1">
+                  <a:schemeClr val="accent1"/>
+                </a:fillRef>
+                <a:effectRef idx="0">
+                  <a:schemeClr val="accent1"/>
+                </a:effectRef>
+                <a:fontRef idx="minor">
+                  <a:schemeClr val="lt1"/>
+                </a:fontRef>
+              </p:style>
+              <p:txBody>
+                <a:bodyPr rtlCol="0" anchor="ctr"/>
+                <a:lstStyle/>
+                <a:p>
+                  <a:pPr algn="ctr"/>
+                  <a:endParaRPr lang="en-US"/>
+                </a:p>
+              </p:txBody>
+            </p:sp>
+            <p:sp>
+              <p:nvSpPr>
+                <p:cNvPr id="17" name="Oval 16"/>
+                <p:cNvSpPr/>
+                <p:nvPr/>
+              </p:nvSpPr>
+              <p:spPr>
+                <a:xfrm>
+                  <a:off x="7221591" y="1433490"/>
+                  <a:ext cx="951521" cy="1930401"/>
+                </a:xfrm>
+                <a:prstGeom prst="ellipse">
+                  <a:avLst/>
+                </a:prstGeom>
+                <a:solidFill>
+                  <a:srgbClr val="444242"/>
+                </a:solidFill>
+                <a:ln>
+                  <a:solidFill>
+                    <a:schemeClr val="tx1"/>
+                  </a:solidFill>
+                </a:ln>
+              </p:spPr>
+              <p:style>
+                <a:lnRef idx="2">
+                  <a:schemeClr val="accent1">
+                    <a:shade val="50000"/>
+                  </a:schemeClr>
+                </a:lnRef>
+                <a:fillRef idx="1">
+                  <a:schemeClr val="accent1"/>
+                </a:fillRef>
+                <a:effectRef idx="0">
+                  <a:schemeClr val="accent1"/>
+                </a:effectRef>
+                <a:fontRef idx="minor">
+                  <a:schemeClr val="lt1"/>
+                </a:fontRef>
+              </p:style>
+              <p:txBody>
+                <a:bodyPr rtlCol="0" anchor="ctr"/>
+                <a:lstStyle/>
+                <a:p>
+                  <a:pPr algn="ctr"/>
+                  <a:endParaRPr lang="en-US"/>
+                </a:p>
+              </p:txBody>
+            </p:sp>
+            <p:sp>
+              <p:nvSpPr>
+                <p:cNvPr id="24" name="Oval 23"/>
+                <p:cNvSpPr/>
+                <p:nvPr/>
+              </p:nvSpPr>
+              <p:spPr>
+                <a:xfrm>
+                  <a:off x="7322526" y="1575639"/>
+                  <a:ext cx="797482" cy="1688415"/>
+                </a:xfrm>
+                <a:prstGeom prst="ellipse">
+                  <a:avLst/>
+                </a:prstGeom>
+                <a:solidFill>
+                  <a:schemeClr val="bg2">
+                    <a:lumMod val="75000"/>
+                  </a:schemeClr>
+                </a:solidFill>
+                <a:ln>
+                  <a:solidFill>
+                    <a:schemeClr val="bg2">
+                      <a:lumMod val="75000"/>
+                    </a:schemeClr>
+                  </a:solidFill>
+                </a:ln>
+              </p:spPr>
+              <p:style>
+                <a:lnRef idx="2">
+                  <a:schemeClr val="accent1">
+                    <a:shade val="50000"/>
+                  </a:schemeClr>
+                </a:lnRef>
+                <a:fillRef idx="1">
+                  <a:schemeClr val="accent1"/>
+                </a:fillRef>
+                <a:effectRef idx="0">
+                  <a:schemeClr val="accent1"/>
+                </a:effectRef>
+                <a:fontRef idx="minor">
+                  <a:schemeClr val="lt1"/>
+                </a:fontRef>
+              </p:style>
+              <p:txBody>
+                <a:bodyPr rtlCol="0" anchor="ctr"/>
+                <a:lstStyle/>
+                <a:p>
+                  <a:pPr algn="ctr"/>
+                  <a:endParaRPr lang="en-US"/>
+                </a:p>
+              </p:txBody>
+            </p:sp>
+            <p:sp>
+              <p:nvSpPr>
+                <p:cNvPr id="18" name="Oval 17"/>
+                <p:cNvSpPr/>
+                <p:nvPr/>
+              </p:nvSpPr>
+              <p:spPr>
+                <a:xfrm>
+                  <a:off x="7363831" y="1617286"/>
+                  <a:ext cx="722920" cy="1605122"/>
+                </a:xfrm>
+                <a:prstGeom prst="ellipse">
+                  <a:avLst/>
+                </a:prstGeom>
+                <a:solidFill>
+                  <a:schemeClr val="bg2">
+                    <a:lumMod val="50000"/>
+                  </a:schemeClr>
+                </a:solidFill>
+                <a:ln>
+                  <a:solidFill>
+                    <a:schemeClr val="bg2">
+                      <a:lumMod val="50000"/>
+                    </a:schemeClr>
+                  </a:solidFill>
+                </a:ln>
+              </p:spPr>
+              <p:style>
+                <a:lnRef idx="2">
+                  <a:schemeClr val="accent1">
+                    <a:shade val="50000"/>
+                  </a:schemeClr>
+                </a:lnRef>
+                <a:fillRef idx="1">
+                  <a:schemeClr val="accent1"/>
+                </a:fillRef>
+                <a:effectRef idx="0">
+                  <a:schemeClr val="accent1"/>
+                </a:effectRef>
+                <a:fontRef idx="minor">
+                  <a:schemeClr val="lt1"/>
+                </a:fontRef>
+              </p:style>
+              <p:txBody>
+                <a:bodyPr rtlCol="0" anchor="ctr"/>
+                <a:lstStyle/>
+                <a:p>
+                  <a:pPr algn="ctr"/>
+                  <a:endParaRPr lang="en-US"/>
+                </a:p>
+              </p:txBody>
+            </p:sp>
+            <p:sp>
+              <p:nvSpPr>
+                <p:cNvPr id="20" name="Oval 19"/>
+                <p:cNvSpPr/>
+                <p:nvPr/>
+              </p:nvSpPr>
+              <p:spPr>
+                <a:xfrm>
+                  <a:off x="7368860" y="1757281"/>
+                  <a:ext cx="535620" cy="1292366"/>
+                </a:xfrm>
+                <a:prstGeom prst="ellipse">
+                  <a:avLst/>
+                </a:prstGeom>
+                <a:solidFill>
+                  <a:schemeClr val="bg2">
+                    <a:lumMod val="75000"/>
+                  </a:schemeClr>
+                </a:solidFill>
+                <a:ln>
+                  <a:solidFill>
+                    <a:schemeClr val="bg2">
+                      <a:lumMod val="50000"/>
+                    </a:schemeClr>
+                  </a:solidFill>
+                </a:ln>
+              </p:spPr>
+              <p:style>
+                <a:lnRef idx="2">
+                  <a:schemeClr val="accent1">
+                    <a:shade val="50000"/>
+                  </a:schemeClr>
+                </a:lnRef>
+                <a:fillRef idx="1">
+                  <a:schemeClr val="accent1"/>
+                </a:fillRef>
+                <a:effectRef idx="0">
+                  <a:schemeClr val="accent1"/>
+                </a:effectRef>
+                <a:fontRef idx="minor">
+                  <a:schemeClr val="lt1"/>
+                </a:fontRef>
+              </p:style>
+              <p:txBody>
+                <a:bodyPr rtlCol="0" anchor="ctr"/>
+                <a:lstStyle/>
+                <a:p>
+                  <a:pPr algn="ctr"/>
+                  <a:endParaRPr lang="en-US"/>
+                </a:p>
+              </p:txBody>
+            </p:sp>
+            <p:sp>
+              <p:nvSpPr>
+                <p:cNvPr id="22" name="Oval 21"/>
+                <p:cNvSpPr/>
+                <p:nvPr/>
+              </p:nvSpPr>
+              <p:spPr>
+                <a:xfrm>
+                  <a:off x="7509460" y="2271578"/>
+                  <a:ext cx="247483" cy="299510"/>
+                </a:xfrm>
+                <a:prstGeom prst="ellipse">
+                  <a:avLst/>
+                </a:prstGeom>
+                <a:solidFill>
+                  <a:schemeClr val="bg2">
+                    <a:lumMod val="50000"/>
+                  </a:schemeClr>
+                </a:solidFill>
+                <a:ln>
+                  <a:solidFill>
+                    <a:schemeClr val="bg2">
+                      <a:lumMod val="50000"/>
+                    </a:schemeClr>
+                  </a:solidFill>
+                </a:ln>
+              </p:spPr>
+              <p:style>
+                <a:lnRef idx="2">
+                  <a:schemeClr val="accent1">
+                    <a:shade val="50000"/>
+                  </a:schemeClr>
+                </a:lnRef>
+                <a:fillRef idx="1">
+                  <a:schemeClr val="accent1"/>
+                </a:fillRef>
+                <a:effectRef idx="0">
+                  <a:schemeClr val="accent1"/>
+                </a:effectRef>
+                <a:fontRef idx="minor">
+                  <a:schemeClr val="lt1"/>
+                </a:fontRef>
+              </p:style>
+              <p:txBody>
+                <a:bodyPr rtlCol="0" anchor="ctr"/>
+                <a:lstStyle/>
+                <a:p>
+                  <a:pPr algn="ctr"/>
+                  <a:endParaRPr lang="en-US"/>
+                </a:p>
+              </p:txBody>
+            </p:sp>
+            <p:sp>
+              <p:nvSpPr>
+                <p:cNvPr id="21" name="Oval 20"/>
+                <p:cNvSpPr/>
+                <p:nvPr/>
+              </p:nvSpPr>
+              <p:spPr>
+                <a:xfrm>
+                  <a:off x="7581108" y="2270092"/>
+                  <a:ext cx="189618" cy="299510"/>
+                </a:xfrm>
+                <a:prstGeom prst="ellipse">
+                  <a:avLst/>
+                </a:prstGeom>
+                <a:solidFill>
+                  <a:schemeClr val="bg2">
+                    <a:lumMod val="75000"/>
+                  </a:schemeClr>
+                </a:solidFill>
+                <a:ln>
+                  <a:solidFill>
+                    <a:schemeClr val="bg2">
+                      <a:lumMod val="50000"/>
+                    </a:schemeClr>
+                  </a:solidFill>
+                </a:ln>
+              </p:spPr>
+              <p:style>
+                <a:lnRef idx="2">
+                  <a:schemeClr val="accent1">
+                    <a:shade val="50000"/>
+                  </a:schemeClr>
+                </a:lnRef>
+                <a:fillRef idx="1">
+                  <a:schemeClr val="accent1"/>
+                </a:fillRef>
+                <a:effectRef idx="0">
+                  <a:schemeClr val="accent1"/>
+                </a:effectRef>
+                <a:fontRef idx="minor">
+                  <a:schemeClr val="lt1"/>
+                </a:fontRef>
+              </p:style>
+              <p:txBody>
+                <a:bodyPr rtlCol="0" anchor="ctr"/>
+                <a:lstStyle/>
+                <a:p>
+                  <a:pPr algn="ctr"/>
+                  <a:endParaRPr lang="en-US"/>
+                </a:p>
+              </p:txBody>
+            </p:sp>
+            <p:sp>
+              <p:nvSpPr>
+                <p:cNvPr id="25" name="Freeform 24"/>
+                <p:cNvSpPr/>
+                <p:nvPr/>
+              </p:nvSpPr>
+              <p:spPr>
+                <a:xfrm>
+                  <a:off x="6362779" y="1267375"/>
+                  <a:ext cx="562677" cy="2262809"/>
+                </a:xfrm>
+                <a:custGeom>
+                  <a:avLst/>
+                  <a:gdLst>
+                    <a:gd name="connsiteX0" fmla="*/ 562161 w 562161"/>
+                    <a:gd name="connsiteY0" fmla="*/ 0 h 2271271"/>
+                    <a:gd name="connsiteX1" fmla="*/ 104961 w 562161"/>
+                    <a:gd name="connsiteY1" fmla="*/ 479685 h 2271271"/>
+                    <a:gd name="connsiteX2" fmla="*/ 30 w 562161"/>
+                    <a:gd name="connsiteY2" fmla="*/ 1109272 h 2271271"/>
+                    <a:gd name="connsiteX3" fmla="*/ 97466 w 562161"/>
+                    <a:gd name="connsiteY3" fmla="*/ 1768839 h 2271271"/>
+                    <a:gd name="connsiteX4" fmla="*/ 367289 w 562161"/>
+                    <a:gd name="connsiteY4" fmla="*/ 2196059 h 2271271"/>
+                    <a:gd name="connsiteX5" fmla="*/ 539675 w 562161"/>
+                    <a:gd name="connsiteY5" fmla="*/ 2271010 h 2271271"/>
+                    <a:gd name="connsiteX0" fmla="*/ 562739 w 562739"/>
+                    <a:gd name="connsiteY0" fmla="*/ 0 h 2271271"/>
+                    <a:gd name="connsiteX1" fmla="*/ 135519 w 562739"/>
+                    <a:gd name="connsiteY1" fmla="*/ 419724 h 2271271"/>
+                    <a:gd name="connsiteX2" fmla="*/ 608 w 562739"/>
+                    <a:gd name="connsiteY2" fmla="*/ 1109272 h 2271271"/>
+                    <a:gd name="connsiteX3" fmla="*/ 98044 w 562739"/>
+                    <a:gd name="connsiteY3" fmla="*/ 1768839 h 2271271"/>
+                    <a:gd name="connsiteX4" fmla="*/ 367867 w 562739"/>
+                    <a:gd name="connsiteY4" fmla="*/ 2196059 h 2271271"/>
+                    <a:gd name="connsiteX5" fmla="*/ 540253 w 562739"/>
+                    <a:gd name="connsiteY5" fmla="*/ 2271010 h 2271271"/>
+                    <a:gd name="connsiteX0" fmla="*/ 562739 w 577864"/>
+                    <a:gd name="connsiteY0" fmla="*/ 31090 h 2302361"/>
+                    <a:gd name="connsiteX1" fmla="*/ 540253 w 577864"/>
+                    <a:gd name="connsiteY1" fmla="*/ 31090 h 2302361"/>
+                    <a:gd name="connsiteX2" fmla="*/ 135519 w 577864"/>
+                    <a:gd name="connsiteY2" fmla="*/ 450814 h 2302361"/>
+                    <a:gd name="connsiteX3" fmla="*/ 608 w 577864"/>
+                    <a:gd name="connsiteY3" fmla="*/ 1140362 h 2302361"/>
+                    <a:gd name="connsiteX4" fmla="*/ 98044 w 577864"/>
+                    <a:gd name="connsiteY4" fmla="*/ 1799929 h 2302361"/>
+                    <a:gd name="connsiteX5" fmla="*/ 367867 w 577864"/>
+                    <a:gd name="connsiteY5" fmla="*/ 2227149 h 2302361"/>
+                    <a:gd name="connsiteX6" fmla="*/ 540253 w 577864"/>
+                    <a:gd name="connsiteY6" fmla="*/ 2302100 h 2302361"/>
+                    <a:gd name="connsiteX0" fmla="*/ 562739 w 562739"/>
+                    <a:gd name="connsiteY0" fmla="*/ 0 h 2271271"/>
+                    <a:gd name="connsiteX1" fmla="*/ 367867 w 562739"/>
+                    <a:gd name="connsiteY1" fmla="*/ 149901 h 2271271"/>
+                    <a:gd name="connsiteX2" fmla="*/ 135519 w 562739"/>
+                    <a:gd name="connsiteY2" fmla="*/ 419724 h 2271271"/>
+                    <a:gd name="connsiteX3" fmla="*/ 608 w 562739"/>
+                    <a:gd name="connsiteY3" fmla="*/ 1109272 h 2271271"/>
+                    <a:gd name="connsiteX4" fmla="*/ 98044 w 562739"/>
+                    <a:gd name="connsiteY4" fmla="*/ 1768839 h 2271271"/>
+                    <a:gd name="connsiteX5" fmla="*/ 367867 w 562739"/>
+                    <a:gd name="connsiteY5" fmla="*/ 2196059 h 2271271"/>
+                    <a:gd name="connsiteX6" fmla="*/ 540253 w 562739"/>
+                    <a:gd name="connsiteY6" fmla="*/ 2271010 h 2271271"/>
+                    <a:gd name="connsiteX0" fmla="*/ 562739 w 562739"/>
+                    <a:gd name="connsiteY0" fmla="*/ 0 h 2271271"/>
+                    <a:gd name="connsiteX1" fmla="*/ 345381 w 562739"/>
+                    <a:gd name="connsiteY1" fmla="*/ 119921 h 2271271"/>
+                    <a:gd name="connsiteX2" fmla="*/ 135519 w 562739"/>
+                    <a:gd name="connsiteY2" fmla="*/ 419724 h 2271271"/>
+                    <a:gd name="connsiteX3" fmla="*/ 608 w 562739"/>
+                    <a:gd name="connsiteY3" fmla="*/ 1109272 h 2271271"/>
+                    <a:gd name="connsiteX4" fmla="*/ 98044 w 562739"/>
+                    <a:gd name="connsiteY4" fmla="*/ 1768839 h 2271271"/>
+                    <a:gd name="connsiteX5" fmla="*/ 367867 w 562739"/>
+                    <a:gd name="connsiteY5" fmla="*/ 2196059 h 2271271"/>
+                    <a:gd name="connsiteX6" fmla="*/ 540253 w 562739"/>
+                    <a:gd name="connsiteY6" fmla="*/ 2271010 h 2271271"/>
+                    <a:gd name="connsiteX0" fmla="*/ 562639 w 562639"/>
+                    <a:gd name="connsiteY0" fmla="*/ 0 h 2271010"/>
+                    <a:gd name="connsiteX1" fmla="*/ 345281 w 562639"/>
+                    <a:gd name="connsiteY1" fmla="*/ 119921 h 2271010"/>
+                    <a:gd name="connsiteX2" fmla="*/ 135419 w 562639"/>
+                    <a:gd name="connsiteY2" fmla="*/ 419724 h 2271010"/>
+                    <a:gd name="connsiteX3" fmla="*/ 508 w 562639"/>
+                    <a:gd name="connsiteY3" fmla="*/ 1109272 h 2271010"/>
+                    <a:gd name="connsiteX4" fmla="*/ 97944 w 562639"/>
+                    <a:gd name="connsiteY4" fmla="*/ 1768839 h 2271010"/>
+                    <a:gd name="connsiteX5" fmla="*/ 307806 w 562639"/>
+                    <a:gd name="connsiteY5" fmla="*/ 2136098 h 2271010"/>
+                    <a:gd name="connsiteX6" fmla="*/ 540153 w 562639"/>
+                    <a:gd name="connsiteY6" fmla="*/ 2271010 h 2271010"/>
+                    <a:gd name="connsiteX0" fmla="*/ 562639 w 562639"/>
+                    <a:gd name="connsiteY0" fmla="*/ 0 h 2271010"/>
+                    <a:gd name="connsiteX1" fmla="*/ 345281 w 562639"/>
+                    <a:gd name="connsiteY1" fmla="*/ 119921 h 2271010"/>
+                    <a:gd name="connsiteX2" fmla="*/ 135419 w 562639"/>
+                    <a:gd name="connsiteY2" fmla="*/ 419724 h 2271010"/>
+                    <a:gd name="connsiteX3" fmla="*/ 508 w 562639"/>
+                    <a:gd name="connsiteY3" fmla="*/ 1109272 h 2271010"/>
+                    <a:gd name="connsiteX4" fmla="*/ 97944 w 562639"/>
+                    <a:gd name="connsiteY4" fmla="*/ 1768839 h 2271010"/>
+                    <a:gd name="connsiteX5" fmla="*/ 307806 w 562639"/>
+                    <a:gd name="connsiteY5" fmla="*/ 2136098 h 2271010"/>
+                    <a:gd name="connsiteX6" fmla="*/ 540153 w 562639"/>
+                    <a:gd name="connsiteY6" fmla="*/ 2271010 h 2271010"/>
+                    <a:gd name="connsiteX0" fmla="*/ 562639 w 562639"/>
+                    <a:gd name="connsiteY0" fmla="*/ 0 h 2271010"/>
+                    <a:gd name="connsiteX1" fmla="*/ 345281 w 562639"/>
+                    <a:gd name="connsiteY1" fmla="*/ 119921 h 2271010"/>
+                    <a:gd name="connsiteX2" fmla="*/ 135419 w 562639"/>
+                    <a:gd name="connsiteY2" fmla="*/ 419724 h 2271010"/>
+                    <a:gd name="connsiteX3" fmla="*/ 508 w 562639"/>
+                    <a:gd name="connsiteY3" fmla="*/ 1109272 h 2271010"/>
+                    <a:gd name="connsiteX4" fmla="*/ 97944 w 562639"/>
+                    <a:gd name="connsiteY4" fmla="*/ 1768839 h 2271010"/>
+                    <a:gd name="connsiteX5" fmla="*/ 307806 w 562639"/>
+                    <a:gd name="connsiteY5" fmla="*/ 2136098 h 2271010"/>
+                    <a:gd name="connsiteX6" fmla="*/ 540153 w 562639"/>
+                    <a:gd name="connsiteY6" fmla="*/ 2271010 h 2271010"/>
+                    <a:gd name="connsiteX0" fmla="*/ 562639 w 562639"/>
+                    <a:gd name="connsiteY0" fmla="*/ 0 h 2271010"/>
+                    <a:gd name="connsiteX1" fmla="*/ 345281 w 562639"/>
+                    <a:gd name="connsiteY1" fmla="*/ 119921 h 2271010"/>
+                    <a:gd name="connsiteX2" fmla="*/ 135419 w 562639"/>
+                    <a:gd name="connsiteY2" fmla="*/ 419724 h 2271010"/>
+                    <a:gd name="connsiteX3" fmla="*/ 508 w 562639"/>
+                    <a:gd name="connsiteY3" fmla="*/ 1109272 h 2271010"/>
+                    <a:gd name="connsiteX4" fmla="*/ 97944 w 562639"/>
+                    <a:gd name="connsiteY4" fmla="*/ 1768839 h 2271010"/>
+                    <a:gd name="connsiteX5" fmla="*/ 307806 w 562639"/>
+                    <a:gd name="connsiteY5" fmla="*/ 2136098 h 2271010"/>
+                    <a:gd name="connsiteX6" fmla="*/ 540153 w 562639"/>
+                    <a:gd name="connsiteY6" fmla="*/ 2271010 h 2271010"/>
+                    <a:gd name="connsiteX0" fmla="*/ 562639 w 562639"/>
+                    <a:gd name="connsiteY0" fmla="*/ 0 h 2271010"/>
+                    <a:gd name="connsiteX1" fmla="*/ 345281 w 562639"/>
+                    <a:gd name="connsiteY1" fmla="*/ 119921 h 2271010"/>
+                    <a:gd name="connsiteX2" fmla="*/ 135419 w 562639"/>
+                    <a:gd name="connsiteY2" fmla="*/ 419724 h 2271010"/>
+                    <a:gd name="connsiteX3" fmla="*/ 508 w 562639"/>
+                    <a:gd name="connsiteY3" fmla="*/ 1109272 h 2271010"/>
+                    <a:gd name="connsiteX4" fmla="*/ 97944 w 562639"/>
+                    <a:gd name="connsiteY4" fmla="*/ 1768839 h 2271010"/>
+                    <a:gd name="connsiteX5" fmla="*/ 307806 w 562639"/>
+                    <a:gd name="connsiteY5" fmla="*/ 2136098 h 2271010"/>
+                    <a:gd name="connsiteX6" fmla="*/ 540153 w 562639"/>
+                    <a:gd name="connsiteY6" fmla="*/ 2271010 h 2271010"/>
+                    <a:gd name="connsiteX0" fmla="*/ 562639 w 562639"/>
+                    <a:gd name="connsiteY0" fmla="*/ 0 h 2271010"/>
+                    <a:gd name="connsiteX1" fmla="*/ 345281 w 562639"/>
+                    <a:gd name="connsiteY1" fmla="*/ 119921 h 2271010"/>
+                    <a:gd name="connsiteX2" fmla="*/ 135419 w 562639"/>
+                    <a:gd name="connsiteY2" fmla="*/ 419724 h 2271010"/>
+                    <a:gd name="connsiteX3" fmla="*/ 508 w 562639"/>
+                    <a:gd name="connsiteY3" fmla="*/ 1109272 h 2271010"/>
+                    <a:gd name="connsiteX4" fmla="*/ 97944 w 562639"/>
+                    <a:gd name="connsiteY4" fmla="*/ 1768839 h 2271010"/>
+                    <a:gd name="connsiteX5" fmla="*/ 307806 w 562639"/>
+                    <a:gd name="connsiteY5" fmla="*/ 2136098 h 2271010"/>
+                    <a:gd name="connsiteX6" fmla="*/ 540153 w 562639"/>
+                    <a:gd name="connsiteY6" fmla="*/ 2271010 h 2271010"/>
+                    <a:gd name="connsiteX0" fmla="*/ 562895 w 562895"/>
+                    <a:gd name="connsiteY0" fmla="*/ 0 h 2271010"/>
+                    <a:gd name="connsiteX1" fmla="*/ 345537 w 562895"/>
+                    <a:gd name="connsiteY1" fmla="*/ 119921 h 2271010"/>
+                    <a:gd name="connsiteX2" fmla="*/ 135675 w 562895"/>
+                    <a:gd name="connsiteY2" fmla="*/ 419724 h 2271010"/>
+                    <a:gd name="connsiteX3" fmla="*/ 764 w 562895"/>
+                    <a:gd name="connsiteY3" fmla="*/ 1109272 h 2271010"/>
+                    <a:gd name="connsiteX4" fmla="*/ 98200 w 562895"/>
+                    <a:gd name="connsiteY4" fmla="*/ 1768839 h 2271010"/>
+                    <a:gd name="connsiteX5" fmla="*/ 308062 w 562895"/>
+                    <a:gd name="connsiteY5" fmla="*/ 2136098 h 2271010"/>
+                    <a:gd name="connsiteX6" fmla="*/ 540409 w 562895"/>
+                    <a:gd name="connsiteY6" fmla="*/ 2271010 h 2271010"/>
+                    <a:gd name="connsiteX0" fmla="*/ 562677 w 562677"/>
+                    <a:gd name="connsiteY0" fmla="*/ 0 h 2271010"/>
+                    <a:gd name="connsiteX1" fmla="*/ 345319 w 562677"/>
+                    <a:gd name="connsiteY1" fmla="*/ 119921 h 2271010"/>
+                    <a:gd name="connsiteX2" fmla="*/ 135457 w 562677"/>
+                    <a:gd name="connsiteY2" fmla="*/ 419724 h 2271010"/>
+                    <a:gd name="connsiteX3" fmla="*/ 546 w 562677"/>
+                    <a:gd name="connsiteY3" fmla="*/ 1109272 h 2271010"/>
+                    <a:gd name="connsiteX4" fmla="*/ 97982 w 562677"/>
+                    <a:gd name="connsiteY4" fmla="*/ 1768839 h 2271010"/>
+                    <a:gd name="connsiteX5" fmla="*/ 307844 w 562677"/>
+                    <a:gd name="connsiteY5" fmla="*/ 2136098 h 2271010"/>
+                    <a:gd name="connsiteX6" fmla="*/ 540191 w 562677"/>
+                    <a:gd name="connsiteY6" fmla="*/ 2271010 h 2271010"/>
+                    <a:gd name="connsiteX0" fmla="*/ 562677 w 562677"/>
+                    <a:gd name="connsiteY0" fmla="*/ 0 h 2262809"/>
+                    <a:gd name="connsiteX1" fmla="*/ 345319 w 562677"/>
+                    <a:gd name="connsiteY1" fmla="*/ 111720 h 2262809"/>
+                    <a:gd name="connsiteX2" fmla="*/ 135457 w 562677"/>
+                    <a:gd name="connsiteY2" fmla="*/ 411523 h 2262809"/>
+                    <a:gd name="connsiteX3" fmla="*/ 546 w 562677"/>
+                    <a:gd name="connsiteY3" fmla="*/ 1101071 h 2262809"/>
+                    <a:gd name="connsiteX4" fmla="*/ 97982 w 562677"/>
+                    <a:gd name="connsiteY4" fmla="*/ 1760638 h 2262809"/>
+                    <a:gd name="connsiteX5" fmla="*/ 307844 w 562677"/>
+                    <a:gd name="connsiteY5" fmla="*/ 2127897 h 2262809"/>
+                    <a:gd name="connsiteX6" fmla="*/ 540191 w 562677"/>
+                    <a:gd name="connsiteY6" fmla="*/ 2262809 h 2262809"/>
+                  </a:gdLst>
+                  <a:ahLst/>
+                  <a:cxnLst>
+                    <a:cxn ang="0">
+                      <a:pos x="connsiteX0" y="connsiteY0"/>
+                    </a:cxn>
+                    <a:cxn ang="0">
+                      <a:pos x="connsiteX1" y="connsiteY1"/>
+                    </a:cxn>
+                    <a:cxn ang="0">
+                      <a:pos x="connsiteX2" y="connsiteY2"/>
+                    </a:cxn>
+                    <a:cxn ang="0">
+                      <a:pos x="connsiteX3" y="connsiteY3"/>
+                    </a:cxn>
+                    <a:cxn ang="0">
+                      <a:pos x="connsiteX4" y="connsiteY4"/>
+                    </a:cxn>
+                    <a:cxn ang="0">
+                      <a:pos x="connsiteX5" y="connsiteY5"/>
+                    </a:cxn>
+                    <a:cxn ang="0">
+                      <a:pos x="connsiteX6" y="connsiteY6"/>
+                    </a:cxn>
+                  </a:cxnLst>
+                  <a:rect l="l" t="t" r="r" b="b"/>
+                  <a:pathLst>
+                    <a:path w="562677" h="2262809">
+                      <a:moveTo>
+                        <a:pt x="562677" y="0"/>
+                      </a:moveTo>
+                      <a:cubicBezTo>
+                        <a:pt x="558929" y="0"/>
+                        <a:pt x="408322" y="58168"/>
+                        <a:pt x="345319" y="111720"/>
+                      </a:cubicBezTo>
+                      <a:cubicBezTo>
+                        <a:pt x="274116" y="185775"/>
+                        <a:pt x="205221" y="254832"/>
+                        <a:pt x="135457" y="411523"/>
+                      </a:cubicBezTo>
+                      <a:cubicBezTo>
+                        <a:pt x="65693" y="568214"/>
+                        <a:pt x="6792" y="876219"/>
+                        <a:pt x="546" y="1101071"/>
+                      </a:cubicBezTo>
+                      <a:cubicBezTo>
+                        <a:pt x="-5700" y="1325923"/>
+                        <a:pt x="42666" y="1589500"/>
+                        <a:pt x="97982" y="1760638"/>
+                      </a:cubicBezTo>
+                      <a:cubicBezTo>
+                        <a:pt x="153298" y="1931776"/>
+                        <a:pt x="234143" y="2044202"/>
+                        <a:pt x="307844" y="2127897"/>
+                      </a:cubicBezTo>
+                      <a:cubicBezTo>
+                        <a:pt x="381545" y="2211592"/>
+                        <a:pt x="540191" y="2262809"/>
+                        <a:pt x="540191" y="2262809"/>
+                      </a:cubicBezTo>
+                    </a:path>
+                  </a:pathLst>
+                </a:custGeom>
+                <a:noFill/>
+                <a:ln>
+                  <a:solidFill>
+                    <a:schemeClr val="tx1"/>
+                  </a:solidFill>
+                </a:ln>
+              </p:spPr>
+              <p:style>
+                <a:lnRef idx="2">
+                  <a:schemeClr val="accent1">
+                    <a:shade val="50000"/>
+                  </a:schemeClr>
+                </a:lnRef>
+                <a:fillRef idx="1">
+                  <a:schemeClr val="accent1"/>
+                </a:fillRef>
+                <a:effectRef idx="0">
+                  <a:schemeClr val="accent1"/>
+                </a:effectRef>
+                <a:fontRef idx="minor">
+                  <a:schemeClr val="lt1"/>
+                </a:fontRef>
+              </p:style>
+              <p:txBody>
+                <a:bodyPr rtlCol="0" anchor="ctr"/>
+                <a:lstStyle/>
+                <a:p>
+                  <a:pPr algn="ctr"/>
+                  <a:endParaRPr lang="en-US"/>
+                </a:p>
+              </p:txBody>
+            </p:sp>
+          </p:grpSp>
+          <p:cxnSp>
+            <p:nvCxnSpPr>
+              <p:cNvPr id="27" name="Straight Connector 26"/>
+              <p:cNvCxnSpPr>
+                <a:stCxn id="25" idx="0"/>
+                <a:endCxn id="2" idx="0"/>
+              </p:cNvCxnSpPr>
+              <p:nvPr/>
+            </p:nvCxnSpPr>
+            <p:spPr>
+              <a:xfrm>
+                <a:off x="6925456" y="1267375"/>
+                <a:ext cx="653296" cy="12785"/>
+              </a:xfrm>
+              <a:prstGeom prst="line">
+                <a:avLst/>
+              </a:prstGeom>
+              <a:ln w="12700">
+                <a:solidFill>
+                  <a:schemeClr val="tx1"/>
+                </a:solidFill>
+              </a:ln>
+            </p:spPr>
+            <p:style>
+              <a:lnRef idx="1">
+                <a:schemeClr val="accent1"/>
+              </a:lnRef>
+              <a:fillRef idx="0">
+                <a:schemeClr val="accent1"/>
+              </a:fillRef>
+              <a:effectRef idx="0">
+                <a:schemeClr val="accent1"/>
+              </a:effectRef>
+              <a:fontRef idx="minor">
+                <a:schemeClr val="tx1"/>
+              </a:fontRef>
+            </p:style>
+          </p:cxnSp>
+          <p:cxnSp>
+            <p:nvCxnSpPr>
+              <p:cNvPr id="36" name="Straight Connector 35"/>
+              <p:cNvCxnSpPr>
+                <a:endCxn id="2" idx="4"/>
+              </p:cNvCxnSpPr>
+              <p:nvPr/>
+            </p:nvCxnSpPr>
+            <p:spPr>
+              <a:xfrm flipV="1">
+                <a:off x="6893640" y="3525520"/>
+                <a:ext cx="685112" cy="4790"/>
+              </a:xfrm>
+              <a:prstGeom prst="line">
+                <a:avLst/>
+              </a:prstGeom>
+              <a:ln w="12700">
+                <a:solidFill>
+                  <a:schemeClr val="tx1"/>
+                </a:solidFill>
+              </a:ln>
+            </p:spPr>
+            <p:style>
+              <a:lnRef idx="1">
+                <a:schemeClr val="accent1"/>
+              </a:lnRef>
+              <a:fillRef idx="0">
+                <a:schemeClr val="accent1"/>
+              </a:fillRef>
+              <a:effectRef idx="0">
+                <a:schemeClr val="accent1"/>
+              </a:effectRef>
+              <a:fontRef idx="minor">
+                <a:schemeClr val="tx1"/>
+              </a:fontRef>
+            </p:style>
+          </p:cxnSp>
+        </p:grpSp>
+      </p:grpSp>
+      <p:grpSp>
+        <p:nvGrpSpPr>
+          <p:cNvPr id="100" name="Group 99"/>
+          <p:cNvGrpSpPr/>
+          <p:nvPr/>
+        </p:nvGrpSpPr>
+        <p:grpSpPr>
+          <a:xfrm>
+            <a:off x="5296462" y="195199"/>
+            <a:ext cx="6064902" cy="2756080"/>
+            <a:chOff x="5296462" y="195199"/>
+            <a:chExt cx="6064902" cy="2756080"/>
+          </a:xfrm>
+        </p:grpSpPr>
+        <p:grpSp>
+          <p:nvGrpSpPr>
+            <p:cNvPr id="96" name="Group 95"/>
+            <p:cNvGrpSpPr/>
+            <p:nvPr/>
+          </p:nvGrpSpPr>
+          <p:grpSpPr>
+            <a:xfrm>
+              <a:off x="5625902" y="195199"/>
+              <a:ext cx="5735462" cy="2756080"/>
+              <a:chOff x="5625902" y="195199"/>
+              <a:chExt cx="5735462" cy="2756080"/>
+            </a:xfrm>
+          </p:grpSpPr>
+          <p:sp>
+            <p:nvSpPr>
+              <p:cNvPr id="93" name="Trapezoid 92"/>
+              <p:cNvSpPr/>
+              <p:nvPr/>
+            </p:nvSpPr>
+            <p:spPr>
+              <a:xfrm>
+                <a:off x="5874473" y="914400"/>
+                <a:ext cx="1583063" cy="594788"/>
+              </a:xfrm>
+              <a:prstGeom prst="trapezoid">
+                <a:avLst/>
+              </a:prstGeom>
+              <a:solidFill>
+                <a:srgbClr val="4327C4"/>
+              </a:solidFill>
+              <a:ln>
+                <a:noFill/>
+              </a:ln>
+            </p:spPr>
+            <p:style>
+              <a:lnRef idx="2">
+                <a:schemeClr val="accent1">
+                  <a:shade val="50000"/>
+                </a:schemeClr>
+              </a:lnRef>
+              <a:fillRef idx="1">
+                <a:schemeClr val="accent1"/>
+              </a:fillRef>
+              <a:effectRef idx="0">
+                <a:schemeClr val="accent1"/>
+              </a:effectRef>
+              <a:fontRef idx="minor">
+                <a:schemeClr val="lt1"/>
+              </a:fontRef>
+            </p:style>
+            <p:txBody>
+              <a:bodyPr rtlCol="0" anchor="ctr"/>
+              <a:lstStyle/>
+              <a:p>
+                <a:pPr algn="ctr"/>
+                <a:endParaRPr lang="en-US"/>
+              </a:p>
+            </p:txBody>
+          </p:sp>
+          <p:sp>
+            <p:nvSpPr>
+              <p:cNvPr id="94" name="Trapezoid 93"/>
+              <p:cNvSpPr/>
+              <p:nvPr/>
+            </p:nvSpPr>
+            <p:spPr>
+              <a:xfrm>
+                <a:off x="5774838" y="917271"/>
+                <a:ext cx="775666" cy="594788"/>
+              </a:xfrm>
+              <a:prstGeom prst="trapezoid">
+                <a:avLst>
+                  <a:gd name="adj" fmla="val 87364"/>
+                </a:avLst>
+              </a:prstGeom>
+              <a:solidFill>
+                <a:srgbClr val="4327C4"/>
+              </a:solidFill>
+              <a:ln>
+                <a:noFill/>
+              </a:ln>
+            </p:spPr>
+            <p:style>
+              <a:lnRef idx="2">
+                <a:schemeClr val="accent1">
+                  <a:shade val="50000"/>
+                </a:schemeClr>
+              </a:lnRef>
+              <a:fillRef idx="1">
+                <a:schemeClr val="accent1"/>
+              </a:fillRef>
+              <a:effectRef idx="0">
+                <a:schemeClr val="accent1"/>
+              </a:effectRef>
+              <a:fontRef idx="minor">
+                <a:schemeClr val="lt1"/>
+              </a:fontRef>
+            </p:style>
+            <p:txBody>
+              <a:bodyPr rtlCol="0" anchor="ctr"/>
+              <a:lstStyle/>
+              <a:p>
+                <a:pPr algn="ctr"/>
+                <a:endParaRPr lang="en-US"/>
+              </a:p>
+            </p:txBody>
+          </p:sp>
+          <p:sp>
+            <p:nvSpPr>
+              <p:cNvPr id="95" name="Trapezoid 94"/>
+              <p:cNvSpPr/>
+              <p:nvPr/>
+            </p:nvSpPr>
+            <p:spPr>
+              <a:xfrm flipH="1">
+                <a:off x="6797569" y="1223248"/>
+                <a:ext cx="772541" cy="285358"/>
+              </a:xfrm>
+              <a:prstGeom prst="trapezoid">
+                <a:avLst>
+                  <a:gd name="adj" fmla="val 93661"/>
+                </a:avLst>
+              </a:prstGeom>
+              <a:solidFill>
+                <a:srgbClr val="4327C4"/>
+              </a:solidFill>
+              <a:ln>
+                <a:noFill/>
+              </a:ln>
+            </p:spPr>
+            <p:style>
+              <a:lnRef idx="2">
+                <a:schemeClr val="accent1">
+                  <a:shade val="50000"/>
+                </a:schemeClr>
+              </a:lnRef>
+              <a:fillRef idx="1">
+                <a:schemeClr val="accent1"/>
+              </a:fillRef>
+              <a:effectRef idx="0">
+                <a:schemeClr val="accent1"/>
+              </a:effectRef>
+              <a:fontRef idx="minor">
+                <a:schemeClr val="lt1"/>
+              </a:fontRef>
+            </p:style>
+            <p:txBody>
+              <a:bodyPr rtlCol="0" anchor="ctr"/>
+              <a:lstStyle/>
+              <a:p>
+                <a:pPr algn="ctr"/>
+                <a:endParaRPr lang="en-US"/>
+              </a:p>
+            </p:txBody>
+          </p:sp>
+          <p:sp>
+            <p:nvSpPr>
+              <p:cNvPr id="84" name="Rectangle 83"/>
+              <p:cNvSpPr/>
+              <p:nvPr/>
+            </p:nvSpPr>
+            <p:spPr>
+              <a:xfrm>
+                <a:off x="5949275" y="1978118"/>
+                <a:ext cx="191974" cy="196902"/>
+              </a:xfrm>
+              <a:prstGeom prst="rect">
+                <a:avLst/>
+              </a:prstGeom>
+              <a:solidFill>
+                <a:schemeClr val="bg2">
+                  <a:lumMod val="10000"/>
+                </a:schemeClr>
+              </a:solidFill>
+              <a:ln>
+                <a:solidFill>
+                  <a:schemeClr val="tx1"/>
+                </a:solidFill>
+              </a:ln>
+            </p:spPr>
+            <p:style>
+              <a:lnRef idx="2">
+                <a:schemeClr val="accent1">
+                  <a:shade val="50000"/>
+                </a:schemeClr>
+              </a:lnRef>
+              <a:fillRef idx="1">
+                <a:schemeClr val="accent1"/>
+              </a:fillRef>
+              <a:effectRef idx="0">
+                <a:schemeClr val="accent1"/>
+              </a:effectRef>
+              <a:fontRef idx="minor">
+                <a:schemeClr val="lt1"/>
+              </a:fontRef>
+            </p:style>
+            <p:txBody>
+              <a:bodyPr rtlCol="0" anchor="ctr"/>
+              <a:lstStyle/>
+              <a:p>
+                <a:pPr algn="ctr"/>
+                <a:endParaRPr lang="en-US"/>
+              </a:p>
+            </p:txBody>
+          </p:sp>
+          <p:sp>
+            <p:nvSpPr>
+              <p:cNvPr id="85" name="Rectangle 84"/>
+              <p:cNvSpPr/>
+              <p:nvPr/>
+            </p:nvSpPr>
+            <p:spPr>
+              <a:xfrm>
+                <a:off x="7240362" y="1978118"/>
+                <a:ext cx="191974" cy="196902"/>
+              </a:xfrm>
+              <a:prstGeom prst="rect">
+                <a:avLst/>
+              </a:prstGeom>
+              <a:solidFill>
+                <a:schemeClr val="bg2">
+                  <a:lumMod val="10000"/>
+                </a:schemeClr>
+              </a:solidFill>
+              <a:ln>
+                <a:solidFill>
+                  <a:schemeClr val="tx1"/>
+                </a:solidFill>
+              </a:ln>
+            </p:spPr>
+            <p:style>
+              <a:lnRef idx="2">
+                <a:schemeClr val="accent1">
+                  <a:shade val="50000"/>
+                </a:schemeClr>
+              </a:lnRef>
+              <a:fillRef idx="1">
+                <a:schemeClr val="accent1"/>
+              </a:fillRef>
+              <a:effectRef idx="0">
+                <a:schemeClr val="accent1"/>
+              </a:effectRef>
+              <a:fontRef idx="minor">
+                <a:schemeClr val="lt1"/>
+              </a:fontRef>
+            </p:style>
+            <p:txBody>
+              <a:bodyPr rtlCol="0" anchor="ctr"/>
+              <a:lstStyle/>
+              <a:p>
+                <a:pPr algn="ctr"/>
+                <a:endParaRPr lang="en-US"/>
+              </a:p>
+            </p:txBody>
+          </p:sp>
+          <p:sp>
+            <p:nvSpPr>
+              <p:cNvPr id="90" name="Rectangle 89"/>
+              <p:cNvSpPr/>
+              <p:nvPr/>
+            </p:nvSpPr>
+            <p:spPr>
+              <a:xfrm>
+                <a:off x="5762445" y="1509188"/>
+                <a:ext cx="1807963" cy="500767"/>
+              </a:xfrm>
+              <a:prstGeom prst="rect">
+                <a:avLst/>
+              </a:prstGeom>
+              <a:solidFill>
+                <a:srgbClr val="4327C4"/>
+              </a:solidFill>
+              <a:ln>
+                <a:solidFill>
+                  <a:srgbClr val="4327C4"/>
+                </a:solidFill>
+              </a:ln>
+            </p:spPr>
+            <p:style>
+              <a:lnRef idx="2">
+                <a:schemeClr val="accent1">
+                  <a:shade val="50000"/>
+                </a:schemeClr>
+              </a:lnRef>
+              <a:fillRef idx="1">
+                <a:schemeClr val="accent1"/>
+              </a:fillRef>
+              <a:effectRef idx="0">
+                <a:schemeClr val="accent1"/>
+              </a:effectRef>
+              <a:fontRef idx="minor">
+                <a:schemeClr val="lt1"/>
+              </a:fontRef>
+            </p:style>
+            <p:txBody>
+              <a:bodyPr rtlCol="0" anchor="ctr"/>
+              <a:lstStyle/>
+              <a:p>
+                <a:pPr algn="ctr"/>
+                <a:endParaRPr lang="en-US"/>
+              </a:p>
+            </p:txBody>
+          </p:sp>
+          <p:grpSp>
+            <p:nvGrpSpPr>
+              <p:cNvPr id="78" name="Group 77"/>
+              <p:cNvGrpSpPr/>
+              <p:nvPr/>
+            </p:nvGrpSpPr>
+            <p:grpSpPr>
+              <a:xfrm>
+                <a:off x="5625902" y="195199"/>
+                <a:ext cx="5735462" cy="2756080"/>
+                <a:chOff x="5625902" y="195199"/>
+                <a:chExt cx="5735462" cy="2756080"/>
+              </a:xfrm>
+            </p:grpSpPr>
+            <p:grpSp>
+              <p:nvGrpSpPr>
+                <p:cNvPr id="53" name="Group 52"/>
+                <p:cNvGrpSpPr/>
+                <p:nvPr/>
+              </p:nvGrpSpPr>
+              <p:grpSpPr>
+                <a:xfrm>
+                  <a:off x="8018187" y="195199"/>
+                  <a:ext cx="3343177" cy="2756080"/>
+                  <a:chOff x="4924371" y="987792"/>
+                  <a:chExt cx="3343177" cy="2756080"/>
+                </a:xfrm>
+              </p:grpSpPr>
+              <p:cxnSp>
+                <p:nvCxnSpPr>
+                  <p:cNvPr id="50" name="Straight Connector 49"/>
+                  <p:cNvCxnSpPr/>
+                  <p:nvPr/>
+                </p:nvCxnSpPr>
+                <p:spPr>
+                  <a:xfrm flipH="1">
+                    <a:off x="6826109" y="2419847"/>
+                    <a:ext cx="1441439" cy="0"/>
+                  </a:xfrm>
+                  <a:prstGeom prst="line">
+                    <a:avLst/>
+                  </a:prstGeom>
+                  <a:ln w="28575">
+                    <a:solidFill>
+                      <a:schemeClr val="tx1"/>
+                    </a:solidFill>
+                    <a:prstDash val="dash"/>
+                  </a:ln>
+                </p:spPr>
+                <p:style>
+                  <a:lnRef idx="1">
+                    <a:schemeClr val="accent1"/>
+                  </a:lnRef>
+                  <a:fillRef idx="0">
+                    <a:schemeClr val="accent1"/>
+                  </a:fillRef>
+                  <a:effectRef idx="0">
+                    <a:schemeClr val="accent1"/>
+                  </a:effectRef>
+                  <a:fontRef idx="minor">
+                    <a:schemeClr val="tx1"/>
+                  </a:fontRef>
+                </p:style>
+              </p:cxnSp>
+              <p:pic>
+                <p:nvPicPr>
+                  <p:cNvPr id="45" name="Picture 44"/>
+                  <p:cNvPicPr>
+                    <a:picLocks noChangeAspect="1"/>
+                  </p:cNvPicPr>
+                  <p:nvPr/>
+                </p:nvPicPr>
+                <p:blipFill>
+                  <a:blip r:embed="rId5">
+                    <a:extLst>
+                      <a:ext uri="{28A0092B-C50C-407E-A947-70E740481C1C}">
+                        <a14:useLocalDpi xmlns:a14="http://schemas.microsoft.com/office/drawing/2010/main" val="0"/>
+                      </a:ext>
+                    </a:extLst>
+                  </a:blip>
+                  <a:stretch>
+                    <a:fillRect/>
+                  </a:stretch>
+                </p:blipFill>
+                <p:spPr>
+                  <a:xfrm flipH="1">
+                    <a:off x="5742766" y="1261787"/>
+                    <a:ext cx="1822704" cy="2273808"/>
+                  </a:xfrm>
+                  <a:prstGeom prst="rect">
+                    <a:avLst/>
+                  </a:prstGeom>
+                </p:spPr>
+              </p:pic>
+              <p:cxnSp>
+                <p:nvCxnSpPr>
+                  <p:cNvPr id="49" name="Straight Connector 48"/>
+                  <p:cNvCxnSpPr/>
+                  <p:nvPr/>
+                </p:nvCxnSpPr>
+                <p:spPr>
+                  <a:xfrm flipH="1">
+                    <a:off x="4924371" y="2419847"/>
+                    <a:ext cx="1304042" cy="0"/>
+                  </a:xfrm>
+                  <a:prstGeom prst="line">
+                    <a:avLst/>
+                  </a:prstGeom>
+                  <a:ln w="28575">
+                    <a:solidFill>
+                      <a:schemeClr val="tx1"/>
+                    </a:solidFill>
+                    <a:prstDash val="dash"/>
+                  </a:ln>
+                </p:spPr>
+                <p:style>
+                  <a:lnRef idx="1">
+                    <a:schemeClr val="accent1"/>
+                  </a:lnRef>
+                  <a:fillRef idx="0">
+                    <a:schemeClr val="accent1"/>
+                  </a:fillRef>
+                  <a:effectRef idx="0">
+                    <a:schemeClr val="accent1"/>
+                  </a:effectRef>
+                  <a:fontRef idx="minor">
+                    <a:schemeClr val="tx1"/>
+                  </a:fontRef>
+                </p:style>
+              </p:cxnSp>
+              <p:sp>
+                <p:nvSpPr>
+                  <p:cNvPr id="51" name="Arc 50"/>
+                  <p:cNvSpPr/>
+                  <p:nvPr/>
+                </p:nvSpPr>
+                <p:spPr>
+                  <a:xfrm>
+                    <a:off x="6014256" y="987792"/>
+                    <a:ext cx="1760353" cy="2756079"/>
+                  </a:xfrm>
+                  <a:prstGeom prst="arc">
+                    <a:avLst>
+                      <a:gd name="adj1" fmla="val 18269427"/>
+                      <a:gd name="adj2" fmla="val 20750852"/>
+                    </a:avLst>
+                  </a:prstGeom>
+                  <a:ln w="38100">
+                    <a:solidFill>
+                      <a:schemeClr val="tx1"/>
+                    </a:solidFill>
+                    <a:headEnd type="triangle" w="med" len="med"/>
+                    <a:tailEnd type="none" w="med" len="med"/>
+                  </a:ln>
+                </p:spPr>
+                <p:style>
+                  <a:lnRef idx="1">
+                    <a:schemeClr val="accent1"/>
+                  </a:lnRef>
+                  <a:fillRef idx="0">
+                    <a:schemeClr val="accent1"/>
+                  </a:fillRef>
+                  <a:effectRef idx="0">
+                    <a:schemeClr val="accent1"/>
+                  </a:effectRef>
+                  <a:fontRef idx="minor">
+                    <a:schemeClr val="tx1"/>
+                  </a:fontRef>
+                </p:style>
+                <p:txBody>
+                  <a:bodyPr rtlCol="0" anchor="ctr"/>
+                  <a:lstStyle/>
+                  <a:p>
+                    <a:pPr algn="ctr"/>
+                    <a:endParaRPr lang="en-US"/>
+                  </a:p>
+                </p:txBody>
+              </p:sp>
+              <p:sp>
+                <p:nvSpPr>
+                  <p:cNvPr id="52" name="Arc 51"/>
+                  <p:cNvSpPr/>
+                  <p:nvPr/>
+                </p:nvSpPr>
+                <p:spPr>
+                  <a:xfrm flipH="1" flipV="1">
+                    <a:off x="5566278" y="987793"/>
+                    <a:ext cx="1542852" cy="2756079"/>
+                  </a:xfrm>
+                  <a:prstGeom prst="arc">
+                    <a:avLst>
+                      <a:gd name="adj1" fmla="val 305375"/>
+                      <a:gd name="adj2" fmla="val 3477262"/>
+                    </a:avLst>
+                  </a:prstGeom>
+                  <a:ln w="38100">
+                    <a:solidFill>
+                      <a:schemeClr val="tx1"/>
+                    </a:solidFill>
+                    <a:headEnd type="triangle" w="med" len="med"/>
+                    <a:tailEnd type="none" w="med" len="med"/>
+                  </a:ln>
+                </p:spPr>
+                <p:style>
+                  <a:lnRef idx="1">
+                    <a:schemeClr val="accent1"/>
+                  </a:lnRef>
+                  <a:fillRef idx="0">
+                    <a:schemeClr val="accent1"/>
+                  </a:fillRef>
+                  <a:effectRef idx="0">
+                    <a:schemeClr val="accent1"/>
+                  </a:effectRef>
+                  <a:fontRef idx="minor">
+                    <a:schemeClr val="tx1"/>
+                  </a:fontRef>
+                </p:style>
+                <p:txBody>
+                  <a:bodyPr rtlCol="0" anchor="ctr"/>
+                  <a:lstStyle/>
+                  <a:p>
+                    <a:pPr algn="ctr"/>
+                    <a:endParaRPr lang="en-US"/>
+                  </a:p>
+                </p:txBody>
+              </p:sp>
+            </p:grpSp>
+            <p:sp>
+              <p:nvSpPr>
+                <p:cNvPr id="55" name="Rectangle 54"/>
+                <p:cNvSpPr/>
+                <p:nvPr/>
+              </p:nvSpPr>
+              <p:spPr>
+                <a:xfrm>
+                  <a:off x="5625902" y="2175020"/>
+                  <a:ext cx="2164976" cy="137531"/>
+                </a:xfrm>
+                <a:prstGeom prst="rect">
+                  <a:avLst/>
+                </a:prstGeom>
+                <a:solidFill>
+                  <a:srgbClr val="4F4B4B"/>
+                </a:solidFill>
+                <a:ln>
+                  <a:solidFill>
+                    <a:schemeClr val="tx1"/>
+                  </a:solidFill>
+                </a:ln>
+              </p:spPr>
+              <p:style>
+                <a:lnRef idx="2">
+                  <a:schemeClr val="accent1">
+                    <a:shade val="50000"/>
+                  </a:schemeClr>
+                </a:lnRef>
+                <a:fillRef idx="1">
+                  <a:schemeClr val="accent1"/>
+                </a:fillRef>
+                <a:effectRef idx="0">
+                  <a:schemeClr val="accent1"/>
+                </a:effectRef>
+                <a:fontRef idx="minor">
+                  <a:schemeClr val="lt1"/>
+                </a:fontRef>
+              </p:style>
+              <p:txBody>
+                <a:bodyPr rtlCol="0" anchor="ctr"/>
+                <a:lstStyle/>
+                <a:p>
+                  <a:pPr algn="ctr"/>
+                  <a:endParaRPr lang="en-US"/>
+                </a:p>
+              </p:txBody>
+            </p:sp>
+          </p:grpSp>
+          <p:sp>
+            <p:nvSpPr>
+              <p:cNvPr id="82" name="Rectangle 81"/>
+              <p:cNvSpPr/>
+              <p:nvPr/>
+            </p:nvSpPr>
+            <p:spPr>
+              <a:xfrm>
+                <a:off x="6409395" y="1587731"/>
+                <a:ext cx="534808" cy="250847"/>
+              </a:xfrm>
+              <a:prstGeom prst="rect">
+                <a:avLst/>
+              </a:prstGeom>
+              <a:solidFill>
+                <a:schemeClr val="bg1"/>
+              </a:solidFill>
+              <a:ln>
+                <a:solidFill>
+                  <a:schemeClr val="tx1"/>
+                </a:solidFill>
+              </a:ln>
+            </p:spPr>
+            <p:style>
+              <a:lnRef idx="2">
+                <a:schemeClr val="accent1">
+                  <a:shade val="50000"/>
+                </a:schemeClr>
+              </a:lnRef>
+              <a:fillRef idx="1">
+                <a:schemeClr val="accent1"/>
+              </a:fillRef>
+              <a:effectRef idx="0">
+                <a:schemeClr val="accent1"/>
+              </a:effectRef>
+              <a:fontRef idx="minor">
+                <a:schemeClr val="lt1"/>
+              </a:fontRef>
+            </p:style>
+            <p:txBody>
+              <a:bodyPr rtlCol="0" anchor="ctr"/>
+              <a:lstStyle/>
+              <a:p>
+                <a:pPr algn="ctr"/>
+                <a:endParaRPr lang="en-US"/>
+              </a:p>
+            </p:txBody>
+          </p:sp>
+        </p:grpSp>
+        <p:pic>
+          <p:nvPicPr>
+            <p:cNvPr id="83" name="Picture 82"/>
+            <p:cNvPicPr>
+              <a:picLocks noChangeAspect="1"/>
+            </p:cNvPicPr>
+            <p:nvPr/>
+          </p:nvPicPr>
+          <p:blipFill rotWithShape="1">
+            <a:blip r:embed="rId6">
+              <a:extLst>
+                <a:ext uri="{28A0092B-C50C-407E-A947-70E740481C1C}">
+                  <a14:useLocalDpi xmlns:a14="http://schemas.microsoft.com/office/drawing/2010/main" val="0"/>
+                </a:ext>
+              </a:extLst>
+            </a:blip>
+            <a:srcRect l="41752" t="40370" r="43228" b="40379"/>
+            <a:stretch/>
+          </p:blipFill>
+          <p:spPr>
+            <a:xfrm rot="1118501">
+              <a:off x="5296462" y="662796"/>
+              <a:ext cx="2595213" cy="1886605"/>
+            </a:xfrm>
+            <a:prstGeom prst="rect">
+              <a:avLst/>
+            </a:prstGeom>
+          </p:spPr>
+        </p:pic>
+        <p:cxnSp>
+          <p:nvCxnSpPr>
+            <p:cNvPr id="99" name="Straight Connector 98"/>
+            <p:cNvCxnSpPr/>
+            <p:nvPr/>
+          </p:nvCxnSpPr>
+          <p:spPr>
+            <a:xfrm flipV="1">
+              <a:off x="5761419" y="2016698"/>
+              <a:ext cx="1795571" cy="0"/>
+            </a:xfrm>
+            <a:prstGeom prst="line">
+              <a:avLst/>
+            </a:prstGeom>
+            <a:ln w="28575">
+              <a:solidFill>
+                <a:schemeClr val="tx1"/>
+              </a:solidFill>
+            </a:ln>
+          </p:spPr>
+          <p:style>
+            <a:lnRef idx="1">
+              <a:schemeClr val="accent1"/>
+            </a:lnRef>
+            <a:fillRef idx="0">
+              <a:schemeClr val="accent1"/>
+            </a:fillRef>
+            <a:effectRef idx="0">
+              <a:schemeClr val="accent1"/>
+            </a:effectRef>
+            <a:fontRef idx="minor">
+              <a:schemeClr val="tx1"/>
+            </a:fontRef>
+          </p:style>
+        </p:cxnSp>
+      </p:grpSp>
+      <p:grpSp>
+        <p:nvGrpSpPr>
+          <p:cNvPr id="147" name="Group 146"/>
+          <p:cNvGrpSpPr/>
+          <p:nvPr/>
+        </p:nvGrpSpPr>
+        <p:grpSpPr>
+          <a:xfrm>
+            <a:off x="150610" y="3581523"/>
+            <a:ext cx="11760987" cy="2484034"/>
+            <a:chOff x="150610" y="3581523"/>
+            <a:chExt cx="11760987" cy="2484034"/>
+          </a:xfrm>
+        </p:grpSpPr>
+        <p:grpSp>
+          <p:nvGrpSpPr>
+            <p:cNvPr id="146" name="Group 145"/>
+            <p:cNvGrpSpPr/>
+            <p:nvPr/>
+          </p:nvGrpSpPr>
+          <p:grpSpPr>
+            <a:xfrm>
+              <a:off x="150610" y="3581523"/>
+              <a:ext cx="6184336" cy="2484034"/>
+              <a:chOff x="311030" y="3581523"/>
+              <a:chExt cx="6184336" cy="2484034"/>
+            </a:xfrm>
+          </p:grpSpPr>
+          <p:grpSp>
+            <p:nvGrpSpPr>
+              <p:cNvPr id="137" name="Group 136"/>
+              <p:cNvGrpSpPr/>
+              <p:nvPr/>
+            </p:nvGrpSpPr>
+            <p:grpSpPr>
+              <a:xfrm>
+                <a:off x="311030" y="3617692"/>
+                <a:ext cx="6184336" cy="2447865"/>
+                <a:chOff x="311369" y="3834545"/>
+                <a:chExt cx="6184336" cy="2447865"/>
+              </a:xfrm>
+            </p:grpSpPr>
+            <p:pic>
+              <p:nvPicPr>
+                <p:cNvPr id="75" name="Picture 74"/>
+                <p:cNvPicPr>
+                  <a:picLocks noChangeAspect="1"/>
+                </p:cNvPicPr>
+                <p:nvPr/>
+              </p:nvPicPr>
+              <p:blipFill rotWithShape="1">
+                <a:blip r:embed="rId7">
+                  <a:extLst>
+                    <a:ext uri="{28A0092B-C50C-407E-A947-70E740481C1C}">
+                      <a14:useLocalDpi xmlns:a14="http://schemas.microsoft.com/office/drawing/2010/main" val="0"/>
+                    </a:ext>
+                  </a:extLst>
+                </a:blip>
+                <a:srcRect l="38455" t="21241" r="42539" b="65940"/>
+                <a:stretch/>
+              </p:blipFill>
+              <p:spPr>
+                <a:xfrm>
+                  <a:off x="311369" y="4358886"/>
+                  <a:ext cx="3168493" cy="1212075"/>
+                </a:xfrm>
+                <a:prstGeom prst="rect">
+                  <a:avLst/>
+                </a:prstGeom>
+              </p:spPr>
+            </p:pic>
+            <p:cxnSp>
+              <p:nvCxnSpPr>
+                <p:cNvPr id="79" name="Straight Connector 78"/>
+                <p:cNvCxnSpPr/>
+                <p:nvPr/>
+              </p:nvCxnSpPr>
+              <p:spPr>
+                <a:xfrm flipH="1">
+                  <a:off x="3403162" y="3834545"/>
+                  <a:ext cx="0" cy="2134998"/>
+                </a:xfrm>
+                <a:prstGeom prst="line">
+                  <a:avLst/>
+                </a:prstGeom>
+                <a:ln w="28575">
+                  <a:solidFill>
+                    <a:schemeClr val="tx1"/>
+                  </a:solidFill>
+                  <a:prstDash val="dash"/>
+                </a:ln>
+              </p:spPr>
+              <p:style>
+                <a:lnRef idx="1">
+                  <a:schemeClr val="accent1"/>
+                </a:lnRef>
+                <a:fillRef idx="0">
+                  <a:schemeClr val="accent1"/>
+                </a:fillRef>
+                <a:effectRef idx="0">
+                  <a:schemeClr val="accent1"/>
+                </a:effectRef>
+                <a:fontRef idx="minor">
+                  <a:schemeClr val="tx1"/>
+                </a:fontRef>
+              </p:style>
+            </p:cxnSp>
+            <mc:AlternateContent xmlns:mc="http://schemas.openxmlformats.org/markup-compatibility/2006">
+              <mc:Choice xmlns:a14="http://schemas.microsoft.com/office/drawing/2010/main" Requires="a14">
+                <p:sp>
+                  <p:nvSpPr>
+                    <p:cNvPr id="80" name="TextBox 79"/>
+                    <p:cNvSpPr txBox="1"/>
+                    <p:nvPr/>
+                  </p:nvSpPr>
+                  <p:spPr>
+                    <a:xfrm>
+                      <a:off x="3045692" y="6005411"/>
+                      <a:ext cx="714939" cy="276999"/>
+                    </a:xfrm>
+                    <a:prstGeom prst="rect">
+                      <a:avLst/>
+                    </a:prstGeom>
+                    <a:noFill/>
+                  </p:spPr>
+                  <p:txBody>
+                    <a:bodyPr wrap="none" lIns="0" tIns="0" rIns="0" bIns="0" rtlCol="0">
+                      <a:spAutoFit/>
+                    </a:bodyPr>
+                    <a:lstStyle/>
+                    <a:p>
+                      <a14:m>
+                        <m:oMathPara xmlns:m="http://schemas.openxmlformats.org/officeDocument/2006/math">
+                          <m:oMathParaPr>
+                            <m:jc m:val="centerGroup"/>
+                          </m:oMathParaPr>
+                          <m:oMath xmlns:m="http://schemas.openxmlformats.org/officeDocument/2006/math">
+                            <m:r>
+                              <m:rPr>
+                                <m:nor/>
+                              </m:rPr>
+                              <a:rPr lang="en-CA" b="0" i="0" smtClean="0">
+                                <a:latin typeface="Cambria Math" charset="0"/>
+                              </a:rPr>
+                              <m:t>Mirror</m:t>
+                            </m:r>
+                          </m:oMath>
+                        </m:oMathPara>
+                      </a14:m>
+                      <a:endParaRPr lang="en-US" dirty="0"/>
+                    </a:p>
+                  </p:txBody>
+                </p:sp>
+              </mc:Choice>
+              <mc:Fallback>
+                <p:sp>
+                  <p:nvSpPr>
+                    <p:cNvPr id="80" name="TextBox 79"/>
+                    <p:cNvSpPr txBox="1">
+                      <a:spLocks noRot="1" noChangeAspect="1" noMove="1" noResize="1" noEditPoints="1" noAdjustHandles="1" noChangeArrowheads="1" noChangeShapeType="1" noTextEdit="1"/>
+                    </p:cNvSpPr>
+                    <p:nvPr/>
+                  </p:nvSpPr>
+                  <p:spPr>
+                    <a:xfrm>
+                      <a:off x="3045692" y="6005411"/>
+                      <a:ext cx="714939" cy="276999"/>
+                    </a:xfrm>
+                    <a:prstGeom prst="rect">
+                      <a:avLst/>
+                    </a:prstGeom>
+                    <a:blipFill rotWithShape="0">
+                      <a:blip r:embed="rId8"/>
+                      <a:stretch>
+                        <a:fillRect l="-6780" r="-6780" b="-6667"/>
+                      </a:stretch>
+                    </a:blipFill>
+                  </p:spPr>
+                  <p:txBody>
+                    <a:bodyPr/>
+                    <a:lstStyle/>
+                    <a:p>
+                      <a:r>
+                        <a:rPr lang="en-US">
+                          <a:noFill/>
+                        </a:rPr>
+                        <a:t> </a:t>
+                      </a:r>
+                    </a:p>
+                  </p:txBody>
+                </p:sp>
+              </mc:Fallback>
+            </mc:AlternateContent>
+            <p:pic>
+              <p:nvPicPr>
+                <p:cNvPr id="81" name="Picture 80"/>
+                <p:cNvPicPr>
+                  <a:picLocks noChangeAspect="1"/>
+                </p:cNvPicPr>
+                <p:nvPr/>
+              </p:nvPicPr>
+              <p:blipFill rotWithShape="1">
+                <a:blip r:embed="rId7">
+                  <a:extLst>
+                    <a:ext uri="{28A0092B-C50C-407E-A947-70E740481C1C}">
+                      <a14:useLocalDpi xmlns:a14="http://schemas.microsoft.com/office/drawing/2010/main" val="0"/>
+                    </a:ext>
+                  </a:extLst>
+                </a:blip>
+                <a:srcRect l="38455" t="21241" r="42539" b="65940"/>
+                <a:stretch/>
+              </p:blipFill>
+              <p:spPr>
+                <a:xfrm flipH="1">
+                  <a:off x="3327212" y="4369199"/>
+                  <a:ext cx="3168493" cy="1212075"/>
+                </a:xfrm>
+                <a:prstGeom prst="rect">
+                  <a:avLst/>
+                </a:prstGeom>
+              </p:spPr>
+            </p:pic>
+            <p:sp>
+              <p:nvSpPr>
+                <p:cNvPr id="132" name="Oval 131"/>
+                <p:cNvSpPr/>
+                <p:nvPr/>
+              </p:nvSpPr>
+              <p:spPr>
+                <a:xfrm>
+                  <a:off x="776996" y="5187854"/>
+                  <a:ext cx="360000" cy="360000"/>
+                </a:xfrm>
+                <a:prstGeom prst="ellipse">
+                  <a:avLst/>
+                </a:prstGeom>
+                <a:solidFill>
+                  <a:schemeClr val="bg2">
+                    <a:lumMod val="10000"/>
+                  </a:schemeClr>
+                </a:solidFill>
+                <a:ln>
+                  <a:solidFill>
+                    <a:schemeClr val="tx1"/>
+                  </a:solidFill>
+                </a:ln>
+              </p:spPr>
+              <p:style>
+                <a:lnRef idx="2">
+                  <a:schemeClr val="accent1">
+                    <a:shade val="50000"/>
+                  </a:schemeClr>
+                </a:lnRef>
+                <a:fillRef idx="1">
+                  <a:schemeClr val="accent1"/>
+                </a:fillRef>
+                <a:effectRef idx="0">
+                  <a:schemeClr val="accent1"/>
+                </a:effectRef>
+                <a:fontRef idx="minor">
+                  <a:schemeClr val="lt1"/>
+                </a:fontRef>
+              </p:style>
+              <p:txBody>
+                <a:bodyPr rtlCol="0" anchor="ctr"/>
+                <a:lstStyle/>
+                <a:p>
+                  <a:pPr algn="ctr"/>
+                  <a:endParaRPr lang="en-US"/>
+                </a:p>
+              </p:txBody>
+            </p:sp>
+            <p:sp>
+              <p:nvSpPr>
+                <p:cNvPr id="133" name="Oval 132"/>
+                <p:cNvSpPr/>
+                <p:nvPr/>
+              </p:nvSpPr>
+              <p:spPr>
+                <a:xfrm>
+                  <a:off x="2468023" y="5212251"/>
+                  <a:ext cx="360000" cy="360000"/>
+                </a:xfrm>
+                <a:prstGeom prst="ellipse">
+                  <a:avLst/>
+                </a:prstGeom>
+                <a:solidFill>
+                  <a:schemeClr val="bg2">
+                    <a:lumMod val="10000"/>
+                  </a:schemeClr>
+                </a:solidFill>
+                <a:ln>
+                  <a:solidFill>
+                    <a:schemeClr val="tx1"/>
+                  </a:solidFill>
+                </a:ln>
+              </p:spPr>
+              <p:style>
+                <a:lnRef idx="2">
+                  <a:schemeClr val="accent1">
+                    <a:shade val="50000"/>
+                  </a:schemeClr>
+                </a:lnRef>
+                <a:fillRef idx="1">
+                  <a:schemeClr val="accent1"/>
+                </a:fillRef>
+                <a:effectRef idx="0">
+                  <a:schemeClr val="accent1"/>
+                </a:effectRef>
+                <a:fontRef idx="minor">
+                  <a:schemeClr val="lt1"/>
+                </a:fontRef>
+              </p:style>
+              <p:txBody>
+                <a:bodyPr rtlCol="0" anchor="ctr"/>
+                <a:lstStyle/>
+                <a:p>
+                  <a:pPr algn="ctr"/>
+                  <a:endParaRPr lang="en-US"/>
+                </a:p>
+              </p:txBody>
+            </p:sp>
+            <p:sp>
+              <p:nvSpPr>
+                <p:cNvPr id="134" name="Oval 133"/>
+                <p:cNvSpPr/>
+                <p:nvPr/>
+              </p:nvSpPr>
+              <p:spPr>
+                <a:xfrm>
+                  <a:off x="3977999" y="5219969"/>
+                  <a:ext cx="360000" cy="360000"/>
+                </a:xfrm>
+                <a:prstGeom prst="ellipse">
+                  <a:avLst/>
+                </a:prstGeom>
+                <a:solidFill>
+                  <a:schemeClr val="bg2">
+                    <a:lumMod val="10000"/>
+                  </a:schemeClr>
+                </a:solidFill>
+                <a:ln>
+                  <a:solidFill>
+                    <a:schemeClr val="tx1"/>
+                  </a:solidFill>
+                </a:ln>
+              </p:spPr>
+              <p:style>
+                <a:lnRef idx="2">
+                  <a:schemeClr val="accent1">
+                    <a:shade val="50000"/>
+                  </a:schemeClr>
+                </a:lnRef>
+                <a:fillRef idx="1">
+                  <a:schemeClr val="accent1"/>
+                </a:fillRef>
+                <a:effectRef idx="0">
+                  <a:schemeClr val="accent1"/>
+                </a:effectRef>
+                <a:fontRef idx="minor">
+                  <a:schemeClr val="lt1"/>
+                </a:fontRef>
+              </p:style>
+              <p:txBody>
+                <a:bodyPr rtlCol="0" anchor="ctr"/>
+                <a:lstStyle/>
+                <a:p>
+                  <a:pPr algn="ctr"/>
+                  <a:endParaRPr lang="en-US"/>
+                </a:p>
+              </p:txBody>
+            </p:sp>
+            <p:sp>
+              <p:nvSpPr>
+                <p:cNvPr id="135" name="Oval 134"/>
+                <p:cNvSpPr/>
+                <p:nvPr/>
+              </p:nvSpPr>
+              <p:spPr>
+                <a:xfrm>
+                  <a:off x="5669026" y="5204787"/>
+                  <a:ext cx="360000" cy="360000"/>
+                </a:xfrm>
+                <a:prstGeom prst="ellipse">
+                  <a:avLst/>
+                </a:prstGeom>
+                <a:solidFill>
+                  <a:schemeClr val="bg2">
+                    <a:lumMod val="10000"/>
+                  </a:schemeClr>
+                </a:solidFill>
+                <a:ln>
+                  <a:solidFill>
+                    <a:schemeClr val="tx1"/>
+                  </a:solidFill>
+                </a:ln>
+              </p:spPr>
+              <p:style>
+                <a:lnRef idx="2">
+                  <a:schemeClr val="accent1">
+                    <a:shade val="50000"/>
+                  </a:schemeClr>
+                </a:lnRef>
+                <a:fillRef idx="1">
+                  <a:schemeClr val="accent1"/>
+                </a:fillRef>
+                <a:effectRef idx="0">
+                  <a:schemeClr val="accent1"/>
+                </a:effectRef>
+                <a:fontRef idx="minor">
+                  <a:schemeClr val="lt1"/>
+                </a:fontRef>
+              </p:style>
+              <p:txBody>
+                <a:bodyPr rtlCol="0" anchor="ctr"/>
+                <a:lstStyle/>
+                <a:p>
+                  <a:pPr algn="ctr"/>
+                  <a:endParaRPr lang="en-US"/>
+                </a:p>
+              </p:txBody>
+            </p:sp>
+          </p:grpSp>
+          <p:cxnSp>
+            <p:nvCxnSpPr>
+              <p:cNvPr id="139" name="Straight Arrow Connector 138"/>
+              <p:cNvCxnSpPr/>
+              <p:nvPr/>
+            </p:nvCxnSpPr>
+            <p:spPr>
+              <a:xfrm>
+                <a:off x="4434890" y="3949908"/>
+                <a:ext cx="939084" cy="0"/>
+              </a:xfrm>
+              <a:prstGeom prst="straightConnector1">
+                <a:avLst/>
+              </a:prstGeom>
+              <a:ln w="38100">
+                <a:solidFill>
+                  <a:srgbClr val="FF0000"/>
+                </a:solidFill>
+                <a:tailEnd type="triangle"/>
+              </a:ln>
+            </p:spPr>
+            <p:style>
+              <a:lnRef idx="1">
+                <a:schemeClr val="accent1"/>
+              </a:lnRef>
+              <a:fillRef idx="0">
+                <a:schemeClr val="accent1"/>
+              </a:fillRef>
+              <a:effectRef idx="0">
+                <a:schemeClr val="accent1"/>
+              </a:effectRef>
+              <a:fontRef idx="minor">
+                <a:schemeClr val="tx1"/>
+              </a:fontRef>
+            </p:style>
+          </p:cxnSp>
+          <p:cxnSp>
+            <p:nvCxnSpPr>
+              <p:cNvPr id="140" name="Straight Arrow Connector 139"/>
+              <p:cNvCxnSpPr/>
+              <p:nvPr/>
+            </p:nvCxnSpPr>
+            <p:spPr>
+              <a:xfrm flipH="1">
+                <a:off x="1345642" y="3952405"/>
+                <a:ext cx="939084" cy="0"/>
+              </a:xfrm>
+              <a:prstGeom prst="straightConnector1">
+                <a:avLst/>
+              </a:prstGeom>
+              <a:ln w="38100">
+                <a:solidFill>
+                  <a:srgbClr val="FF0000"/>
+                </a:solidFill>
+                <a:tailEnd type="triangle"/>
+              </a:ln>
+            </p:spPr>
+            <p:style>
+              <a:lnRef idx="1">
+                <a:schemeClr val="accent1"/>
+              </a:lnRef>
+              <a:fillRef idx="0">
+                <a:schemeClr val="accent1"/>
+              </a:fillRef>
+              <a:effectRef idx="0">
+                <a:schemeClr val="accent1"/>
+              </a:effectRef>
+              <a:fontRef idx="minor">
+                <a:schemeClr val="tx1"/>
+              </a:fontRef>
+            </p:style>
+          </p:cxnSp>
+          <mc:AlternateContent xmlns:mc="http://schemas.openxmlformats.org/markup-compatibility/2006">
+            <mc:Choice xmlns:a14="http://schemas.microsoft.com/office/drawing/2010/main" Requires="a14">
+              <p:sp>
+                <p:nvSpPr>
+                  <p:cNvPr id="141" name="TextBox 140"/>
+                  <p:cNvSpPr txBox="1"/>
+                  <p:nvPr/>
+                </p:nvSpPr>
+                <p:spPr>
+                  <a:xfrm>
+                    <a:off x="4778182" y="3581523"/>
+                    <a:ext cx="184666" cy="276999"/>
+                  </a:xfrm>
+                  <a:prstGeom prst="rect">
+                    <a:avLst/>
+                  </a:prstGeom>
+                  <a:noFill/>
+                </p:spPr>
+                <p:txBody>
+                  <a:bodyPr wrap="none" lIns="0" tIns="0" rIns="0" bIns="0" rtlCol="0">
+                    <a:spAutoFit/>
+                  </a:bodyPr>
+                  <a:lstStyle/>
+                  <a:p>
+                    <a14:m>
+                      <m:oMathPara xmlns:m="http://schemas.openxmlformats.org/officeDocument/2006/math">
+                        <m:oMathParaPr>
+                          <m:jc m:val="centerGroup"/>
+                        </m:oMathParaPr>
+                        <m:oMath xmlns:m="http://schemas.openxmlformats.org/officeDocument/2006/math">
+                          <m:acc>
+                            <m:accPr>
+                              <m:chr m:val="⃗"/>
+                              <m:ctrlPr>
+                                <a:rPr lang="en-CA" b="0" i="1" smtClean="0">
+                                  <a:solidFill>
+                                    <a:srgbClr val="FF0000"/>
+                                  </a:solidFill>
+                                  <a:latin typeface="Cambria Math" charset="0"/>
+                                </a:rPr>
+                              </m:ctrlPr>
+                            </m:accPr>
+                            <m:e>
+                              <m:r>
+                                <a:rPr lang="en-CA" b="0" i="1" smtClean="0">
+                                  <a:solidFill>
+                                    <a:srgbClr val="FF0000"/>
+                                  </a:solidFill>
+                                  <a:latin typeface="Cambria Math" charset="0"/>
+                                </a:rPr>
+                                <m:t>𝑣</m:t>
+                              </m:r>
+                            </m:e>
+                          </m:acc>
+                        </m:oMath>
+                      </m:oMathPara>
+                    </a14:m>
+                    <a:endParaRPr lang="en-US" dirty="0">
+                      <a:solidFill>
+                        <a:srgbClr val="FF0000"/>
+                      </a:solidFill>
+                    </a:endParaRPr>
+                  </a:p>
+                </p:txBody>
+              </p:sp>
+            </mc:Choice>
+            <mc:Fallback>
+              <p:sp>
+                <p:nvSpPr>
+                  <p:cNvPr id="141" name="TextBox 140"/>
+                  <p:cNvSpPr txBox="1">
+                    <a:spLocks noRot="1" noChangeAspect="1" noMove="1" noResize="1" noEditPoints="1" noAdjustHandles="1" noChangeArrowheads="1" noChangeShapeType="1" noTextEdit="1"/>
+                  </p:cNvSpPr>
+                  <p:nvPr/>
+                </p:nvSpPr>
+                <p:spPr>
+                  <a:xfrm>
+                    <a:off x="4778182" y="3581523"/>
+                    <a:ext cx="184666" cy="276999"/>
+                  </a:xfrm>
+                  <a:prstGeom prst="rect">
+                    <a:avLst/>
+                  </a:prstGeom>
+                  <a:blipFill rotWithShape="0">
+                    <a:blip r:embed="rId9"/>
+                    <a:stretch>
+                      <a:fillRect l="-26667" t="-40000" r="-96667" b="-2222"/>
+                    </a:stretch>
+                  </a:blipFill>
+                </p:spPr>
+                <p:txBody>
+                  <a:bodyPr/>
+                  <a:lstStyle/>
+                  <a:p>
+                    <a:r>
+                      <a:rPr lang="en-US">
+                        <a:noFill/>
+                      </a:rPr>
+                      <a:t> </a:t>
+                    </a:r>
+                  </a:p>
+                </p:txBody>
+              </p:sp>
+            </mc:Fallback>
+          </mc:AlternateContent>
+          <mc:AlternateContent xmlns:mc="http://schemas.openxmlformats.org/markup-compatibility/2006">
+            <mc:Choice xmlns:a14="http://schemas.microsoft.com/office/drawing/2010/main" Requires="a14">
+              <p:sp>
+                <p:nvSpPr>
+                  <p:cNvPr id="142" name="TextBox 141"/>
+                  <p:cNvSpPr txBox="1"/>
+                  <p:nvPr/>
+                </p:nvSpPr>
+                <p:spPr>
+                  <a:xfrm>
+                    <a:off x="1815184" y="3608970"/>
+                    <a:ext cx="184666" cy="276999"/>
+                  </a:xfrm>
+                  <a:prstGeom prst="rect">
+                    <a:avLst/>
+                  </a:prstGeom>
+                  <a:noFill/>
+                </p:spPr>
+                <p:txBody>
+                  <a:bodyPr wrap="none" lIns="0" tIns="0" rIns="0" bIns="0" rtlCol="0">
+                    <a:spAutoFit/>
+                  </a:bodyPr>
+                  <a:lstStyle/>
+                  <a:p>
+                    <a14:m>
+                      <m:oMathPara xmlns:m="http://schemas.openxmlformats.org/officeDocument/2006/math">
+                        <m:oMathParaPr>
+                          <m:jc m:val="centerGroup"/>
+                        </m:oMathParaPr>
+                        <m:oMath xmlns:m="http://schemas.openxmlformats.org/officeDocument/2006/math">
+                          <m:acc>
+                            <m:accPr>
+                              <m:chr m:val="⃗"/>
+                              <m:ctrlPr>
+                                <a:rPr lang="en-CA" b="0" i="1" smtClean="0">
+                                  <a:solidFill>
+                                    <a:srgbClr val="FF0000"/>
+                                  </a:solidFill>
+                                  <a:latin typeface="Cambria Math" charset="0"/>
+                                </a:rPr>
+                              </m:ctrlPr>
+                            </m:accPr>
+                            <m:e>
+                              <m:r>
+                                <a:rPr lang="en-CA" b="0" i="1" smtClean="0">
+                                  <a:solidFill>
+                                    <a:srgbClr val="FF0000"/>
+                                  </a:solidFill>
+                                  <a:latin typeface="Cambria Math" charset="0"/>
+                                </a:rPr>
+                                <m:t>𝑣</m:t>
+                              </m:r>
+                            </m:e>
+                          </m:acc>
+                        </m:oMath>
+                      </m:oMathPara>
+                    </a14:m>
+                    <a:endParaRPr lang="en-US" dirty="0">
+                      <a:solidFill>
+                        <a:srgbClr val="FF0000"/>
+                      </a:solidFill>
+                    </a:endParaRPr>
+                  </a:p>
+                </p:txBody>
+              </p:sp>
+            </mc:Choice>
+            <mc:Fallback>
+              <p:sp>
+                <p:nvSpPr>
+                  <p:cNvPr id="142" name="TextBox 141"/>
+                  <p:cNvSpPr txBox="1">
+                    <a:spLocks noRot="1" noChangeAspect="1" noMove="1" noResize="1" noEditPoints="1" noAdjustHandles="1" noChangeArrowheads="1" noChangeShapeType="1" noTextEdit="1"/>
+                  </p:cNvSpPr>
+                  <p:nvPr/>
+                </p:nvSpPr>
+                <p:spPr>
+                  <a:xfrm>
+                    <a:off x="1815184" y="3608970"/>
+                    <a:ext cx="184666" cy="276999"/>
+                  </a:xfrm>
+                  <a:prstGeom prst="rect">
+                    <a:avLst/>
+                  </a:prstGeom>
+                  <a:blipFill rotWithShape="0">
+                    <a:blip r:embed="rId9"/>
+                    <a:stretch>
+                      <a:fillRect l="-22581" t="-37778" r="-93548" b="-4444"/>
+                    </a:stretch>
+                  </a:blipFill>
+                </p:spPr>
+                <p:txBody>
+                  <a:bodyPr/>
+                  <a:lstStyle/>
+                  <a:p>
+                    <a:r>
+                      <a:rPr lang="en-US">
+                        <a:noFill/>
+                      </a:rPr>
+                      <a:t> </a:t>
+                    </a:r>
+                  </a:p>
+                </p:txBody>
+              </p:sp>
+            </mc:Fallback>
+          </mc:AlternateContent>
+        </p:grpSp>
+        <p:grpSp>
+          <p:nvGrpSpPr>
+            <p:cNvPr id="145" name="Group 144"/>
+            <p:cNvGrpSpPr/>
+            <p:nvPr/>
+          </p:nvGrpSpPr>
+          <p:grpSpPr>
+            <a:xfrm>
+              <a:off x="6635823" y="3617692"/>
+              <a:ext cx="5275774" cy="2447865"/>
+              <a:chOff x="6571655" y="3617692"/>
+              <a:chExt cx="5275774" cy="2447865"/>
+            </a:xfrm>
+          </p:grpSpPr>
+          <p:grpSp>
+            <p:nvGrpSpPr>
+              <p:cNvPr id="136" name="Group 135"/>
+              <p:cNvGrpSpPr/>
+              <p:nvPr/>
+            </p:nvGrpSpPr>
+            <p:grpSpPr>
+              <a:xfrm>
+                <a:off x="6571655" y="3617692"/>
+                <a:ext cx="5275774" cy="2447865"/>
+                <a:chOff x="6162671" y="3079181"/>
+                <a:chExt cx="5275774" cy="2447865"/>
+              </a:xfrm>
+            </p:grpSpPr>
+            <p:cxnSp>
+              <p:nvCxnSpPr>
+                <p:cNvPr id="69" name="Straight Arrow Connector 68"/>
+                <p:cNvCxnSpPr/>
+                <p:nvPr/>
+              </p:nvCxnSpPr>
+              <p:spPr>
+                <a:xfrm flipH="1" flipV="1">
+                  <a:off x="6415495" y="4735681"/>
+                  <a:ext cx="444290" cy="0"/>
+                </a:xfrm>
+                <a:prstGeom prst="straightConnector1">
+                  <a:avLst/>
+                </a:prstGeom>
+                <a:ln w="38100">
+                  <a:solidFill>
+                    <a:srgbClr val="FF0000"/>
+                  </a:solidFill>
+                  <a:tailEnd type="triangle"/>
+                </a:ln>
+              </p:spPr>
+              <p:style>
+                <a:lnRef idx="1">
+                  <a:schemeClr val="accent1"/>
+                </a:lnRef>
+                <a:fillRef idx="0">
+                  <a:schemeClr val="accent1"/>
+                </a:fillRef>
+                <a:effectRef idx="0">
+                  <a:schemeClr val="accent1"/>
+                </a:effectRef>
+                <a:fontRef idx="minor">
+                  <a:schemeClr val="tx1"/>
+                </a:fontRef>
+              </p:style>
+            </p:cxnSp>
+            <p:cxnSp>
+              <p:nvCxnSpPr>
+                <p:cNvPr id="71" name="Straight Arrow Connector 70"/>
+                <p:cNvCxnSpPr/>
+                <p:nvPr/>
+              </p:nvCxnSpPr>
+              <p:spPr>
+                <a:xfrm flipH="1" flipV="1">
+                  <a:off x="7806392" y="4735681"/>
+                  <a:ext cx="444290" cy="0"/>
+                </a:xfrm>
+                <a:prstGeom prst="straightConnector1">
+                  <a:avLst/>
+                </a:prstGeom>
+                <a:ln w="38100">
+                  <a:solidFill>
+                    <a:srgbClr val="FF0000"/>
+                  </a:solidFill>
+                  <a:tailEnd type="triangle"/>
+                </a:ln>
+              </p:spPr>
+              <p:style>
+                <a:lnRef idx="1">
+                  <a:schemeClr val="accent1"/>
+                </a:lnRef>
+                <a:fillRef idx="0">
+                  <a:schemeClr val="accent1"/>
+                </a:fillRef>
+                <a:effectRef idx="0">
+                  <a:schemeClr val="accent1"/>
+                </a:effectRef>
+                <a:fontRef idx="minor">
+                  <a:schemeClr val="tx1"/>
+                </a:fontRef>
+              </p:style>
+            </p:cxnSp>
+            <p:cxnSp>
+              <p:nvCxnSpPr>
+                <p:cNvPr id="72" name="Straight Arrow Connector 71"/>
+                <p:cNvCxnSpPr/>
+                <p:nvPr/>
+              </p:nvCxnSpPr>
+              <p:spPr>
+                <a:xfrm flipH="1" flipV="1">
+                  <a:off x="9073281" y="4719205"/>
+                  <a:ext cx="444290" cy="0"/>
+                </a:xfrm>
+                <a:prstGeom prst="straightConnector1">
+                  <a:avLst/>
+                </a:prstGeom>
+                <a:ln w="38100">
+                  <a:solidFill>
+                    <a:srgbClr val="FF0000"/>
+                  </a:solidFill>
+                  <a:tailEnd type="triangle"/>
+                </a:ln>
+              </p:spPr>
+              <p:style>
+                <a:lnRef idx="1">
+                  <a:schemeClr val="accent1"/>
+                </a:lnRef>
+                <a:fillRef idx="0">
+                  <a:schemeClr val="accent1"/>
+                </a:fillRef>
+                <a:effectRef idx="0">
+                  <a:schemeClr val="accent1"/>
+                </a:effectRef>
+                <a:fontRef idx="minor">
+                  <a:schemeClr val="tx1"/>
+                </a:fontRef>
+              </p:style>
+            </p:cxnSp>
+            <p:cxnSp>
+              <p:nvCxnSpPr>
+                <p:cNvPr id="73" name="Straight Arrow Connector 72"/>
+                <p:cNvCxnSpPr/>
+                <p:nvPr/>
+              </p:nvCxnSpPr>
+              <p:spPr>
+                <a:xfrm flipH="1" flipV="1">
+                  <a:off x="10436874" y="4726152"/>
+                  <a:ext cx="444290" cy="0"/>
+                </a:xfrm>
+                <a:prstGeom prst="straightConnector1">
+                  <a:avLst/>
+                </a:prstGeom>
+                <a:ln w="38100">
+                  <a:solidFill>
+                    <a:srgbClr val="FF0000"/>
+                  </a:solidFill>
+                  <a:tailEnd type="triangle"/>
+                </a:ln>
+              </p:spPr>
+              <p:style>
+                <a:lnRef idx="1">
+                  <a:schemeClr val="accent1"/>
+                </a:lnRef>
+                <a:fillRef idx="0">
+                  <a:schemeClr val="accent1"/>
+                </a:fillRef>
+                <a:effectRef idx="0">
+                  <a:schemeClr val="accent1"/>
+                </a:effectRef>
+                <a:fontRef idx="minor">
+                  <a:schemeClr val="tx1"/>
+                </a:fontRef>
+              </p:style>
+            </p:cxnSp>
+            <p:cxnSp>
+              <p:nvCxnSpPr>
+                <p:cNvPr id="66" name="Straight Connector 65"/>
+                <p:cNvCxnSpPr/>
+                <p:nvPr/>
+              </p:nvCxnSpPr>
+              <p:spPr>
+                <a:xfrm flipH="1">
+                  <a:off x="8898785" y="3079181"/>
+                  <a:ext cx="0" cy="2134998"/>
+                </a:xfrm>
+                <a:prstGeom prst="line">
+                  <a:avLst/>
+                </a:prstGeom>
+                <a:ln w="28575">
+                  <a:solidFill>
+                    <a:schemeClr val="tx1"/>
+                  </a:solidFill>
+                  <a:prstDash val="dash"/>
+                </a:ln>
+              </p:spPr>
+              <p:style>
+                <a:lnRef idx="1">
+                  <a:schemeClr val="accent1"/>
+                </a:lnRef>
+                <a:fillRef idx="0">
+                  <a:schemeClr val="accent1"/>
+                </a:fillRef>
+                <a:effectRef idx="0">
+                  <a:schemeClr val="accent1"/>
+                </a:effectRef>
+                <a:fontRef idx="minor">
+                  <a:schemeClr val="tx1"/>
+                </a:fontRef>
+              </p:style>
+            </p:cxnSp>
+            <mc:AlternateContent xmlns:mc="http://schemas.openxmlformats.org/markup-compatibility/2006">
+              <mc:Choice xmlns:a14="http://schemas.microsoft.com/office/drawing/2010/main" Requires="a14">
+                <p:sp>
+                  <p:nvSpPr>
+                    <p:cNvPr id="74" name="TextBox 73"/>
+                    <p:cNvSpPr txBox="1"/>
+                    <p:nvPr/>
+                  </p:nvSpPr>
+                  <p:spPr>
+                    <a:xfrm>
+                      <a:off x="8541315" y="5250047"/>
+                      <a:ext cx="714939" cy="276999"/>
+                    </a:xfrm>
+                    <a:prstGeom prst="rect">
+                      <a:avLst/>
+                    </a:prstGeom>
+                    <a:noFill/>
+                  </p:spPr>
+                  <p:txBody>
+                    <a:bodyPr wrap="none" lIns="0" tIns="0" rIns="0" bIns="0" rtlCol="0">
+                      <a:spAutoFit/>
+                    </a:bodyPr>
+                    <a:lstStyle/>
+                    <a:p>
+                      <a14:m>
+                        <m:oMathPara xmlns:m="http://schemas.openxmlformats.org/officeDocument/2006/math">
+                          <m:oMathParaPr>
+                            <m:jc m:val="centerGroup"/>
+                          </m:oMathParaPr>
+                          <m:oMath xmlns:m="http://schemas.openxmlformats.org/officeDocument/2006/math">
+                            <m:r>
+                              <m:rPr>
+                                <m:nor/>
+                              </m:rPr>
+                              <a:rPr lang="en-CA" b="0" i="0" smtClean="0">
+                                <a:latin typeface="Cambria Math" charset="0"/>
+                              </a:rPr>
+                              <m:t>Mirror</m:t>
+                            </m:r>
+                          </m:oMath>
+                        </m:oMathPara>
+                      </a14:m>
+                      <a:endParaRPr lang="en-US" dirty="0"/>
+                    </a:p>
+                  </p:txBody>
+                </p:sp>
+              </mc:Choice>
+              <mc:Fallback>
+                <p:sp>
+                  <p:nvSpPr>
+                    <p:cNvPr id="74" name="TextBox 73"/>
+                    <p:cNvSpPr txBox="1">
+                      <a:spLocks noRot="1" noChangeAspect="1" noMove="1" noResize="1" noEditPoints="1" noAdjustHandles="1" noChangeArrowheads="1" noChangeShapeType="1" noTextEdit="1"/>
+                    </p:cNvSpPr>
+                    <p:nvPr/>
+                  </p:nvSpPr>
+                  <p:spPr>
+                    <a:xfrm>
+                      <a:off x="8541315" y="5250047"/>
+                      <a:ext cx="714939" cy="276999"/>
+                    </a:xfrm>
+                    <a:prstGeom prst="rect">
+                      <a:avLst/>
+                    </a:prstGeom>
+                    <a:blipFill rotWithShape="0">
+                      <a:blip r:embed="rId10"/>
+                      <a:stretch>
+                        <a:fillRect l="-6838" r="-7692" b="-6667"/>
+                      </a:stretch>
+                    </a:blipFill>
+                  </p:spPr>
+                  <p:txBody>
+                    <a:bodyPr/>
+                    <a:lstStyle/>
+                    <a:p>
+                      <a:r>
+                        <a:rPr lang="en-US">
+                          <a:noFill/>
+                        </a:rPr>
+                        <a:t> </a:t>
+                      </a:r>
+                    </a:p>
+                  </p:txBody>
+                </p:sp>
+              </mc:Fallback>
+            </mc:AlternateContent>
+            <p:grpSp>
+              <p:nvGrpSpPr>
+                <p:cNvPr id="101" name="Group 100"/>
+                <p:cNvGrpSpPr/>
+                <p:nvPr/>
+              </p:nvGrpSpPr>
+              <p:grpSpPr>
+                <a:xfrm>
+                  <a:off x="6162671" y="3297169"/>
+                  <a:ext cx="2595213" cy="1886605"/>
+                  <a:chOff x="5296462" y="682674"/>
+                  <a:chExt cx="2595213" cy="1886605"/>
+                </a:xfrm>
+              </p:grpSpPr>
+              <p:grpSp>
+                <p:nvGrpSpPr>
+                  <p:cNvPr id="102" name="Group 101"/>
+                  <p:cNvGrpSpPr/>
+                  <p:nvPr/>
+                </p:nvGrpSpPr>
+                <p:grpSpPr>
+                  <a:xfrm>
+                    <a:off x="5762445" y="914400"/>
+                    <a:ext cx="1807963" cy="1260620"/>
+                    <a:chOff x="5762445" y="914400"/>
+                    <a:chExt cx="1807963" cy="1260620"/>
+                  </a:xfrm>
+                </p:grpSpPr>
+                <p:sp>
+                  <p:nvSpPr>
+                    <p:cNvPr id="105" name="Trapezoid 104"/>
+                    <p:cNvSpPr/>
+                    <p:nvPr/>
+                  </p:nvSpPr>
+                  <p:spPr>
+                    <a:xfrm>
+                      <a:off x="5874473" y="914400"/>
+                      <a:ext cx="1583063" cy="594788"/>
+                    </a:xfrm>
+                    <a:prstGeom prst="trapezoid">
+                      <a:avLst/>
+                    </a:prstGeom>
+                    <a:solidFill>
+                      <a:srgbClr val="4327C4"/>
+                    </a:solidFill>
+                    <a:ln>
+                      <a:noFill/>
+                    </a:ln>
+                  </p:spPr>
+                  <p:style>
+                    <a:lnRef idx="2">
+                      <a:schemeClr val="accent1">
+                        <a:shade val="50000"/>
+                      </a:schemeClr>
+                    </a:lnRef>
+                    <a:fillRef idx="1">
+                      <a:schemeClr val="accent1"/>
+                    </a:fillRef>
+                    <a:effectRef idx="0">
+                      <a:schemeClr val="accent1"/>
+                    </a:effectRef>
+                    <a:fontRef idx="minor">
+                      <a:schemeClr val="lt1"/>
+                    </a:fontRef>
+                  </p:style>
+                  <p:txBody>
+                    <a:bodyPr rtlCol="0" anchor="ctr"/>
+                    <a:lstStyle/>
+                    <a:p>
+                      <a:pPr algn="ctr"/>
+                      <a:endParaRPr lang="en-US"/>
+                    </a:p>
+                  </p:txBody>
+                </p:sp>
+                <p:sp>
+                  <p:nvSpPr>
+                    <p:cNvPr id="106" name="Trapezoid 105"/>
+                    <p:cNvSpPr/>
+                    <p:nvPr/>
+                  </p:nvSpPr>
+                  <p:spPr>
+                    <a:xfrm>
+                      <a:off x="5774838" y="917271"/>
+                      <a:ext cx="775666" cy="594788"/>
+                    </a:xfrm>
+                    <a:prstGeom prst="trapezoid">
+                      <a:avLst>
+                        <a:gd name="adj" fmla="val 87364"/>
+                      </a:avLst>
+                    </a:prstGeom>
+                    <a:solidFill>
+                      <a:srgbClr val="4327C4"/>
+                    </a:solidFill>
+                    <a:ln>
+                      <a:noFill/>
+                    </a:ln>
+                  </p:spPr>
+                  <p:style>
+                    <a:lnRef idx="2">
+                      <a:schemeClr val="accent1">
+                        <a:shade val="50000"/>
+                      </a:schemeClr>
+                    </a:lnRef>
+                    <a:fillRef idx="1">
+                      <a:schemeClr val="accent1"/>
+                    </a:fillRef>
+                    <a:effectRef idx="0">
+                      <a:schemeClr val="accent1"/>
+                    </a:effectRef>
+                    <a:fontRef idx="minor">
+                      <a:schemeClr val="lt1"/>
+                    </a:fontRef>
+                  </p:style>
+                  <p:txBody>
+                    <a:bodyPr rtlCol="0" anchor="ctr"/>
+                    <a:lstStyle/>
+                    <a:p>
+                      <a:pPr algn="ctr"/>
+                      <a:endParaRPr lang="en-US"/>
+                    </a:p>
+                  </p:txBody>
+                </p:sp>
+                <p:sp>
+                  <p:nvSpPr>
+                    <p:cNvPr id="107" name="Trapezoid 106"/>
+                    <p:cNvSpPr/>
+                    <p:nvPr/>
+                  </p:nvSpPr>
+                  <p:spPr>
+                    <a:xfrm flipH="1">
+                      <a:off x="6797569" y="1223248"/>
+                      <a:ext cx="772541" cy="285358"/>
+                    </a:xfrm>
+                    <a:prstGeom prst="trapezoid">
+                      <a:avLst>
+                        <a:gd name="adj" fmla="val 93661"/>
+                      </a:avLst>
+                    </a:prstGeom>
+                    <a:solidFill>
+                      <a:srgbClr val="4327C4"/>
+                    </a:solidFill>
+                    <a:ln>
+                      <a:noFill/>
+                    </a:ln>
+                  </p:spPr>
+                  <p:style>
+                    <a:lnRef idx="2">
+                      <a:schemeClr val="accent1">
+                        <a:shade val="50000"/>
+                      </a:schemeClr>
+                    </a:lnRef>
+                    <a:fillRef idx="1">
+                      <a:schemeClr val="accent1"/>
+                    </a:fillRef>
+                    <a:effectRef idx="0">
+                      <a:schemeClr val="accent1"/>
+                    </a:effectRef>
+                    <a:fontRef idx="minor">
+                      <a:schemeClr val="lt1"/>
+                    </a:fontRef>
+                  </p:style>
+                  <p:txBody>
+                    <a:bodyPr rtlCol="0" anchor="ctr"/>
+                    <a:lstStyle/>
+                    <a:p>
+                      <a:pPr algn="ctr"/>
+                      <a:endParaRPr lang="en-US"/>
+                    </a:p>
+                  </p:txBody>
+                </p:sp>
+                <p:sp>
+                  <p:nvSpPr>
+                    <p:cNvPr id="108" name="Rectangle 107"/>
+                    <p:cNvSpPr/>
+                    <p:nvPr/>
+                  </p:nvSpPr>
+                  <p:spPr>
+                    <a:xfrm>
+                      <a:off x="5949275" y="1978118"/>
+                      <a:ext cx="191974" cy="196902"/>
+                    </a:xfrm>
+                    <a:prstGeom prst="rect">
+                      <a:avLst/>
+                    </a:prstGeom>
+                    <a:solidFill>
+                      <a:schemeClr val="bg2">
+                        <a:lumMod val="10000"/>
+                      </a:schemeClr>
+                    </a:solidFill>
+                    <a:ln>
+                      <a:solidFill>
+                        <a:schemeClr val="tx1"/>
+                      </a:solidFill>
+                    </a:ln>
+                  </p:spPr>
+                  <p:style>
+                    <a:lnRef idx="2">
+                      <a:schemeClr val="accent1">
+                        <a:shade val="50000"/>
+                      </a:schemeClr>
+                    </a:lnRef>
+                    <a:fillRef idx="1">
+                      <a:schemeClr val="accent1"/>
+                    </a:fillRef>
+                    <a:effectRef idx="0">
+                      <a:schemeClr val="accent1"/>
+                    </a:effectRef>
+                    <a:fontRef idx="minor">
+                      <a:schemeClr val="lt1"/>
+                    </a:fontRef>
+                  </p:style>
+                  <p:txBody>
+                    <a:bodyPr rtlCol="0" anchor="ctr"/>
+                    <a:lstStyle/>
+                    <a:p>
+                      <a:pPr algn="ctr"/>
+                      <a:endParaRPr lang="en-US"/>
+                    </a:p>
+                  </p:txBody>
+                </p:sp>
+                <p:sp>
+                  <p:nvSpPr>
+                    <p:cNvPr id="109" name="Rectangle 108"/>
+                    <p:cNvSpPr/>
+                    <p:nvPr/>
+                  </p:nvSpPr>
+                  <p:spPr>
+                    <a:xfrm>
+                      <a:off x="7240362" y="1978118"/>
+                      <a:ext cx="191974" cy="196902"/>
+                    </a:xfrm>
+                    <a:prstGeom prst="rect">
+                      <a:avLst/>
+                    </a:prstGeom>
+                    <a:solidFill>
+                      <a:schemeClr val="bg2">
+                        <a:lumMod val="10000"/>
+                      </a:schemeClr>
+                    </a:solidFill>
+                    <a:ln>
+                      <a:solidFill>
+                        <a:schemeClr val="tx1"/>
+                      </a:solidFill>
+                    </a:ln>
+                  </p:spPr>
+                  <p:style>
+                    <a:lnRef idx="2">
+                      <a:schemeClr val="accent1">
+                        <a:shade val="50000"/>
+                      </a:schemeClr>
+                    </a:lnRef>
+                    <a:fillRef idx="1">
+                      <a:schemeClr val="accent1"/>
+                    </a:fillRef>
+                    <a:effectRef idx="0">
+                      <a:schemeClr val="accent1"/>
+                    </a:effectRef>
+                    <a:fontRef idx="minor">
+                      <a:schemeClr val="lt1"/>
+                    </a:fontRef>
+                  </p:style>
+                  <p:txBody>
+                    <a:bodyPr rtlCol="0" anchor="ctr"/>
+                    <a:lstStyle/>
+                    <a:p>
+                      <a:pPr algn="ctr"/>
+                      <a:endParaRPr lang="en-US"/>
+                    </a:p>
+                  </p:txBody>
+                </p:sp>
+                <p:sp>
+                  <p:nvSpPr>
+                    <p:cNvPr id="110" name="Rectangle 109"/>
+                    <p:cNvSpPr/>
+                    <p:nvPr/>
+                  </p:nvSpPr>
+                  <p:spPr>
+                    <a:xfrm>
+                      <a:off x="5762445" y="1509188"/>
+                      <a:ext cx="1807963" cy="500767"/>
+                    </a:xfrm>
+                    <a:prstGeom prst="rect">
+                      <a:avLst/>
+                    </a:prstGeom>
+                    <a:solidFill>
+                      <a:srgbClr val="4327C4"/>
+                    </a:solidFill>
+                    <a:ln>
+                      <a:solidFill>
+                        <a:srgbClr val="4327C4"/>
+                      </a:solidFill>
+                    </a:ln>
+                  </p:spPr>
+                  <p:style>
+                    <a:lnRef idx="2">
+                      <a:schemeClr val="accent1">
+                        <a:shade val="50000"/>
+                      </a:schemeClr>
+                    </a:lnRef>
+                    <a:fillRef idx="1">
+                      <a:schemeClr val="accent1"/>
+                    </a:fillRef>
+                    <a:effectRef idx="0">
+                      <a:schemeClr val="accent1"/>
+                    </a:effectRef>
+                    <a:fontRef idx="minor">
+                      <a:schemeClr val="lt1"/>
+                    </a:fontRef>
+                  </p:style>
+                  <p:txBody>
+                    <a:bodyPr rtlCol="0" anchor="ctr"/>
+                    <a:lstStyle/>
+                    <a:p>
+                      <a:pPr algn="ctr"/>
+                      <a:endParaRPr lang="en-US"/>
+                    </a:p>
+                  </p:txBody>
+                </p:sp>
+                <p:sp>
+                  <p:nvSpPr>
+                    <p:cNvPr id="112" name="Rectangle 111"/>
+                    <p:cNvSpPr/>
+                    <p:nvPr/>
+                  </p:nvSpPr>
+                  <p:spPr>
+                    <a:xfrm>
+                      <a:off x="6409395" y="1587731"/>
+                      <a:ext cx="534808" cy="250847"/>
+                    </a:xfrm>
+                    <a:prstGeom prst="rect">
+                      <a:avLst/>
+                    </a:prstGeom>
+                    <a:solidFill>
+                      <a:schemeClr val="bg1"/>
+                    </a:solidFill>
+                    <a:ln>
+                      <a:solidFill>
+                        <a:schemeClr val="tx1"/>
+                      </a:solidFill>
+                    </a:ln>
+                  </p:spPr>
+                  <p:style>
+                    <a:lnRef idx="2">
+                      <a:schemeClr val="accent1">
+                        <a:shade val="50000"/>
+                      </a:schemeClr>
+                    </a:lnRef>
+                    <a:fillRef idx="1">
+                      <a:schemeClr val="accent1"/>
+                    </a:fillRef>
+                    <a:effectRef idx="0">
+                      <a:schemeClr val="accent1"/>
+                    </a:effectRef>
+                    <a:fontRef idx="minor">
+                      <a:schemeClr val="lt1"/>
+                    </a:fontRef>
+                  </p:style>
+                  <p:txBody>
+                    <a:bodyPr rtlCol="0" anchor="ctr"/>
+                    <a:lstStyle/>
+                    <a:p>
+                      <a:pPr algn="ctr"/>
+                      <a:endParaRPr lang="en-US"/>
+                    </a:p>
+                  </p:txBody>
+                </p:sp>
+              </p:grpSp>
+              <p:pic>
+                <p:nvPicPr>
+                  <p:cNvPr id="103" name="Picture 102"/>
+                  <p:cNvPicPr>
+                    <a:picLocks noChangeAspect="1"/>
+                  </p:cNvPicPr>
+                  <p:nvPr/>
+                </p:nvPicPr>
+                <p:blipFill rotWithShape="1">
+                  <a:blip r:embed="rId6">
+                    <a:extLst>
+                      <a:ext uri="{28A0092B-C50C-407E-A947-70E740481C1C}">
+                        <a14:useLocalDpi xmlns:a14="http://schemas.microsoft.com/office/drawing/2010/main" val="0"/>
+                      </a:ext>
+                    </a:extLst>
+                  </a:blip>
+                  <a:srcRect l="41752" t="40370" r="43228" b="40379"/>
+                  <a:stretch/>
+                </p:blipFill>
+                <p:spPr>
+                  <a:xfrm rot="1118501">
+                    <a:off x="5296462" y="682674"/>
+                    <a:ext cx="2595213" cy="1886605"/>
+                  </a:xfrm>
+                  <a:prstGeom prst="rect">
+                    <a:avLst/>
+                  </a:prstGeom>
+                </p:spPr>
+              </p:pic>
+              <p:cxnSp>
+                <p:nvCxnSpPr>
+                  <p:cNvPr id="104" name="Straight Connector 103"/>
+                  <p:cNvCxnSpPr/>
+                  <p:nvPr/>
+                </p:nvCxnSpPr>
+                <p:spPr>
+                  <a:xfrm flipV="1">
+                    <a:off x="5761419" y="2016698"/>
+                    <a:ext cx="1795571" cy="0"/>
+                  </a:xfrm>
+                  <a:prstGeom prst="line">
+                    <a:avLst/>
+                  </a:prstGeom>
+                  <a:ln w="28575">
+                    <a:solidFill>
+                      <a:schemeClr val="tx1"/>
+                    </a:solidFill>
+                  </a:ln>
+                </p:spPr>
+                <p:style>
+                  <a:lnRef idx="1">
+                    <a:schemeClr val="accent1"/>
+                  </a:lnRef>
+                  <a:fillRef idx="0">
+                    <a:schemeClr val="accent1"/>
+                  </a:fillRef>
+                  <a:effectRef idx="0">
+                    <a:schemeClr val="accent1"/>
+                  </a:effectRef>
+                  <a:fontRef idx="minor">
+                    <a:schemeClr val="tx1"/>
+                  </a:fontRef>
+                </p:style>
+              </p:cxnSp>
+            </p:grpSp>
+            <p:grpSp>
+              <p:nvGrpSpPr>
+                <p:cNvPr id="120" name="Group 119"/>
+                <p:cNvGrpSpPr/>
+                <p:nvPr/>
+              </p:nvGrpSpPr>
+              <p:grpSpPr>
+                <a:xfrm>
+                  <a:off x="8843232" y="3297168"/>
+                  <a:ext cx="2595213" cy="1886605"/>
+                  <a:chOff x="5296462" y="682674"/>
+                  <a:chExt cx="2595213" cy="1886605"/>
+                </a:xfrm>
+              </p:grpSpPr>
+              <p:grpSp>
+                <p:nvGrpSpPr>
+                  <p:cNvPr id="121" name="Group 120"/>
+                  <p:cNvGrpSpPr/>
+                  <p:nvPr/>
+                </p:nvGrpSpPr>
+                <p:grpSpPr>
+                  <a:xfrm>
+                    <a:off x="5762445" y="914400"/>
+                    <a:ext cx="1807963" cy="1260620"/>
+                    <a:chOff x="5762445" y="914400"/>
+                    <a:chExt cx="1807963" cy="1260620"/>
+                  </a:xfrm>
+                </p:grpSpPr>
+                <p:sp>
+                  <p:nvSpPr>
+                    <p:cNvPr id="124" name="Trapezoid 123"/>
+                    <p:cNvSpPr/>
+                    <p:nvPr/>
+                  </p:nvSpPr>
+                  <p:spPr>
+                    <a:xfrm>
+                      <a:off x="5874473" y="914400"/>
+                      <a:ext cx="1583063" cy="594788"/>
+                    </a:xfrm>
+                    <a:prstGeom prst="trapezoid">
+                      <a:avLst/>
+                    </a:prstGeom>
+                    <a:solidFill>
+                      <a:srgbClr val="4327C4"/>
+                    </a:solidFill>
+                    <a:ln>
+                      <a:noFill/>
+                    </a:ln>
+                  </p:spPr>
+                  <p:style>
+                    <a:lnRef idx="2">
+                      <a:schemeClr val="accent1">
+                        <a:shade val="50000"/>
+                      </a:schemeClr>
+                    </a:lnRef>
+                    <a:fillRef idx="1">
+                      <a:schemeClr val="accent1"/>
+                    </a:fillRef>
+                    <a:effectRef idx="0">
+                      <a:schemeClr val="accent1"/>
+                    </a:effectRef>
+                    <a:fontRef idx="minor">
+                      <a:schemeClr val="lt1"/>
+                    </a:fontRef>
+                  </p:style>
+                  <p:txBody>
+                    <a:bodyPr rtlCol="0" anchor="ctr"/>
+                    <a:lstStyle/>
+                    <a:p>
+                      <a:pPr algn="ctr"/>
+                      <a:endParaRPr lang="en-US"/>
+                    </a:p>
+                  </p:txBody>
+                </p:sp>
+                <p:sp>
+                  <p:nvSpPr>
+                    <p:cNvPr id="125" name="Trapezoid 124"/>
+                    <p:cNvSpPr/>
+                    <p:nvPr/>
+                  </p:nvSpPr>
+                  <p:spPr>
+                    <a:xfrm>
+                      <a:off x="5774838" y="917271"/>
+                      <a:ext cx="775666" cy="594788"/>
+                    </a:xfrm>
+                    <a:prstGeom prst="trapezoid">
+                      <a:avLst>
+                        <a:gd name="adj" fmla="val 87364"/>
+                      </a:avLst>
+                    </a:prstGeom>
+                    <a:solidFill>
+                      <a:srgbClr val="4327C4"/>
+                    </a:solidFill>
+                    <a:ln>
+                      <a:noFill/>
+                    </a:ln>
+                  </p:spPr>
+                  <p:style>
+                    <a:lnRef idx="2">
+                      <a:schemeClr val="accent1">
+                        <a:shade val="50000"/>
+                      </a:schemeClr>
+                    </a:lnRef>
+                    <a:fillRef idx="1">
+                      <a:schemeClr val="accent1"/>
+                    </a:fillRef>
+                    <a:effectRef idx="0">
+                      <a:schemeClr val="accent1"/>
+                    </a:effectRef>
+                    <a:fontRef idx="minor">
+                      <a:schemeClr val="lt1"/>
+                    </a:fontRef>
+                  </p:style>
+                  <p:txBody>
+                    <a:bodyPr rtlCol="0" anchor="ctr"/>
+                    <a:lstStyle/>
+                    <a:p>
+                      <a:pPr algn="ctr"/>
+                      <a:endParaRPr lang="en-US"/>
+                    </a:p>
+                  </p:txBody>
+                </p:sp>
+                <p:sp>
+                  <p:nvSpPr>
+                    <p:cNvPr id="126" name="Trapezoid 125"/>
+                    <p:cNvSpPr/>
+                    <p:nvPr/>
+                  </p:nvSpPr>
+                  <p:spPr>
+                    <a:xfrm flipH="1">
+                      <a:off x="6797569" y="1223248"/>
+                      <a:ext cx="772541" cy="285358"/>
+                    </a:xfrm>
+                    <a:prstGeom prst="trapezoid">
+                      <a:avLst>
+                        <a:gd name="adj" fmla="val 93661"/>
+                      </a:avLst>
+                    </a:prstGeom>
+                    <a:solidFill>
+                      <a:srgbClr val="4327C4"/>
+                    </a:solidFill>
+                    <a:ln>
+                      <a:noFill/>
+                    </a:ln>
+                  </p:spPr>
+                  <p:style>
+                    <a:lnRef idx="2">
+                      <a:schemeClr val="accent1">
+                        <a:shade val="50000"/>
+                      </a:schemeClr>
+                    </a:lnRef>
+                    <a:fillRef idx="1">
+                      <a:schemeClr val="accent1"/>
+                    </a:fillRef>
+                    <a:effectRef idx="0">
+                      <a:schemeClr val="accent1"/>
+                    </a:effectRef>
+                    <a:fontRef idx="minor">
+                      <a:schemeClr val="lt1"/>
+                    </a:fontRef>
+                  </p:style>
+                  <p:txBody>
+                    <a:bodyPr rtlCol="0" anchor="ctr"/>
+                    <a:lstStyle/>
+                    <a:p>
+                      <a:pPr algn="ctr"/>
+                      <a:endParaRPr lang="en-US"/>
+                    </a:p>
+                  </p:txBody>
+                </p:sp>
+                <p:sp>
+                  <p:nvSpPr>
+                    <p:cNvPr id="127" name="Rectangle 126"/>
+                    <p:cNvSpPr/>
+                    <p:nvPr/>
+                  </p:nvSpPr>
+                  <p:spPr>
+                    <a:xfrm>
+                      <a:off x="5949275" y="1978118"/>
+                      <a:ext cx="191974" cy="196902"/>
+                    </a:xfrm>
+                    <a:prstGeom prst="rect">
+                      <a:avLst/>
+                    </a:prstGeom>
+                    <a:solidFill>
+                      <a:schemeClr val="bg2">
+                        <a:lumMod val="10000"/>
+                      </a:schemeClr>
+                    </a:solidFill>
+                    <a:ln>
+                      <a:solidFill>
+                        <a:schemeClr val="tx1"/>
+                      </a:solidFill>
+                    </a:ln>
+                  </p:spPr>
+                  <p:style>
+                    <a:lnRef idx="2">
+                      <a:schemeClr val="accent1">
+                        <a:shade val="50000"/>
+                      </a:schemeClr>
+                    </a:lnRef>
+                    <a:fillRef idx="1">
+                      <a:schemeClr val="accent1"/>
+                    </a:fillRef>
+                    <a:effectRef idx="0">
+                      <a:schemeClr val="accent1"/>
+                    </a:effectRef>
+                    <a:fontRef idx="minor">
+                      <a:schemeClr val="lt1"/>
+                    </a:fontRef>
+                  </p:style>
+                  <p:txBody>
+                    <a:bodyPr rtlCol="0" anchor="ctr"/>
+                    <a:lstStyle/>
+                    <a:p>
+                      <a:pPr algn="ctr"/>
+                      <a:endParaRPr lang="en-US"/>
+                    </a:p>
+                  </p:txBody>
+                </p:sp>
+                <p:sp>
+                  <p:nvSpPr>
+                    <p:cNvPr id="128" name="Rectangle 127"/>
+                    <p:cNvSpPr/>
+                    <p:nvPr/>
+                  </p:nvSpPr>
+                  <p:spPr>
+                    <a:xfrm>
+                      <a:off x="7240362" y="1978118"/>
+                      <a:ext cx="191974" cy="196902"/>
+                    </a:xfrm>
+                    <a:prstGeom prst="rect">
+                      <a:avLst/>
+                    </a:prstGeom>
+                    <a:solidFill>
+                      <a:schemeClr val="bg2">
+                        <a:lumMod val="10000"/>
+                      </a:schemeClr>
+                    </a:solidFill>
+                    <a:ln>
+                      <a:solidFill>
+                        <a:schemeClr val="tx1"/>
+                      </a:solidFill>
+                    </a:ln>
+                  </p:spPr>
+                  <p:style>
+                    <a:lnRef idx="2">
+                      <a:schemeClr val="accent1">
+                        <a:shade val="50000"/>
+                      </a:schemeClr>
+                    </a:lnRef>
+                    <a:fillRef idx="1">
+                      <a:schemeClr val="accent1"/>
+                    </a:fillRef>
+                    <a:effectRef idx="0">
+                      <a:schemeClr val="accent1"/>
+                    </a:effectRef>
+                    <a:fontRef idx="minor">
+                      <a:schemeClr val="lt1"/>
+                    </a:fontRef>
+                  </p:style>
+                  <p:txBody>
+                    <a:bodyPr rtlCol="0" anchor="ctr"/>
+                    <a:lstStyle/>
+                    <a:p>
+                      <a:pPr algn="ctr"/>
+                      <a:endParaRPr lang="en-US"/>
+                    </a:p>
+                  </p:txBody>
+                </p:sp>
+                <p:sp>
+                  <p:nvSpPr>
+                    <p:cNvPr id="129" name="Rectangle 128"/>
+                    <p:cNvSpPr/>
+                    <p:nvPr/>
+                  </p:nvSpPr>
+                  <p:spPr>
+                    <a:xfrm>
+                      <a:off x="5762445" y="1509188"/>
+                      <a:ext cx="1807963" cy="500767"/>
+                    </a:xfrm>
+                    <a:prstGeom prst="rect">
+                      <a:avLst/>
+                    </a:prstGeom>
+                    <a:solidFill>
+                      <a:srgbClr val="4327C4"/>
+                    </a:solidFill>
+                    <a:ln>
+                      <a:solidFill>
+                        <a:srgbClr val="4327C4"/>
+                      </a:solidFill>
+                    </a:ln>
+                  </p:spPr>
+                  <p:style>
+                    <a:lnRef idx="2">
+                      <a:schemeClr val="accent1">
+                        <a:shade val="50000"/>
+                      </a:schemeClr>
+                    </a:lnRef>
+                    <a:fillRef idx="1">
+                      <a:schemeClr val="accent1"/>
+                    </a:fillRef>
+                    <a:effectRef idx="0">
+                      <a:schemeClr val="accent1"/>
+                    </a:effectRef>
+                    <a:fontRef idx="minor">
+                      <a:schemeClr val="lt1"/>
+                    </a:fontRef>
+                  </p:style>
+                  <p:txBody>
+                    <a:bodyPr rtlCol="0" anchor="ctr"/>
+                    <a:lstStyle/>
+                    <a:p>
+                      <a:pPr algn="ctr"/>
+                      <a:endParaRPr lang="en-US"/>
+                    </a:p>
+                  </p:txBody>
+                </p:sp>
+                <p:sp>
+                  <p:nvSpPr>
+                    <p:cNvPr id="131" name="Rectangle 130"/>
+                    <p:cNvSpPr/>
+                    <p:nvPr/>
+                  </p:nvSpPr>
+                  <p:spPr>
+                    <a:xfrm>
+                      <a:off x="6409395" y="1587731"/>
+                      <a:ext cx="534808" cy="250847"/>
+                    </a:xfrm>
+                    <a:prstGeom prst="rect">
+                      <a:avLst/>
+                    </a:prstGeom>
+                    <a:solidFill>
+                      <a:schemeClr val="bg1"/>
+                    </a:solidFill>
+                    <a:ln>
+                      <a:solidFill>
+                        <a:schemeClr val="tx1"/>
+                      </a:solidFill>
+                    </a:ln>
+                  </p:spPr>
+                  <p:style>
+                    <a:lnRef idx="2">
+                      <a:schemeClr val="accent1">
+                        <a:shade val="50000"/>
+                      </a:schemeClr>
+                    </a:lnRef>
+                    <a:fillRef idx="1">
+                      <a:schemeClr val="accent1"/>
+                    </a:fillRef>
+                    <a:effectRef idx="0">
+                      <a:schemeClr val="accent1"/>
+                    </a:effectRef>
+                    <a:fontRef idx="minor">
+                      <a:schemeClr val="lt1"/>
+                    </a:fontRef>
+                  </p:style>
+                  <p:txBody>
+                    <a:bodyPr rtlCol="0" anchor="ctr"/>
+                    <a:lstStyle/>
+                    <a:p>
+                      <a:pPr algn="ctr"/>
+                      <a:endParaRPr lang="en-US"/>
+                    </a:p>
+                  </p:txBody>
+                </p:sp>
+              </p:grpSp>
+              <p:pic>
+                <p:nvPicPr>
+                  <p:cNvPr id="122" name="Picture 121"/>
+                  <p:cNvPicPr>
+                    <a:picLocks noChangeAspect="1"/>
+                  </p:cNvPicPr>
+                  <p:nvPr/>
+                </p:nvPicPr>
+                <p:blipFill rotWithShape="1">
+                  <a:blip r:embed="rId6">
+                    <a:extLst>
+                      <a:ext uri="{28A0092B-C50C-407E-A947-70E740481C1C}">
+                        <a14:useLocalDpi xmlns:a14="http://schemas.microsoft.com/office/drawing/2010/main" val="0"/>
+                      </a:ext>
+                    </a:extLst>
+                  </a:blip>
+                  <a:srcRect l="41752" t="40370" r="43228" b="40379"/>
+                  <a:stretch/>
+                </p:blipFill>
+                <p:spPr>
+                  <a:xfrm rot="1118501">
+                    <a:off x="5296462" y="682674"/>
+                    <a:ext cx="2595213" cy="1886605"/>
+                  </a:xfrm>
+                  <a:prstGeom prst="rect">
+                    <a:avLst/>
+                  </a:prstGeom>
+                </p:spPr>
+              </p:pic>
+              <p:cxnSp>
+                <p:nvCxnSpPr>
+                  <p:cNvPr id="123" name="Straight Connector 122"/>
+                  <p:cNvCxnSpPr/>
+                  <p:nvPr/>
+                </p:nvCxnSpPr>
+                <p:spPr>
+                  <a:xfrm flipV="1">
+                    <a:off x="5761419" y="2016698"/>
+                    <a:ext cx="1795571" cy="0"/>
+                  </a:xfrm>
+                  <a:prstGeom prst="line">
+                    <a:avLst/>
+                  </a:prstGeom>
+                  <a:ln w="28575">
+                    <a:solidFill>
+                      <a:schemeClr val="tx1"/>
+                    </a:solidFill>
+                  </a:ln>
+                </p:spPr>
+                <p:style>
+                  <a:lnRef idx="1">
+                    <a:schemeClr val="accent1"/>
+                  </a:lnRef>
+                  <a:fillRef idx="0">
+                    <a:schemeClr val="accent1"/>
+                  </a:fillRef>
+                  <a:effectRef idx="0">
+                    <a:schemeClr val="accent1"/>
+                  </a:effectRef>
+                  <a:fontRef idx="minor">
+                    <a:schemeClr val="tx1"/>
+                  </a:fontRef>
+                </p:style>
+              </p:cxnSp>
+            </p:grpSp>
+          </p:grpSp>
+          <mc:AlternateContent xmlns:mc="http://schemas.openxmlformats.org/markup-compatibility/2006">
+            <mc:Choice xmlns:a14="http://schemas.microsoft.com/office/drawing/2010/main" Requires="a14">
+              <p:sp>
+                <p:nvSpPr>
+                  <p:cNvPr id="143" name="TextBox 142"/>
+                  <p:cNvSpPr txBox="1"/>
+                  <p:nvPr/>
+                </p:nvSpPr>
+                <p:spPr>
+                  <a:xfrm>
+                    <a:off x="6715828" y="4906117"/>
+                    <a:ext cx="275973" cy="276999"/>
+                  </a:xfrm>
+                  <a:prstGeom prst="rect">
+                    <a:avLst/>
+                  </a:prstGeom>
+                  <a:noFill/>
+                </p:spPr>
+                <p:txBody>
+                  <a:bodyPr wrap="none" lIns="0" tIns="0" rIns="0" bIns="0" rtlCol="0">
+                    <a:spAutoFit/>
+                  </a:bodyPr>
+                  <a:lstStyle/>
+                  <a:p>
+                    <a14:m>
+                      <m:oMathPara xmlns:m="http://schemas.openxmlformats.org/officeDocument/2006/math">
+                        <m:oMathParaPr>
+                          <m:jc m:val="centerGroup"/>
+                        </m:oMathParaPr>
+                        <m:oMath xmlns:m="http://schemas.openxmlformats.org/officeDocument/2006/math">
+                          <m:acc>
+                            <m:accPr>
+                              <m:chr m:val="⃗"/>
+                              <m:ctrlPr>
+                                <a:rPr lang="en-CA" b="0" i="1" smtClean="0">
+                                  <a:solidFill>
+                                    <a:srgbClr val="FF0000"/>
+                                  </a:solidFill>
+                                  <a:latin typeface="Cambria Math" charset="0"/>
+                                </a:rPr>
+                              </m:ctrlPr>
+                            </m:accPr>
+                            <m:e>
+                              <m:r>
+                                <a:rPr lang="en-CA" b="0" i="1" smtClean="0">
+                                  <a:solidFill>
+                                    <a:srgbClr val="FF0000"/>
+                                  </a:solidFill>
+                                  <a:latin typeface="Cambria Math" charset="0"/>
+                                  <a:ea typeface="Cambria Math" charset="0"/>
+                                  <a:cs typeface="Cambria Math" charset="0"/>
+                                </a:rPr>
+                                <m:t>𝜔</m:t>
+                              </m:r>
+                              <m:r>
+                                <a:rPr lang="en-CA" b="0" i="1" smtClean="0">
+                                  <a:solidFill>
+                                    <a:srgbClr val="FF0000"/>
+                                  </a:solidFill>
+                                  <a:latin typeface="Cambria Math" charset="0"/>
+                                </a:rPr>
+                                <m:t> </m:t>
+                              </m:r>
+                            </m:e>
+                          </m:acc>
+                        </m:oMath>
+                      </m:oMathPara>
+                    </a14:m>
+                    <a:endParaRPr lang="en-US" dirty="0">
+                      <a:solidFill>
+                        <a:srgbClr val="FF0000"/>
+                      </a:solidFill>
+                    </a:endParaRPr>
+                  </a:p>
+                </p:txBody>
+              </p:sp>
+            </mc:Choice>
+            <mc:Fallback>
+              <p:sp>
+                <p:nvSpPr>
+                  <p:cNvPr id="143" name="TextBox 142"/>
+                  <p:cNvSpPr txBox="1">
+                    <a:spLocks noRot="1" noChangeAspect="1" noMove="1" noResize="1" noEditPoints="1" noAdjustHandles="1" noChangeArrowheads="1" noChangeShapeType="1" noTextEdit="1"/>
+                  </p:cNvSpPr>
+                  <p:nvPr/>
+                </p:nvSpPr>
+                <p:spPr>
+                  <a:xfrm>
+                    <a:off x="6715828" y="4906117"/>
+                    <a:ext cx="275973" cy="276999"/>
+                  </a:xfrm>
+                  <a:prstGeom prst="rect">
+                    <a:avLst/>
+                  </a:prstGeom>
+                  <a:blipFill rotWithShape="0">
+                    <a:blip r:embed="rId11"/>
+                    <a:stretch>
+                      <a:fillRect l="-11111" t="-146667" r="-33333" b="-182222"/>
+                    </a:stretch>
+                  </a:blipFill>
+                </p:spPr>
+                <p:txBody>
+                  <a:bodyPr/>
+                  <a:lstStyle/>
+                  <a:p>
+                    <a:r>
+                      <a:rPr lang="en-US">
+                        <a:noFill/>
+                      </a:rPr>
+                      <a:t> </a:t>
+                    </a:r>
+                  </a:p>
+                </p:txBody>
+              </p:sp>
+            </mc:Fallback>
+          </mc:AlternateContent>
+          <mc:AlternateContent xmlns:mc="http://schemas.openxmlformats.org/markup-compatibility/2006">
+            <mc:Choice xmlns:a14="http://schemas.microsoft.com/office/drawing/2010/main" Requires="a14">
+              <p:sp>
+                <p:nvSpPr>
+                  <p:cNvPr id="144" name="TextBox 143"/>
+                  <p:cNvSpPr txBox="1"/>
+                  <p:nvPr/>
+                </p:nvSpPr>
+                <p:spPr>
+                  <a:xfrm>
+                    <a:off x="9444505" y="4896969"/>
+                    <a:ext cx="275973" cy="276999"/>
+                  </a:xfrm>
+                  <a:prstGeom prst="rect">
+                    <a:avLst/>
+                  </a:prstGeom>
+                  <a:noFill/>
+                </p:spPr>
+                <p:txBody>
+                  <a:bodyPr wrap="none" lIns="0" tIns="0" rIns="0" bIns="0" rtlCol="0">
+                    <a:spAutoFit/>
+                  </a:bodyPr>
+                  <a:lstStyle/>
+                  <a:p>
+                    <a14:m>
+                      <m:oMathPara xmlns:m="http://schemas.openxmlformats.org/officeDocument/2006/math">
+                        <m:oMathParaPr>
+                          <m:jc m:val="centerGroup"/>
+                        </m:oMathParaPr>
+                        <m:oMath xmlns:m="http://schemas.openxmlformats.org/officeDocument/2006/math">
+                          <m:acc>
+                            <m:accPr>
+                              <m:chr m:val="⃗"/>
+                              <m:ctrlPr>
+                                <a:rPr lang="en-CA" b="0" i="1" smtClean="0">
+                                  <a:solidFill>
+                                    <a:srgbClr val="FF0000"/>
+                                  </a:solidFill>
+                                  <a:latin typeface="Cambria Math" charset="0"/>
+                                </a:rPr>
+                              </m:ctrlPr>
+                            </m:accPr>
+                            <m:e>
+                              <m:r>
+                                <a:rPr lang="en-CA" b="0" i="1" smtClean="0">
+                                  <a:solidFill>
+                                    <a:srgbClr val="FF0000"/>
+                                  </a:solidFill>
+                                  <a:latin typeface="Cambria Math" charset="0"/>
+                                  <a:ea typeface="Cambria Math" charset="0"/>
+                                  <a:cs typeface="Cambria Math" charset="0"/>
+                                </a:rPr>
+                                <m:t>𝜔</m:t>
+                              </m:r>
+                              <m:r>
+                                <a:rPr lang="en-CA" b="0" i="1" smtClean="0">
+                                  <a:solidFill>
+                                    <a:srgbClr val="FF0000"/>
+                                  </a:solidFill>
+                                  <a:latin typeface="Cambria Math" charset="0"/>
+                                </a:rPr>
+                                <m:t> </m:t>
+                              </m:r>
+                            </m:e>
+                          </m:acc>
+                        </m:oMath>
+                      </m:oMathPara>
+                    </a14:m>
+                    <a:endParaRPr lang="en-US" dirty="0">
+                      <a:solidFill>
+                        <a:srgbClr val="FF0000"/>
+                      </a:solidFill>
+                    </a:endParaRPr>
+                  </a:p>
+                </p:txBody>
+              </p:sp>
+            </mc:Choice>
+            <mc:Fallback>
+              <p:sp>
+                <p:nvSpPr>
+                  <p:cNvPr id="144" name="TextBox 143"/>
+                  <p:cNvSpPr txBox="1">
+                    <a:spLocks noRot="1" noChangeAspect="1" noMove="1" noResize="1" noEditPoints="1" noAdjustHandles="1" noChangeArrowheads="1" noChangeShapeType="1" noTextEdit="1"/>
+                  </p:cNvSpPr>
+                  <p:nvPr/>
+                </p:nvSpPr>
+                <p:spPr>
+                  <a:xfrm>
+                    <a:off x="9444505" y="4896969"/>
+                    <a:ext cx="275973" cy="276999"/>
+                  </a:xfrm>
+                  <a:prstGeom prst="rect">
+                    <a:avLst/>
+                  </a:prstGeom>
+                  <a:blipFill rotWithShape="0">
+                    <a:blip r:embed="rId12"/>
+                    <a:stretch>
+                      <a:fillRect l="-13333" t="-143478" r="-31111" b="-176087"/>
+                    </a:stretch>
+                  </a:blipFill>
+                </p:spPr>
+                <p:txBody>
+                  <a:bodyPr/>
+                  <a:lstStyle/>
+                  <a:p>
+                    <a:r>
+                      <a:rPr lang="en-US">
+                        <a:noFill/>
+                      </a:rPr>
+                      <a:t> </a:t>
+                    </a:r>
+                  </a:p>
+                </p:txBody>
+              </p:sp>
+            </mc:Fallback>
+          </mc:AlternateContent>
+        </p:grpSp>
       </p:grpSp>
     </p:spTree>
     <p:extLst>

--- a/tex/figures/Vectors/Figures.pptx
+++ b/tex/figures/Vectors/Figures.pptx
@@ -247,7 +247,7 @@
           <a:p>
             <a:fld id="{A0A0F70D-D73B-9842-8C35-014CD7899AD7}" type="datetimeFigureOut">
               <a:rPr lang="en-US" smtClean="0"/>
-              <a:t>7/20/18</a:t>
+              <a:t>8/14/18</a:t>
             </a:fld>
             <a:endParaRPr lang="en-US"/>
           </a:p>
@@ -417,7 +417,7 @@
           <a:p>
             <a:fld id="{A0A0F70D-D73B-9842-8C35-014CD7899AD7}" type="datetimeFigureOut">
               <a:rPr lang="en-US" smtClean="0"/>
-              <a:t>7/20/18</a:t>
+              <a:t>8/14/18</a:t>
             </a:fld>
             <a:endParaRPr lang="en-US"/>
           </a:p>
@@ -597,7 +597,7 @@
           <a:p>
             <a:fld id="{A0A0F70D-D73B-9842-8C35-014CD7899AD7}" type="datetimeFigureOut">
               <a:rPr lang="en-US" smtClean="0"/>
-              <a:t>7/20/18</a:t>
+              <a:t>8/14/18</a:t>
             </a:fld>
             <a:endParaRPr lang="en-US"/>
           </a:p>
@@ -767,7 +767,7 @@
           <a:p>
             <a:fld id="{A0A0F70D-D73B-9842-8C35-014CD7899AD7}" type="datetimeFigureOut">
               <a:rPr lang="en-US" smtClean="0"/>
-              <a:t>7/20/18</a:t>
+              <a:t>8/14/18</a:t>
             </a:fld>
             <a:endParaRPr lang="en-US"/>
           </a:p>
@@ -1013,7 +1013,7 @@
           <a:p>
             <a:fld id="{A0A0F70D-D73B-9842-8C35-014CD7899AD7}" type="datetimeFigureOut">
               <a:rPr lang="en-US" smtClean="0"/>
-              <a:t>7/20/18</a:t>
+              <a:t>8/14/18</a:t>
             </a:fld>
             <a:endParaRPr lang="en-US"/>
           </a:p>
@@ -1245,7 +1245,7 @@
           <a:p>
             <a:fld id="{A0A0F70D-D73B-9842-8C35-014CD7899AD7}" type="datetimeFigureOut">
               <a:rPr lang="en-US" smtClean="0"/>
-              <a:t>7/20/18</a:t>
+              <a:t>8/14/18</a:t>
             </a:fld>
             <a:endParaRPr lang="en-US"/>
           </a:p>
@@ -1612,7 +1612,7 @@
           <a:p>
             <a:fld id="{A0A0F70D-D73B-9842-8C35-014CD7899AD7}" type="datetimeFigureOut">
               <a:rPr lang="en-US" smtClean="0"/>
-              <a:t>7/20/18</a:t>
+              <a:t>8/14/18</a:t>
             </a:fld>
             <a:endParaRPr lang="en-US"/>
           </a:p>
@@ -1730,7 +1730,7 @@
           <a:p>
             <a:fld id="{A0A0F70D-D73B-9842-8C35-014CD7899AD7}" type="datetimeFigureOut">
               <a:rPr lang="en-US" smtClean="0"/>
-              <a:t>7/20/18</a:t>
+              <a:t>8/14/18</a:t>
             </a:fld>
             <a:endParaRPr lang="en-US"/>
           </a:p>
@@ -1825,7 +1825,7 @@
           <a:p>
             <a:fld id="{A0A0F70D-D73B-9842-8C35-014CD7899AD7}" type="datetimeFigureOut">
               <a:rPr lang="en-US" smtClean="0"/>
-              <a:t>7/20/18</a:t>
+              <a:t>8/14/18</a:t>
             </a:fld>
             <a:endParaRPr lang="en-US"/>
           </a:p>
@@ -2102,7 +2102,7 @@
           <a:p>
             <a:fld id="{A0A0F70D-D73B-9842-8C35-014CD7899AD7}" type="datetimeFigureOut">
               <a:rPr lang="en-US" smtClean="0"/>
-              <a:t>7/20/18</a:t>
+              <a:t>8/14/18</a:t>
             </a:fld>
             <a:endParaRPr lang="en-US"/>
           </a:p>
@@ -2355,7 +2355,7 @@
           <a:p>
             <a:fld id="{A0A0F70D-D73B-9842-8C35-014CD7899AD7}" type="datetimeFigureOut">
               <a:rPr lang="en-US" smtClean="0"/>
-              <a:t>7/20/18</a:t>
+              <a:t>8/14/18</a:t>
             </a:fld>
             <a:endParaRPr lang="en-US"/>
           </a:p>
@@ -2568,7 +2568,7 @@
           <a:p>
             <a:fld id="{A0A0F70D-D73B-9842-8C35-014CD7899AD7}" type="datetimeFigureOut">
               <a:rPr lang="en-US" smtClean="0"/>
-              <a:t>7/20/18</a:t>
+              <a:t>8/14/18</a:t>
             </a:fld>
             <a:endParaRPr lang="en-US"/>
           </a:p>
@@ -15196,1060 +15196,6 @@
       </p:grpSpPr>
       <p:grpSp>
         <p:nvGrpSpPr>
-          <p:cNvPr id="4" name="Group 3"/>
-          <p:cNvGrpSpPr/>
-          <p:nvPr/>
-        </p:nvGrpSpPr>
-        <p:grpSpPr>
-          <a:xfrm>
-            <a:off x="589276" y="1220092"/>
-            <a:ext cx="5909077" cy="4074917"/>
-            <a:chOff x="2468804" y="697423"/>
-            <a:chExt cx="5909077" cy="4074917"/>
-          </a:xfrm>
-        </p:grpSpPr>
-        <p:grpSp>
-          <p:nvGrpSpPr>
-            <p:cNvPr id="5" name="Group 4"/>
-            <p:cNvGrpSpPr/>
-            <p:nvPr/>
-          </p:nvGrpSpPr>
-          <p:grpSpPr>
-            <a:xfrm>
-              <a:off x="2468804" y="697423"/>
-              <a:ext cx="4117976" cy="4074917"/>
-              <a:chOff x="2468804" y="697423"/>
-              <a:chExt cx="4117976" cy="4074917"/>
-            </a:xfrm>
-          </p:grpSpPr>
-          <p:pic>
-            <p:nvPicPr>
-              <p:cNvPr id="18" name="Picture 17"/>
-              <p:cNvPicPr>
-                <a:picLocks noChangeAspect="1"/>
-              </p:cNvPicPr>
-              <p:nvPr/>
-            </p:nvPicPr>
-            <p:blipFill>
-              <a:blip r:embed="rId2">
-                <a:extLst>
-                  <a:ext uri="{28A0092B-C50C-407E-A947-70E740481C1C}">
-                    <a14:useLocalDpi xmlns:a14="http://schemas.microsoft.com/office/drawing/2010/main" val="0"/>
-                  </a:ext>
-                </a:extLst>
-              </a:blip>
-              <a:stretch>
-                <a:fillRect/>
-              </a:stretch>
-            </p:blipFill>
-            <p:spPr>
-              <a:xfrm>
-                <a:off x="3332804" y="1637516"/>
-                <a:ext cx="3253976" cy="3134824"/>
-              </a:xfrm>
-              <a:prstGeom prst="rect">
-                <a:avLst/>
-              </a:prstGeom>
-            </p:spPr>
-          </p:pic>
-          <p:cxnSp>
-            <p:nvCxnSpPr>
-              <p:cNvPr id="19" name="Straight Arrow Connector 18"/>
-              <p:cNvCxnSpPr/>
-              <p:nvPr/>
-            </p:nvCxnSpPr>
-            <p:spPr>
-              <a:xfrm flipV="1">
-                <a:off x="5052780" y="697423"/>
-                <a:ext cx="0" cy="864000"/>
-              </a:xfrm>
-              <a:prstGeom prst="straightConnector1">
-                <a:avLst/>
-              </a:prstGeom>
-              <a:ln w="38100">
-                <a:solidFill>
-                  <a:srgbClr val="C00000"/>
-                </a:solidFill>
-                <a:tailEnd type="triangle"/>
-              </a:ln>
-            </p:spPr>
-            <p:style>
-              <a:lnRef idx="1">
-                <a:schemeClr val="accent1"/>
-              </a:lnRef>
-              <a:fillRef idx="0">
-                <a:schemeClr val="accent1"/>
-              </a:fillRef>
-              <a:effectRef idx="0">
-                <a:schemeClr val="accent1"/>
-              </a:effectRef>
-              <a:fontRef idx="minor">
-                <a:schemeClr val="tx1"/>
-              </a:fontRef>
-            </p:style>
-          </p:cxnSp>
-          <p:cxnSp>
-            <p:nvCxnSpPr>
-              <p:cNvPr id="20" name="Straight Arrow Connector 19"/>
-              <p:cNvCxnSpPr/>
-              <p:nvPr/>
-            </p:nvCxnSpPr>
-            <p:spPr>
-              <a:xfrm flipH="1" flipV="1">
-                <a:off x="2468804" y="3391545"/>
-                <a:ext cx="864000" cy="0"/>
-              </a:xfrm>
-              <a:prstGeom prst="straightConnector1">
-                <a:avLst/>
-              </a:prstGeom>
-              <a:ln w="38100">
-                <a:solidFill>
-                  <a:srgbClr val="7030A0"/>
-                </a:solidFill>
-                <a:tailEnd type="triangle"/>
-              </a:ln>
-            </p:spPr>
-            <p:style>
-              <a:lnRef idx="1">
-                <a:schemeClr val="accent1"/>
-              </a:lnRef>
-              <a:fillRef idx="0">
-                <a:schemeClr val="accent1"/>
-              </a:fillRef>
-              <a:effectRef idx="0">
-                <a:schemeClr val="accent1"/>
-              </a:effectRef>
-              <a:fontRef idx="minor">
-                <a:schemeClr val="tx1"/>
-              </a:fontRef>
-            </p:style>
-          </p:cxnSp>
-          <p:cxnSp>
-            <p:nvCxnSpPr>
-              <p:cNvPr id="21" name="Straight Arrow Connector 20"/>
-              <p:cNvCxnSpPr/>
-              <p:nvPr/>
-            </p:nvCxnSpPr>
-            <p:spPr>
-              <a:xfrm flipH="1" flipV="1">
-                <a:off x="2774197" y="2422325"/>
-                <a:ext cx="707059" cy="219998"/>
-              </a:xfrm>
-              <a:prstGeom prst="straightConnector1">
-                <a:avLst/>
-              </a:prstGeom>
-              <a:ln w="38100">
-                <a:solidFill>
-                  <a:srgbClr val="0070C0"/>
-                </a:solidFill>
-                <a:tailEnd type="triangle"/>
-              </a:ln>
-            </p:spPr>
-            <p:style>
-              <a:lnRef idx="1">
-                <a:schemeClr val="accent1"/>
-              </a:lnRef>
-              <a:fillRef idx="0">
-                <a:schemeClr val="accent1"/>
-              </a:fillRef>
-              <a:effectRef idx="0">
-                <a:schemeClr val="accent1"/>
-              </a:effectRef>
-              <a:fontRef idx="minor">
-                <a:schemeClr val="tx1"/>
-              </a:fontRef>
-            </p:style>
-          </p:cxnSp>
-          <mc:AlternateContent xmlns:mc="http://schemas.openxmlformats.org/markup-compatibility/2006" xmlns:a14="http://schemas.microsoft.com/office/drawing/2010/main">
-            <mc:Choice Requires="a14">
-              <p:sp>
-                <p:nvSpPr>
-                  <p:cNvPr id="22" name="TextBox 21"/>
-                  <p:cNvSpPr txBox="1"/>
-                  <p:nvPr/>
-                </p:nvSpPr>
-                <p:spPr>
-                  <a:xfrm>
-                    <a:off x="5196016" y="990923"/>
-                    <a:ext cx="186782" cy="276999"/>
-                  </a:xfrm>
-                  <a:prstGeom prst="rect">
-                    <a:avLst/>
-                  </a:prstGeom>
-                  <a:noFill/>
-                </p:spPr>
-                <p:txBody>
-                  <a:bodyPr wrap="none" lIns="0" tIns="0" rIns="0" bIns="0" rtlCol="0">
-                    <a:spAutoFit/>
-                  </a:bodyPr>
-                  <a:lstStyle/>
-                  <a:p>
-                    <a:pPr/>
-                    <a14:m>
-                      <m:oMathPara xmlns:m="http://schemas.openxmlformats.org/officeDocument/2006/math">
-                        <m:oMathParaPr>
-                          <m:jc m:val="centerGroup"/>
-                        </m:oMathParaPr>
-                        <m:oMath xmlns:m="http://schemas.openxmlformats.org/officeDocument/2006/math">
-                          <m:acc>
-                            <m:accPr>
-                              <m:chr m:val="⃗"/>
-                              <m:ctrlPr>
-                                <a:rPr lang="en-CA" b="0" i="1" smtClean="0">
-                                  <a:solidFill>
-                                    <a:srgbClr val="C00000"/>
-                                  </a:solidFill>
-                                  <a:latin typeface="Cambria Math" charset="0"/>
-                                </a:rPr>
-                              </m:ctrlPr>
-                            </m:accPr>
-                            <m:e>
-                              <m:r>
-                                <a:rPr lang="en-CA" b="0" i="1" smtClean="0">
-                                  <a:solidFill>
-                                    <a:srgbClr val="C00000"/>
-                                  </a:solidFill>
-                                  <a:latin typeface="Cambria Math" charset="0"/>
-                                </a:rPr>
-                                <m:t>𝑎</m:t>
-                              </m:r>
-                            </m:e>
-                          </m:acc>
-                        </m:oMath>
-                      </m:oMathPara>
-                    </a14:m>
-                    <a:endParaRPr lang="en-US" dirty="0">
-                      <a:solidFill>
-                        <a:srgbClr val="C00000"/>
-                      </a:solidFill>
-                    </a:endParaRPr>
-                  </a:p>
-                </p:txBody>
-              </p:sp>
-            </mc:Choice>
-            <mc:Fallback xmlns="">
-              <p:sp>
-                <p:nvSpPr>
-                  <p:cNvPr id="22" name="TextBox 21"/>
-                  <p:cNvSpPr txBox="1">
-                    <a:spLocks noRot="1" noChangeAspect="1" noMove="1" noResize="1" noEditPoints="1" noAdjustHandles="1" noChangeArrowheads="1" noChangeShapeType="1" noTextEdit="1"/>
-                  </p:cNvSpPr>
-                  <p:nvPr/>
-                </p:nvSpPr>
-                <p:spPr>
-                  <a:xfrm>
-                    <a:off x="5196016" y="990923"/>
-                    <a:ext cx="186782" cy="276999"/>
-                  </a:xfrm>
-                  <a:prstGeom prst="rect">
-                    <a:avLst/>
-                  </a:prstGeom>
-                  <a:blipFill rotWithShape="0">
-                    <a:blip r:embed="rId3"/>
-                    <a:stretch>
-                      <a:fillRect l="-25806" t="-36957" r="-90323" b="-2174"/>
-                    </a:stretch>
-                  </a:blipFill>
-                </p:spPr>
-                <p:txBody>
-                  <a:bodyPr/>
-                  <a:lstStyle/>
-                  <a:p>
-                    <a:r>
-                      <a:rPr lang="en-US">
-                        <a:noFill/>
-                      </a:rPr>
-                      <a:t> </a:t>
-                    </a:r>
-                  </a:p>
-                </p:txBody>
-              </p:sp>
-            </mc:Fallback>
-          </mc:AlternateContent>
-          <mc:AlternateContent xmlns:mc="http://schemas.openxmlformats.org/markup-compatibility/2006" xmlns:a14="http://schemas.microsoft.com/office/drawing/2010/main">
-            <mc:Choice Requires="a14">
-              <p:sp>
-                <p:nvSpPr>
-                  <p:cNvPr id="23" name="TextBox 22"/>
-                  <p:cNvSpPr txBox="1"/>
-                  <p:nvPr/>
-                </p:nvSpPr>
-                <p:spPr>
-                  <a:xfrm>
-                    <a:off x="3146023" y="2245779"/>
-                    <a:ext cx="186778" cy="317972"/>
-                  </a:xfrm>
-                  <a:prstGeom prst="rect">
-                    <a:avLst/>
-                  </a:prstGeom>
-                  <a:noFill/>
-                </p:spPr>
-                <p:txBody>
-                  <a:bodyPr wrap="square" lIns="0" tIns="0" rIns="0" bIns="0" rtlCol="0">
-                    <a:spAutoFit/>
-                  </a:bodyPr>
-                  <a:lstStyle/>
-                  <a:p>
-                    <a:pPr/>
-                    <a14:m>
-                      <m:oMathPara xmlns:m="http://schemas.openxmlformats.org/officeDocument/2006/math">
-                        <m:oMathParaPr>
-                          <m:jc m:val="centerGroup"/>
-                        </m:oMathParaPr>
-                        <m:oMath xmlns:m="http://schemas.openxmlformats.org/officeDocument/2006/math">
-                          <m:acc>
-                            <m:accPr>
-                              <m:chr m:val="⃗"/>
-                              <m:ctrlPr>
-                                <a:rPr lang="en-CA" b="0" i="1" smtClean="0">
-                                  <a:solidFill>
-                                    <a:srgbClr val="0070C0"/>
-                                  </a:solidFill>
-                                  <a:latin typeface="Cambria Math" charset="0"/>
-                                </a:rPr>
-                              </m:ctrlPr>
-                            </m:accPr>
-                            <m:e>
-                              <m:r>
-                                <a:rPr lang="en-CA" b="0" i="1" smtClean="0">
-                                  <a:solidFill>
-                                    <a:srgbClr val="0070C0"/>
-                                  </a:solidFill>
-                                  <a:latin typeface="Cambria Math" charset="0"/>
-                                </a:rPr>
-                                <m:t>𝑏</m:t>
-                              </m:r>
-                            </m:e>
-                          </m:acc>
-                        </m:oMath>
-                      </m:oMathPara>
-                    </a14:m>
-                    <a:endParaRPr lang="en-US" dirty="0">
-                      <a:solidFill>
-                        <a:srgbClr val="0070C0"/>
-                      </a:solidFill>
-                    </a:endParaRPr>
-                  </a:p>
-                </p:txBody>
-              </p:sp>
-            </mc:Choice>
-            <mc:Fallback xmlns="">
-              <p:sp>
-                <p:nvSpPr>
-                  <p:cNvPr id="23" name="TextBox 22"/>
-                  <p:cNvSpPr txBox="1">
-                    <a:spLocks noRot="1" noChangeAspect="1" noMove="1" noResize="1" noEditPoints="1" noAdjustHandles="1" noChangeArrowheads="1" noChangeShapeType="1" noTextEdit="1"/>
-                  </p:cNvSpPr>
-                  <p:nvPr/>
-                </p:nvSpPr>
-                <p:spPr>
-                  <a:xfrm>
-                    <a:off x="3146023" y="2245779"/>
-                    <a:ext cx="186778" cy="317972"/>
-                  </a:xfrm>
-                  <a:prstGeom prst="rect">
-                    <a:avLst/>
-                  </a:prstGeom>
-                  <a:blipFill rotWithShape="0">
-                    <a:blip r:embed="rId4"/>
-                    <a:stretch>
-                      <a:fillRect l="-30000" r="-30000" b="-7692"/>
-                    </a:stretch>
-                  </a:blipFill>
-                </p:spPr>
-                <p:txBody>
-                  <a:bodyPr/>
-                  <a:lstStyle/>
-                  <a:p>
-                    <a:r>
-                      <a:rPr lang="en-US">
-                        <a:noFill/>
-                      </a:rPr>
-                      <a:t> </a:t>
-                    </a:r>
-                  </a:p>
-                </p:txBody>
-              </p:sp>
-            </mc:Fallback>
-          </mc:AlternateContent>
-          <mc:AlternateContent xmlns:mc="http://schemas.openxmlformats.org/markup-compatibility/2006" xmlns:a14="http://schemas.microsoft.com/office/drawing/2010/main">
-            <mc:Choice Requires="a14">
-              <p:sp>
-                <p:nvSpPr>
-                  <p:cNvPr id="24" name="TextBox 23"/>
-                  <p:cNvSpPr txBox="1"/>
-                  <p:nvPr/>
-                </p:nvSpPr>
-                <p:spPr>
-                  <a:xfrm>
-                    <a:off x="2652939" y="3030588"/>
-                    <a:ext cx="584583" cy="317972"/>
-                  </a:xfrm>
-                  <a:prstGeom prst="rect">
-                    <a:avLst/>
-                  </a:prstGeom>
-                  <a:noFill/>
-                </p:spPr>
-                <p:txBody>
-                  <a:bodyPr wrap="none" lIns="0" tIns="0" rIns="0" bIns="0" rtlCol="0">
-                    <a:spAutoFit/>
-                  </a:bodyPr>
-                  <a:lstStyle/>
-                  <a:p>
-                    <a:pPr/>
-                    <a14:m>
-                      <m:oMathPara xmlns:m="http://schemas.openxmlformats.org/officeDocument/2006/math">
-                        <m:oMathParaPr>
-                          <m:jc m:val="centerGroup"/>
-                        </m:oMathParaPr>
-                        <m:oMath xmlns:m="http://schemas.openxmlformats.org/officeDocument/2006/math">
-                          <m:acc>
-                            <m:accPr>
-                              <m:chr m:val="⃗"/>
-                              <m:ctrlPr>
-                                <a:rPr lang="en-CA" b="0" i="1" smtClean="0">
-                                  <a:solidFill>
-                                    <a:srgbClr val="7030A0"/>
-                                  </a:solidFill>
-                                  <a:latin typeface="Cambria Math" charset="0"/>
-                                </a:rPr>
-                              </m:ctrlPr>
-                            </m:accPr>
-                            <m:e>
-                              <m:r>
-                                <a:rPr lang="en-CA" b="0" i="1" smtClean="0">
-                                  <a:solidFill>
-                                    <a:srgbClr val="7030A0"/>
-                                  </a:solidFill>
-                                  <a:latin typeface="Cambria Math" charset="0"/>
-                                </a:rPr>
-                                <m:t>𝑎</m:t>
-                              </m:r>
-                            </m:e>
-                          </m:acc>
-                          <m:r>
-                            <a:rPr lang="en-CA" b="0" i="1" smtClean="0">
-                              <a:solidFill>
-                                <a:srgbClr val="7030A0"/>
-                              </a:solidFill>
-                              <a:latin typeface="Cambria Math" charset="0"/>
-                            </a:rPr>
-                            <m:t> × </m:t>
-                          </m:r>
-                          <m:acc>
-                            <m:accPr>
-                              <m:chr m:val="⃗"/>
-                              <m:ctrlPr>
-                                <a:rPr lang="en-CA" b="0" i="1" smtClean="0">
-                                  <a:solidFill>
-                                    <a:srgbClr val="7030A0"/>
-                                  </a:solidFill>
-                                  <a:latin typeface="Cambria Math" charset="0"/>
-                                </a:rPr>
-                              </m:ctrlPr>
-                            </m:accPr>
-                            <m:e>
-                              <m:r>
-                                <a:rPr lang="en-CA" b="0" i="1" smtClean="0">
-                                  <a:solidFill>
-                                    <a:srgbClr val="7030A0"/>
-                                  </a:solidFill>
-                                  <a:latin typeface="Cambria Math" charset="0"/>
-                                </a:rPr>
-                                <m:t>𝑏</m:t>
-                              </m:r>
-                            </m:e>
-                          </m:acc>
-                        </m:oMath>
-                      </m:oMathPara>
-                    </a14:m>
-                    <a:endParaRPr lang="en-US" dirty="0">
-                      <a:solidFill>
-                        <a:srgbClr val="7030A0"/>
-                      </a:solidFill>
-                    </a:endParaRPr>
-                  </a:p>
-                </p:txBody>
-              </p:sp>
-            </mc:Choice>
-            <mc:Fallback xmlns="">
-              <p:sp>
-                <p:nvSpPr>
-                  <p:cNvPr id="24" name="TextBox 23"/>
-                  <p:cNvSpPr txBox="1">
-                    <a:spLocks noRot="1" noChangeAspect="1" noMove="1" noResize="1" noEditPoints="1" noAdjustHandles="1" noChangeArrowheads="1" noChangeShapeType="1" noTextEdit="1"/>
-                  </p:cNvSpPr>
-                  <p:nvPr/>
-                </p:nvSpPr>
-                <p:spPr>
-                  <a:xfrm>
-                    <a:off x="2652939" y="3030588"/>
-                    <a:ext cx="584583" cy="317972"/>
-                  </a:xfrm>
-                  <a:prstGeom prst="rect">
-                    <a:avLst/>
-                  </a:prstGeom>
-                  <a:blipFill rotWithShape="0">
-                    <a:blip r:embed="rId5"/>
-                    <a:stretch>
-                      <a:fillRect l="-8333" t="-113462" r="-8333" b="-157692"/>
-                    </a:stretch>
-                  </a:blipFill>
-                </p:spPr>
-                <p:txBody>
-                  <a:bodyPr/>
-                  <a:lstStyle/>
-                  <a:p>
-                    <a:r>
-                      <a:rPr lang="en-US">
-                        <a:noFill/>
-                      </a:rPr>
-                      <a:t> </a:t>
-                    </a:r>
-                  </a:p>
-                </p:txBody>
-              </p:sp>
-            </mc:Fallback>
-          </mc:AlternateContent>
-        </p:grpSp>
-        <p:grpSp>
-          <p:nvGrpSpPr>
-            <p:cNvPr id="6" name="Group 5"/>
-            <p:cNvGrpSpPr/>
-            <p:nvPr/>
-          </p:nvGrpSpPr>
-          <p:grpSpPr>
-            <a:xfrm>
-              <a:off x="6544155" y="990923"/>
-              <a:ext cx="1833726" cy="1709699"/>
-              <a:chOff x="6556512" y="990923"/>
-              <a:chExt cx="1833726" cy="1709699"/>
-            </a:xfrm>
-          </p:grpSpPr>
-          <p:sp>
-            <p:nvSpPr>
-              <p:cNvPr id="7" name="Rectangle 6"/>
-              <p:cNvSpPr/>
-              <p:nvPr/>
-            </p:nvSpPr>
-            <p:spPr>
-              <a:xfrm>
-                <a:off x="6556512" y="990923"/>
-                <a:ext cx="1833726" cy="1709699"/>
-              </a:xfrm>
-              <a:prstGeom prst="rect">
-                <a:avLst/>
-              </a:prstGeom>
-              <a:solidFill>
-                <a:schemeClr val="bg1"/>
-              </a:solidFill>
-              <a:ln>
-                <a:solidFill>
-                  <a:schemeClr val="tx1"/>
-                </a:solidFill>
-              </a:ln>
-            </p:spPr>
-            <p:style>
-              <a:lnRef idx="2">
-                <a:schemeClr val="accent1">
-                  <a:shade val="50000"/>
-                </a:schemeClr>
-              </a:lnRef>
-              <a:fillRef idx="1">
-                <a:schemeClr val="accent1"/>
-              </a:fillRef>
-              <a:effectRef idx="0">
-                <a:schemeClr val="accent1"/>
-              </a:effectRef>
-              <a:fontRef idx="minor">
-                <a:schemeClr val="lt1"/>
-              </a:fontRef>
-            </p:style>
-            <p:txBody>
-              <a:bodyPr rtlCol="0" anchor="ctr"/>
-              <a:lstStyle/>
-              <a:p>
-                <a:pPr algn="ctr"/>
-                <a:endParaRPr lang="en-US"/>
-              </a:p>
-            </p:txBody>
-          </p:sp>
-          <p:grpSp>
-            <p:nvGrpSpPr>
-              <p:cNvPr id="8" name="Group 7"/>
-              <p:cNvGrpSpPr/>
-              <p:nvPr/>
-            </p:nvGrpSpPr>
-            <p:grpSpPr>
-              <a:xfrm>
-                <a:off x="6931218" y="1112374"/>
-                <a:ext cx="1161876" cy="1264402"/>
-                <a:chOff x="8560980" y="1321139"/>
-                <a:chExt cx="1980000" cy="1980001"/>
-              </a:xfrm>
-            </p:grpSpPr>
-            <p:cxnSp>
-              <p:nvCxnSpPr>
-                <p:cNvPr id="12" name="Straight Arrow Connector 11"/>
-                <p:cNvCxnSpPr/>
-                <p:nvPr/>
-              </p:nvCxnSpPr>
-              <p:spPr>
-                <a:xfrm flipH="1" flipV="1">
-                  <a:off x="10506045" y="1321139"/>
-                  <a:ext cx="5" cy="1980000"/>
-                </a:xfrm>
-                <a:prstGeom prst="straightConnector1">
-                  <a:avLst/>
-                </a:prstGeom>
-                <a:ln w="38100">
-                  <a:solidFill>
-                    <a:schemeClr val="tx1"/>
-                  </a:solidFill>
-                  <a:tailEnd type="triangle"/>
-                </a:ln>
-              </p:spPr>
-              <p:style>
-                <a:lnRef idx="1">
-                  <a:schemeClr val="accent1"/>
-                </a:lnRef>
-                <a:fillRef idx="0">
-                  <a:schemeClr val="accent1"/>
-                </a:fillRef>
-                <a:effectRef idx="0">
-                  <a:schemeClr val="accent1"/>
-                </a:effectRef>
-                <a:fontRef idx="minor">
-                  <a:schemeClr val="tx1"/>
-                </a:fontRef>
-              </p:style>
-            </p:cxnSp>
-            <p:cxnSp>
-              <p:nvCxnSpPr>
-                <p:cNvPr id="13" name="Straight Arrow Connector 12"/>
-                <p:cNvCxnSpPr/>
-                <p:nvPr/>
-              </p:nvCxnSpPr>
-              <p:spPr>
-                <a:xfrm flipH="1" flipV="1">
-                  <a:off x="8905844" y="2581033"/>
-                  <a:ext cx="1571011" cy="720107"/>
-                </a:xfrm>
-                <a:prstGeom prst="straightConnector1">
-                  <a:avLst/>
-                </a:prstGeom>
-                <a:ln w="38100">
-                  <a:solidFill>
-                    <a:schemeClr val="tx1"/>
-                  </a:solidFill>
-                  <a:tailEnd type="triangle"/>
-                </a:ln>
-              </p:spPr>
-              <p:style>
-                <a:lnRef idx="1">
-                  <a:schemeClr val="accent1"/>
-                </a:lnRef>
-                <a:fillRef idx="0">
-                  <a:schemeClr val="accent1"/>
-                </a:fillRef>
-                <a:effectRef idx="0">
-                  <a:schemeClr val="accent1"/>
-                </a:effectRef>
-                <a:fontRef idx="minor">
-                  <a:schemeClr val="tx1"/>
-                </a:fontRef>
-              </p:style>
-            </p:cxnSp>
-            <p:cxnSp>
-              <p:nvCxnSpPr>
-                <p:cNvPr id="14" name="Straight Arrow Connector 13"/>
-                <p:cNvCxnSpPr/>
-                <p:nvPr/>
-              </p:nvCxnSpPr>
-              <p:spPr>
-                <a:xfrm flipH="1" flipV="1">
-                  <a:off x="8560980" y="3300089"/>
-                  <a:ext cx="1980000" cy="0"/>
-                </a:xfrm>
-                <a:prstGeom prst="straightConnector1">
-                  <a:avLst/>
-                </a:prstGeom>
-                <a:ln w="38100">
-                  <a:solidFill>
-                    <a:schemeClr val="tx1"/>
-                  </a:solidFill>
-                  <a:tailEnd type="triangle"/>
-                </a:ln>
-              </p:spPr>
-              <p:style>
-                <a:lnRef idx="1">
-                  <a:schemeClr val="accent1"/>
-                </a:lnRef>
-                <a:fillRef idx="0">
-                  <a:schemeClr val="accent1"/>
-                </a:fillRef>
-                <a:effectRef idx="0">
-                  <a:schemeClr val="accent1"/>
-                </a:effectRef>
-                <a:fontRef idx="minor">
-                  <a:schemeClr val="tx1"/>
-                </a:fontRef>
-              </p:style>
-            </p:cxnSp>
-            <p:grpSp>
-              <p:nvGrpSpPr>
-                <p:cNvPr id="15" name="Group 14"/>
-                <p:cNvGrpSpPr/>
-                <p:nvPr/>
-              </p:nvGrpSpPr>
-              <p:grpSpPr>
-                <a:xfrm>
-                  <a:off x="10285878" y="3096005"/>
-                  <a:ext cx="213182" cy="198894"/>
-                  <a:chOff x="10285878" y="3096005"/>
-                  <a:chExt cx="213182" cy="198894"/>
-                </a:xfrm>
-              </p:grpSpPr>
-              <p:cxnSp>
-                <p:nvCxnSpPr>
-                  <p:cNvPr id="16" name="Straight Connector 15"/>
-                  <p:cNvCxnSpPr/>
-                  <p:nvPr/>
-                </p:nvCxnSpPr>
-                <p:spPr>
-                  <a:xfrm flipH="1">
-                    <a:off x="10285878" y="3117056"/>
-                    <a:ext cx="213182" cy="3061"/>
-                  </a:xfrm>
-                  <a:prstGeom prst="line">
-                    <a:avLst/>
-                  </a:prstGeom>
-                  <a:ln w="38100">
-                    <a:solidFill>
-                      <a:schemeClr val="tx1"/>
-                    </a:solidFill>
-                  </a:ln>
-                </p:spPr>
-                <p:style>
-                  <a:lnRef idx="1">
-                    <a:schemeClr val="accent1"/>
-                  </a:lnRef>
-                  <a:fillRef idx="0">
-                    <a:schemeClr val="accent1"/>
-                  </a:fillRef>
-                  <a:effectRef idx="0">
-                    <a:schemeClr val="accent1"/>
-                  </a:effectRef>
-                  <a:fontRef idx="minor">
-                    <a:schemeClr val="tx1"/>
-                  </a:fontRef>
-                </p:style>
-              </p:cxnSp>
-              <p:cxnSp>
-                <p:nvCxnSpPr>
-                  <p:cNvPr id="17" name="Straight Connector 16"/>
-                  <p:cNvCxnSpPr/>
-                  <p:nvPr/>
-                </p:nvCxnSpPr>
-                <p:spPr>
-                  <a:xfrm flipH="1" flipV="1">
-                    <a:off x="10292865" y="3096005"/>
-                    <a:ext cx="0" cy="198894"/>
-                  </a:xfrm>
-                  <a:prstGeom prst="line">
-                    <a:avLst/>
-                  </a:prstGeom>
-                  <a:ln w="38100">
-                    <a:solidFill>
-                      <a:schemeClr val="tx1"/>
-                    </a:solidFill>
-                  </a:ln>
-                </p:spPr>
-                <p:style>
-                  <a:lnRef idx="1">
-                    <a:schemeClr val="accent1"/>
-                  </a:lnRef>
-                  <a:fillRef idx="0">
-                    <a:schemeClr val="accent1"/>
-                  </a:fillRef>
-                  <a:effectRef idx="0">
-                    <a:schemeClr val="accent1"/>
-                  </a:effectRef>
-                  <a:fontRef idx="minor">
-                    <a:schemeClr val="tx1"/>
-                  </a:fontRef>
-                </p:style>
-              </p:cxnSp>
-            </p:grpSp>
-          </p:grpSp>
-          <mc:AlternateContent xmlns:mc="http://schemas.openxmlformats.org/markup-compatibility/2006" xmlns:a14="http://schemas.microsoft.com/office/drawing/2010/main">
-            <mc:Choice Requires="a14">
-              <p:sp>
-                <p:nvSpPr>
-                  <p:cNvPr id="9" name="TextBox 8"/>
-                  <p:cNvSpPr txBox="1"/>
-                  <p:nvPr/>
-                </p:nvSpPr>
-                <p:spPr>
-                  <a:xfrm>
-                    <a:off x="8102862" y="1561423"/>
-                    <a:ext cx="186781" cy="276999"/>
-                  </a:xfrm>
-                  <a:prstGeom prst="rect">
-                    <a:avLst/>
-                  </a:prstGeom>
-                  <a:noFill/>
-                </p:spPr>
-                <p:txBody>
-                  <a:bodyPr wrap="none" lIns="0" tIns="0" rIns="0" bIns="0" rtlCol="0">
-                    <a:spAutoFit/>
-                  </a:bodyPr>
-                  <a:lstStyle/>
-                  <a:p>
-                    <a:pPr/>
-                    <a14:m>
-                      <m:oMathPara xmlns:m="http://schemas.openxmlformats.org/officeDocument/2006/math">
-                        <m:oMathParaPr>
-                          <m:jc m:val="centerGroup"/>
-                        </m:oMathParaPr>
-                        <m:oMath xmlns:m="http://schemas.openxmlformats.org/officeDocument/2006/math">
-                          <m:r>
-                            <a:rPr lang="en-CA" b="0" i="1" smtClean="0">
-                              <a:latin typeface="Cambria Math" charset="0"/>
-                            </a:rPr>
-                            <m:t>𝑎</m:t>
-                          </m:r>
-                        </m:oMath>
-                      </m:oMathPara>
-                    </a14:m>
-                    <a:endParaRPr lang="en-US" dirty="0"/>
-                  </a:p>
-                </p:txBody>
-              </p:sp>
-            </mc:Choice>
-            <mc:Fallback xmlns="">
-              <p:sp>
-                <p:nvSpPr>
-                  <p:cNvPr id="61" name="TextBox 60"/>
-                  <p:cNvSpPr txBox="1">
-                    <a:spLocks noRot="1" noChangeAspect="1" noMove="1" noResize="1" noEditPoints="1" noAdjustHandles="1" noChangeArrowheads="1" noChangeShapeType="1" noTextEdit="1"/>
-                  </p:cNvSpPr>
-                  <p:nvPr/>
-                </p:nvSpPr>
-                <p:spPr>
-                  <a:xfrm>
-                    <a:off x="8102862" y="1561423"/>
-                    <a:ext cx="186781" cy="276999"/>
-                  </a:xfrm>
-                  <a:prstGeom prst="rect">
-                    <a:avLst/>
-                  </a:prstGeom>
-                  <a:blipFill rotWithShape="0">
-                    <a:blip r:embed="rId6"/>
-                    <a:stretch>
-                      <a:fillRect l="-19355" r="-9677"/>
-                    </a:stretch>
-                  </a:blipFill>
-                </p:spPr>
-                <p:txBody>
-                  <a:bodyPr/>
-                  <a:lstStyle/>
-                  <a:p>
-                    <a:r>
-                      <a:rPr lang="en-US">
-                        <a:noFill/>
-                      </a:rPr>
-                      <a:t> </a:t>
-                    </a:r>
-                  </a:p>
-                </p:txBody>
-              </p:sp>
-            </mc:Fallback>
-          </mc:AlternateContent>
-          <mc:AlternateContent xmlns:mc="http://schemas.openxmlformats.org/markup-compatibility/2006" xmlns:a14="http://schemas.microsoft.com/office/drawing/2010/main">
-            <mc:Choice Requires="a14">
-              <p:sp>
-                <p:nvSpPr>
-                  <p:cNvPr id="10" name="TextBox 9"/>
-                  <p:cNvSpPr txBox="1"/>
-                  <p:nvPr/>
-                </p:nvSpPr>
-                <p:spPr>
-                  <a:xfrm>
-                    <a:off x="7503025" y="1845772"/>
-                    <a:ext cx="182999" cy="276999"/>
-                  </a:xfrm>
-                  <a:prstGeom prst="rect">
-                    <a:avLst/>
-                  </a:prstGeom>
-                  <a:noFill/>
-                </p:spPr>
-                <p:txBody>
-                  <a:bodyPr wrap="none" lIns="0" tIns="0" rIns="0" bIns="0" rtlCol="0">
-                    <a:spAutoFit/>
-                  </a:bodyPr>
-                  <a:lstStyle/>
-                  <a:p>
-                    <a:pPr/>
-                    <a14:m>
-                      <m:oMathPara xmlns:m="http://schemas.openxmlformats.org/officeDocument/2006/math">
-                        <m:oMathParaPr>
-                          <m:jc m:val="centerGroup"/>
-                        </m:oMathParaPr>
-                        <m:oMath xmlns:m="http://schemas.openxmlformats.org/officeDocument/2006/math">
-                          <m:r>
-                            <a:rPr lang="en-CA" b="0" i="1" smtClean="0">
-                              <a:latin typeface="Cambria Math" charset="0"/>
-                            </a:rPr>
-                            <m:t>𝑏</m:t>
-                          </m:r>
-                        </m:oMath>
-                      </m:oMathPara>
-                    </a14:m>
-                    <a:endParaRPr lang="en-US" dirty="0"/>
-                  </a:p>
-                </p:txBody>
-              </p:sp>
-            </mc:Choice>
-            <mc:Fallback xmlns="">
-              <p:sp>
-                <p:nvSpPr>
-                  <p:cNvPr id="62" name="TextBox 61"/>
-                  <p:cNvSpPr txBox="1">
-                    <a:spLocks noRot="1" noChangeAspect="1" noMove="1" noResize="1" noEditPoints="1" noAdjustHandles="1" noChangeArrowheads="1" noChangeShapeType="1" noTextEdit="1"/>
-                  </p:cNvSpPr>
-                  <p:nvPr/>
-                </p:nvSpPr>
-                <p:spPr>
-                  <a:xfrm>
-                    <a:off x="7503025" y="1845772"/>
-                    <a:ext cx="182999" cy="276999"/>
-                  </a:xfrm>
-                  <a:prstGeom prst="rect">
-                    <a:avLst/>
-                  </a:prstGeom>
-                  <a:blipFill rotWithShape="0">
-                    <a:blip r:embed="rId7"/>
-                    <a:stretch>
-                      <a:fillRect l="-33333" r="-26667" b="-8889"/>
-                    </a:stretch>
-                  </a:blipFill>
-                </p:spPr>
-                <p:txBody>
-                  <a:bodyPr/>
-                  <a:lstStyle/>
-                  <a:p>
-                    <a:r>
-                      <a:rPr lang="en-US">
-                        <a:noFill/>
-                      </a:rPr>
-                      <a:t> </a:t>
-                    </a:r>
-                  </a:p>
-                </p:txBody>
-              </p:sp>
-            </mc:Fallback>
-          </mc:AlternateContent>
-          <mc:AlternateContent xmlns:mc="http://schemas.openxmlformats.org/markup-compatibility/2006" xmlns:a14="http://schemas.microsoft.com/office/drawing/2010/main">
-            <mc:Choice Requires="a14">
-              <p:sp>
-                <p:nvSpPr>
-                  <p:cNvPr id="11" name="TextBox 10"/>
-                  <p:cNvSpPr txBox="1"/>
-                  <p:nvPr/>
-                </p:nvSpPr>
-                <p:spPr>
-                  <a:xfrm>
-                    <a:off x="7207635" y="2423623"/>
-                    <a:ext cx="584583" cy="276999"/>
-                  </a:xfrm>
-                  <a:prstGeom prst="rect">
-                    <a:avLst/>
-                  </a:prstGeom>
-                  <a:noFill/>
-                </p:spPr>
-                <p:txBody>
-                  <a:bodyPr wrap="none" lIns="0" tIns="0" rIns="0" bIns="0" rtlCol="0">
-                    <a:spAutoFit/>
-                  </a:bodyPr>
-                  <a:lstStyle/>
-                  <a:p>
-                    <a:pPr/>
-                    <a14:m>
-                      <m:oMathPara xmlns:m="http://schemas.openxmlformats.org/officeDocument/2006/math">
-                        <m:oMathParaPr>
-                          <m:jc m:val="centerGroup"/>
-                        </m:oMathParaPr>
-                        <m:oMath xmlns:m="http://schemas.openxmlformats.org/officeDocument/2006/math">
-                          <m:r>
-                            <a:rPr lang="en-CA" b="0" i="1" smtClean="0">
-                              <a:latin typeface="Cambria Math" charset="0"/>
-                            </a:rPr>
-                            <m:t>𝑎</m:t>
-                          </m:r>
-                          <m:r>
-                            <a:rPr lang="en-CA" b="0" i="1" smtClean="0">
-                              <a:latin typeface="Cambria Math" charset="0"/>
-                            </a:rPr>
-                            <m:t> × </m:t>
-                          </m:r>
-                          <m:r>
-                            <a:rPr lang="en-CA" b="0" i="1" smtClean="0">
-                              <a:latin typeface="Cambria Math" charset="0"/>
-                            </a:rPr>
-                            <m:t>𝑏</m:t>
-                          </m:r>
-                        </m:oMath>
-                      </m:oMathPara>
-                    </a14:m>
-                    <a:endParaRPr lang="en-US" dirty="0"/>
-                  </a:p>
-                </p:txBody>
-              </p:sp>
-            </mc:Choice>
-            <mc:Fallback xmlns="">
-              <p:sp>
-                <p:nvSpPr>
-                  <p:cNvPr id="63" name="TextBox 62"/>
-                  <p:cNvSpPr txBox="1">
-                    <a:spLocks noRot="1" noChangeAspect="1" noMove="1" noResize="1" noEditPoints="1" noAdjustHandles="1" noChangeArrowheads="1" noChangeShapeType="1" noTextEdit="1"/>
-                  </p:cNvSpPr>
-                  <p:nvPr/>
-                </p:nvSpPr>
-                <p:spPr>
-                  <a:xfrm>
-                    <a:off x="7207635" y="2423623"/>
-                    <a:ext cx="584583" cy="276999"/>
-                  </a:xfrm>
-                  <a:prstGeom prst="rect">
-                    <a:avLst/>
-                  </a:prstGeom>
-                  <a:blipFill rotWithShape="0">
-                    <a:blip r:embed="rId8"/>
-                    <a:stretch>
-                      <a:fillRect l="-4167" t="-148889" r="-8333" b="-180000"/>
-                    </a:stretch>
-                  </a:blipFill>
-                </p:spPr>
-                <p:txBody>
-                  <a:bodyPr/>
-                  <a:lstStyle/>
-                  <a:p>
-                    <a:r>
-                      <a:rPr lang="en-US">
-                        <a:noFill/>
-                      </a:rPr>
-                      <a:t> </a:t>
-                    </a:r>
-                  </a:p>
-                </p:txBody>
-              </p:sp>
-            </mc:Fallback>
-          </mc:AlternateContent>
-        </p:grpSp>
-      </p:grpSp>
-      <p:grpSp>
-        <p:nvGrpSpPr>
           <p:cNvPr id="27" name="Group 26"/>
           <p:cNvGrpSpPr/>
           <p:nvPr/>
@@ -16271,7 +15217,7 @@
             <p:nvPr/>
           </p:nvPicPr>
           <p:blipFill rotWithShape="1">
-            <a:blip r:embed="rId9">
+            <a:blip r:embed="rId2">
               <a:extLst>
                 <a:ext uri="{28A0092B-C50C-407E-A947-70E740481C1C}">
                   <a14:useLocalDpi xmlns:a14="http://schemas.microsoft.com/office/drawing/2010/main" val="0"/>
@@ -16439,6 +15385,2280 @@
             </a:p>
           </p:txBody>
         </p:sp>
+      </p:grpSp>
+      <p:grpSp>
+        <p:nvGrpSpPr>
+          <p:cNvPr id="28" name="Group 27"/>
+          <p:cNvGrpSpPr/>
+          <p:nvPr/>
+        </p:nvGrpSpPr>
+        <p:grpSpPr>
+          <a:xfrm>
+            <a:off x="1473439" y="4540290"/>
+            <a:ext cx="3694051" cy="1850754"/>
+            <a:chOff x="1225551" y="4525379"/>
+            <a:chExt cx="3694051" cy="1850754"/>
+          </a:xfrm>
+        </p:grpSpPr>
+        <p:grpSp>
+          <p:nvGrpSpPr>
+            <p:cNvPr id="29" name="Group 28"/>
+            <p:cNvGrpSpPr/>
+            <p:nvPr/>
+          </p:nvGrpSpPr>
+          <p:grpSpPr>
+            <a:xfrm>
+              <a:off x="1225551" y="4525379"/>
+              <a:ext cx="1354964" cy="1544045"/>
+              <a:chOff x="1225551" y="4498085"/>
+              <a:chExt cx="1354964" cy="1544045"/>
+            </a:xfrm>
+          </p:grpSpPr>
+          <p:cxnSp>
+            <p:nvCxnSpPr>
+              <p:cNvPr id="41" name="Straight Connector 40"/>
+              <p:cNvCxnSpPr/>
+              <p:nvPr/>
+            </p:nvCxnSpPr>
+            <p:spPr>
+              <a:xfrm flipH="1">
+                <a:off x="2034895" y="5671781"/>
+                <a:ext cx="180000" cy="0"/>
+              </a:xfrm>
+              <a:prstGeom prst="line">
+                <a:avLst/>
+              </a:prstGeom>
+              <a:ln w="38100">
+                <a:solidFill>
+                  <a:schemeClr val="tx1"/>
+                </a:solidFill>
+              </a:ln>
+            </p:spPr>
+            <p:style>
+              <a:lnRef idx="1">
+                <a:schemeClr val="accent1"/>
+              </a:lnRef>
+              <a:fillRef idx="0">
+                <a:schemeClr val="accent1"/>
+              </a:fillRef>
+              <a:effectRef idx="0">
+                <a:schemeClr val="accent1"/>
+              </a:effectRef>
+              <a:fontRef idx="minor">
+                <a:schemeClr val="tx1"/>
+              </a:fontRef>
+            </p:style>
+          </p:cxnSp>
+          <p:grpSp>
+            <p:nvGrpSpPr>
+              <p:cNvPr id="42" name="Group 41"/>
+              <p:cNvGrpSpPr/>
+              <p:nvPr/>
+            </p:nvGrpSpPr>
+            <p:grpSpPr>
+              <a:xfrm>
+                <a:off x="1225551" y="4498085"/>
+                <a:ext cx="1354964" cy="1544045"/>
+                <a:chOff x="1225551" y="4639105"/>
+                <a:chExt cx="1354964" cy="1544045"/>
+              </a:xfrm>
+            </p:grpSpPr>
+            <p:cxnSp>
+              <p:nvCxnSpPr>
+                <p:cNvPr id="43" name="Straight Connector 42"/>
+                <p:cNvCxnSpPr/>
+                <p:nvPr/>
+              </p:nvCxnSpPr>
+              <p:spPr>
+                <a:xfrm flipH="1" flipV="1">
+                  <a:off x="2041776" y="5814975"/>
+                  <a:ext cx="176652" cy="90036"/>
+                </a:xfrm>
+                <a:prstGeom prst="line">
+                  <a:avLst/>
+                </a:prstGeom>
+                <a:ln w="38100">
+                  <a:solidFill>
+                    <a:schemeClr val="tx1"/>
+                  </a:solidFill>
+                </a:ln>
+              </p:spPr>
+              <p:style>
+                <a:lnRef idx="1">
+                  <a:schemeClr val="accent1"/>
+                </a:lnRef>
+                <a:fillRef idx="0">
+                  <a:schemeClr val="accent1"/>
+                </a:fillRef>
+                <a:effectRef idx="0">
+                  <a:schemeClr val="accent1"/>
+                </a:effectRef>
+                <a:fontRef idx="minor">
+                  <a:schemeClr val="tx1"/>
+                </a:fontRef>
+              </p:style>
+            </p:cxnSp>
+            <p:grpSp>
+              <p:nvGrpSpPr>
+                <p:cNvPr id="44" name="Group 43"/>
+                <p:cNvGrpSpPr/>
+                <p:nvPr/>
+              </p:nvGrpSpPr>
+              <p:grpSpPr>
+                <a:xfrm>
+                  <a:off x="1225551" y="4639105"/>
+                  <a:ext cx="1354964" cy="1544045"/>
+                  <a:chOff x="1225551" y="4639105"/>
+                  <a:chExt cx="1354964" cy="1544045"/>
+                </a:xfrm>
+              </p:grpSpPr>
+              <p:grpSp>
+                <p:nvGrpSpPr>
+                  <p:cNvPr id="45" name="Group 44"/>
+                  <p:cNvGrpSpPr/>
+                  <p:nvPr/>
+                </p:nvGrpSpPr>
+                <p:grpSpPr>
+                  <a:xfrm>
+                    <a:off x="1225551" y="4639105"/>
+                    <a:ext cx="1354964" cy="1544045"/>
+                    <a:chOff x="6931218" y="1112374"/>
+                    <a:chExt cx="1354964" cy="1544045"/>
+                  </a:xfrm>
+                </p:grpSpPr>
+                <p:grpSp>
+                  <p:nvGrpSpPr>
+                    <p:cNvPr id="48" name="Group 47"/>
+                    <p:cNvGrpSpPr/>
+                    <p:nvPr/>
+                  </p:nvGrpSpPr>
+                  <p:grpSpPr>
+                    <a:xfrm>
+                      <a:off x="6931218" y="1112374"/>
+                      <a:ext cx="1161876" cy="1272829"/>
+                      <a:chOff x="8560980" y="1321139"/>
+                      <a:chExt cx="1980000" cy="1993197"/>
+                    </a:xfrm>
+                  </p:grpSpPr>
+                  <p:cxnSp>
+                    <p:nvCxnSpPr>
+                      <p:cNvPr id="52" name="Straight Arrow Connector 51"/>
+                      <p:cNvCxnSpPr/>
+                      <p:nvPr/>
+                    </p:nvCxnSpPr>
+                    <p:spPr>
+                      <a:xfrm flipH="1" flipV="1">
+                        <a:off x="10506045" y="1321139"/>
+                        <a:ext cx="5" cy="1980000"/>
+                      </a:xfrm>
+                      <a:prstGeom prst="straightConnector1">
+                        <a:avLst/>
+                      </a:prstGeom>
+                      <a:ln w="38100">
+                        <a:solidFill>
+                          <a:schemeClr val="tx1"/>
+                        </a:solidFill>
+                        <a:tailEnd type="triangle"/>
+                      </a:ln>
+                    </p:spPr>
+                    <p:style>
+                      <a:lnRef idx="1">
+                        <a:schemeClr val="accent1"/>
+                      </a:lnRef>
+                      <a:fillRef idx="0">
+                        <a:schemeClr val="accent1"/>
+                      </a:fillRef>
+                      <a:effectRef idx="0">
+                        <a:schemeClr val="accent1"/>
+                      </a:effectRef>
+                      <a:fontRef idx="minor">
+                        <a:schemeClr val="tx1"/>
+                      </a:fontRef>
+                    </p:style>
+                  </p:cxnSp>
+                  <p:cxnSp>
+                    <p:nvCxnSpPr>
+                      <p:cNvPr id="53" name="Straight Arrow Connector 52"/>
+                      <p:cNvCxnSpPr/>
+                      <p:nvPr/>
+                    </p:nvCxnSpPr>
+                    <p:spPr>
+                      <a:xfrm flipH="1" flipV="1">
+                        <a:off x="9061769" y="2458100"/>
+                        <a:ext cx="1444278" cy="847180"/>
+                      </a:xfrm>
+                      <a:prstGeom prst="straightConnector1">
+                        <a:avLst/>
+                      </a:prstGeom>
+                      <a:ln w="38100">
+                        <a:solidFill>
+                          <a:schemeClr val="tx1"/>
+                        </a:solidFill>
+                        <a:tailEnd type="triangle"/>
+                      </a:ln>
+                    </p:spPr>
+                    <p:style>
+                      <a:lnRef idx="1">
+                        <a:schemeClr val="accent1"/>
+                      </a:lnRef>
+                      <a:fillRef idx="0">
+                        <a:schemeClr val="accent1"/>
+                      </a:fillRef>
+                      <a:effectRef idx="0">
+                        <a:schemeClr val="accent1"/>
+                      </a:effectRef>
+                      <a:fontRef idx="minor">
+                        <a:schemeClr val="tx1"/>
+                      </a:fontRef>
+                    </p:style>
+                  </p:cxnSp>
+                  <p:cxnSp>
+                    <p:nvCxnSpPr>
+                      <p:cNvPr id="54" name="Straight Arrow Connector 53"/>
+                      <p:cNvCxnSpPr/>
+                      <p:nvPr/>
+                    </p:nvCxnSpPr>
+                    <p:spPr>
+                      <a:xfrm flipH="1" flipV="1">
+                        <a:off x="8560980" y="3314336"/>
+                        <a:ext cx="1980000" cy="0"/>
+                      </a:xfrm>
+                      <a:prstGeom prst="straightConnector1">
+                        <a:avLst/>
+                      </a:prstGeom>
+                      <a:ln w="38100">
+                        <a:solidFill>
+                          <a:schemeClr val="tx1"/>
+                        </a:solidFill>
+                        <a:tailEnd type="triangle"/>
+                      </a:ln>
+                    </p:spPr>
+                    <p:style>
+                      <a:lnRef idx="1">
+                        <a:schemeClr val="accent1"/>
+                      </a:lnRef>
+                      <a:fillRef idx="0">
+                        <a:schemeClr val="accent1"/>
+                      </a:fillRef>
+                      <a:effectRef idx="0">
+                        <a:schemeClr val="accent1"/>
+                      </a:effectRef>
+                      <a:fontRef idx="minor">
+                        <a:schemeClr val="tx1"/>
+                      </a:fontRef>
+                    </p:style>
+                  </p:cxnSp>
+                </p:grpSp>
+                <mc:AlternateContent xmlns:mc="http://schemas.openxmlformats.org/markup-compatibility/2006" xmlns:a14="http://schemas.microsoft.com/office/drawing/2010/main">
+                  <mc:Choice Requires="a14">
+                    <p:sp>
+                      <p:nvSpPr>
+                        <p:cNvPr id="49" name="TextBox 48"/>
+                        <p:cNvSpPr txBox="1"/>
+                        <p:nvPr/>
+                      </p:nvSpPr>
+                      <p:spPr>
+                        <a:xfrm>
+                          <a:off x="8102862" y="1561423"/>
+                          <a:ext cx="183320" cy="276999"/>
+                        </a:xfrm>
+                        <a:prstGeom prst="rect">
+                          <a:avLst/>
+                        </a:prstGeom>
+                        <a:noFill/>
+                      </p:spPr>
+                      <p:txBody>
+                        <a:bodyPr wrap="none" lIns="0" tIns="0" rIns="0" bIns="0" rtlCol="0">
+                          <a:spAutoFit/>
+                        </a:bodyPr>
+                        <a:lstStyle/>
+                        <a:p>
+                          <a:pPr/>
+                          <a14:m>
+                            <m:oMathPara xmlns:m="http://schemas.openxmlformats.org/officeDocument/2006/math">
+                              <m:oMathParaPr>
+                                <m:jc m:val="centerGroup"/>
+                              </m:oMathParaPr>
+                              <m:oMath xmlns:m="http://schemas.openxmlformats.org/officeDocument/2006/math">
+                                <m:r>
+                                  <a:rPr lang="en-CA" b="0" i="1" smtClean="0">
+                                    <a:latin typeface="Cambria Math" charset="0"/>
+                                  </a:rPr>
+                                  <m:t>𝑥</m:t>
+                                </m:r>
+                              </m:oMath>
+                            </m:oMathPara>
+                          </a14:m>
+                          <a:endParaRPr lang="en-US" dirty="0"/>
+                        </a:p>
+                      </p:txBody>
+                    </p:sp>
+                  </mc:Choice>
+                  <mc:Fallback xmlns="">
+                    <p:sp>
+                      <p:nvSpPr>
+                        <p:cNvPr id="33" name="TextBox 32"/>
+                        <p:cNvSpPr txBox="1">
+                          <a:spLocks noRot="1" noChangeAspect="1" noMove="1" noResize="1" noEditPoints="1" noAdjustHandles="1" noChangeArrowheads="1" noChangeShapeType="1" noTextEdit="1"/>
+                        </p:cNvSpPr>
+                        <p:nvPr/>
+                      </p:nvSpPr>
+                      <p:spPr>
+                        <a:xfrm>
+                          <a:off x="8102862" y="1561423"/>
+                          <a:ext cx="183320" cy="276999"/>
+                        </a:xfrm>
+                        <a:prstGeom prst="rect">
+                          <a:avLst/>
+                        </a:prstGeom>
+                        <a:blipFill rotWithShape="0">
+                          <a:blip r:embed="rId3"/>
+                          <a:stretch>
+                            <a:fillRect l="-16667" r="-13333"/>
+                          </a:stretch>
+                        </a:blipFill>
+                      </p:spPr>
+                      <p:txBody>
+                        <a:bodyPr/>
+                        <a:lstStyle/>
+                        <a:p>
+                          <a:r>
+                            <a:rPr lang="en-US">
+                              <a:noFill/>
+                            </a:rPr>
+                            <a:t> </a:t>
+                          </a:r>
+                        </a:p>
+                      </p:txBody>
+                    </p:sp>
+                  </mc:Fallback>
+                </mc:AlternateContent>
+                <mc:AlternateContent xmlns:mc="http://schemas.openxmlformats.org/markup-compatibility/2006" xmlns:a14="http://schemas.microsoft.com/office/drawing/2010/main">
+                  <mc:Choice Requires="a14">
+                    <p:sp>
+                      <p:nvSpPr>
+                        <p:cNvPr id="50" name="TextBox 49"/>
+                        <p:cNvSpPr txBox="1"/>
+                        <p:nvPr/>
+                      </p:nvSpPr>
+                      <p:spPr>
+                        <a:xfrm>
+                          <a:off x="7645584" y="1774270"/>
+                          <a:ext cx="186718" cy="276999"/>
+                        </a:xfrm>
+                        <a:prstGeom prst="rect">
+                          <a:avLst/>
+                        </a:prstGeom>
+                        <a:noFill/>
+                      </p:spPr>
+                      <p:txBody>
+                        <a:bodyPr wrap="none" lIns="0" tIns="0" rIns="0" bIns="0" rtlCol="0">
+                          <a:spAutoFit/>
+                        </a:bodyPr>
+                        <a:lstStyle/>
+                        <a:p>
+                          <a:pPr/>
+                          <a14:m>
+                            <m:oMathPara xmlns:m="http://schemas.openxmlformats.org/officeDocument/2006/math">
+                              <m:oMathParaPr>
+                                <m:jc m:val="centerGroup"/>
+                              </m:oMathParaPr>
+                              <m:oMath xmlns:m="http://schemas.openxmlformats.org/officeDocument/2006/math">
+                                <m:r>
+                                  <a:rPr lang="en-CA" b="0" i="1" smtClean="0">
+                                    <a:latin typeface="Cambria Math" charset="0"/>
+                                  </a:rPr>
+                                  <m:t>𝑦</m:t>
+                                </m:r>
+                              </m:oMath>
+                            </m:oMathPara>
+                          </a14:m>
+                          <a:endParaRPr lang="en-US" dirty="0"/>
+                        </a:p>
+                      </p:txBody>
+                    </p:sp>
+                  </mc:Choice>
+                  <mc:Fallback xmlns="">
+                    <p:sp>
+                      <p:nvSpPr>
+                        <p:cNvPr id="34" name="TextBox 33"/>
+                        <p:cNvSpPr txBox="1">
+                          <a:spLocks noRot="1" noChangeAspect="1" noMove="1" noResize="1" noEditPoints="1" noAdjustHandles="1" noChangeArrowheads="1" noChangeShapeType="1" noTextEdit="1"/>
+                        </p:cNvSpPr>
+                        <p:nvPr/>
+                      </p:nvSpPr>
+                      <p:spPr>
+                        <a:xfrm>
+                          <a:off x="7645584" y="1774270"/>
+                          <a:ext cx="186718" cy="276999"/>
+                        </a:xfrm>
+                        <a:prstGeom prst="rect">
+                          <a:avLst/>
+                        </a:prstGeom>
+                        <a:blipFill rotWithShape="0">
+                          <a:blip r:embed="rId4"/>
+                          <a:stretch>
+                            <a:fillRect l="-29032" r="-25806" b="-24444"/>
+                          </a:stretch>
+                        </a:blipFill>
+                      </p:spPr>
+                      <p:txBody>
+                        <a:bodyPr/>
+                        <a:lstStyle/>
+                        <a:p>
+                          <a:r>
+                            <a:rPr lang="en-US">
+                              <a:noFill/>
+                            </a:rPr>
+                            <a:t> </a:t>
+                          </a:r>
+                        </a:p>
+                      </p:txBody>
+                    </p:sp>
+                  </mc:Fallback>
+                </mc:AlternateContent>
+                <mc:AlternateContent xmlns:mc="http://schemas.openxmlformats.org/markup-compatibility/2006" xmlns:a14="http://schemas.microsoft.com/office/drawing/2010/main">
+                  <mc:Choice Requires="a14">
+                    <p:sp>
+                      <p:nvSpPr>
+                        <p:cNvPr id="51" name="TextBox 50"/>
+                        <p:cNvSpPr txBox="1"/>
+                        <p:nvPr/>
+                      </p:nvSpPr>
+                      <p:spPr>
+                        <a:xfrm>
+                          <a:off x="7448159" y="2379420"/>
+                          <a:ext cx="169084" cy="276999"/>
+                        </a:xfrm>
+                        <a:prstGeom prst="rect">
+                          <a:avLst/>
+                        </a:prstGeom>
+                        <a:noFill/>
+                      </p:spPr>
+                      <p:txBody>
+                        <a:bodyPr wrap="none" lIns="0" tIns="0" rIns="0" bIns="0" rtlCol="0">
+                          <a:spAutoFit/>
+                        </a:bodyPr>
+                        <a:lstStyle/>
+                        <a:p>
+                          <a:pPr/>
+                          <a14:m>
+                            <m:oMathPara xmlns:m="http://schemas.openxmlformats.org/officeDocument/2006/math">
+                              <m:oMathParaPr>
+                                <m:jc m:val="centerGroup"/>
+                              </m:oMathParaPr>
+                              <m:oMath xmlns:m="http://schemas.openxmlformats.org/officeDocument/2006/math">
+                                <m:r>
+                                  <a:rPr lang="en-CA" b="0" i="1" smtClean="0">
+                                    <a:latin typeface="Cambria Math" charset="0"/>
+                                  </a:rPr>
+                                  <m:t>𝑧</m:t>
+                                </m:r>
+                              </m:oMath>
+                            </m:oMathPara>
+                          </a14:m>
+                          <a:endParaRPr lang="en-US" dirty="0"/>
+                        </a:p>
+                      </p:txBody>
+                    </p:sp>
+                  </mc:Choice>
+                  <mc:Fallback xmlns="">
+                    <p:sp>
+                      <p:nvSpPr>
+                        <p:cNvPr id="35" name="TextBox 34"/>
+                        <p:cNvSpPr txBox="1">
+                          <a:spLocks noRot="1" noChangeAspect="1" noMove="1" noResize="1" noEditPoints="1" noAdjustHandles="1" noChangeArrowheads="1" noChangeShapeType="1" noTextEdit="1"/>
+                        </p:cNvSpPr>
+                        <p:nvPr/>
+                      </p:nvSpPr>
+                      <p:spPr>
+                        <a:xfrm>
+                          <a:off x="7448159" y="2379420"/>
+                          <a:ext cx="169084" cy="276999"/>
+                        </a:xfrm>
+                        <a:prstGeom prst="rect">
+                          <a:avLst/>
+                        </a:prstGeom>
+                        <a:blipFill rotWithShape="0">
+                          <a:blip r:embed="rId5"/>
+                          <a:stretch>
+                            <a:fillRect l="-21429" r="-10714"/>
+                          </a:stretch>
+                        </a:blipFill>
+                      </p:spPr>
+                      <p:txBody>
+                        <a:bodyPr/>
+                        <a:lstStyle/>
+                        <a:p>
+                          <a:r>
+                            <a:rPr lang="en-US">
+                              <a:noFill/>
+                            </a:rPr>
+                            <a:t> </a:t>
+                          </a:r>
+                        </a:p>
+                      </p:txBody>
+                    </p:sp>
+                  </mc:Fallback>
+                </mc:AlternateContent>
+              </p:grpSp>
+              <p:cxnSp>
+                <p:nvCxnSpPr>
+                  <p:cNvPr id="46" name="Straight Connector 45"/>
+                  <p:cNvCxnSpPr/>
+                  <p:nvPr/>
+                </p:nvCxnSpPr>
+                <p:spPr>
+                  <a:xfrm flipH="1" flipV="1">
+                    <a:off x="2214895" y="5735706"/>
+                    <a:ext cx="1255" cy="167130"/>
+                  </a:xfrm>
+                  <a:prstGeom prst="line">
+                    <a:avLst/>
+                  </a:prstGeom>
+                  <a:ln w="38100">
+                    <a:solidFill>
+                      <a:schemeClr val="tx1"/>
+                    </a:solidFill>
+                  </a:ln>
+                </p:spPr>
+                <p:style>
+                  <a:lnRef idx="1">
+                    <a:schemeClr val="accent1"/>
+                  </a:lnRef>
+                  <a:fillRef idx="0">
+                    <a:schemeClr val="accent1"/>
+                  </a:fillRef>
+                  <a:effectRef idx="0">
+                    <a:schemeClr val="accent1"/>
+                  </a:effectRef>
+                  <a:fontRef idx="minor">
+                    <a:schemeClr val="tx1"/>
+                  </a:fontRef>
+                </p:style>
+              </p:cxnSp>
+              <p:cxnSp>
+                <p:nvCxnSpPr>
+                  <p:cNvPr id="47" name="Straight Connector 46"/>
+                  <p:cNvCxnSpPr/>
+                  <p:nvPr/>
+                </p:nvCxnSpPr>
+                <p:spPr>
+                  <a:xfrm flipV="1">
+                    <a:off x="2217786" y="5756058"/>
+                    <a:ext cx="148515" cy="0"/>
+                  </a:xfrm>
+                  <a:prstGeom prst="line">
+                    <a:avLst/>
+                  </a:prstGeom>
+                  <a:ln w="38100">
+                    <a:solidFill>
+                      <a:schemeClr val="tx1"/>
+                    </a:solidFill>
+                  </a:ln>
+                </p:spPr>
+                <p:style>
+                  <a:lnRef idx="1">
+                    <a:schemeClr val="accent1"/>
+                  </a:lnRef>
+                  <a:fillRef idx="0">
+                    <a:schemeClr val="accent1"/>
+                  </a:fillRef>
+                  <a:effectRef idx="0">
+                    <a:schemeClr val="accent1"/>
+                  </a:effectRef>
+                  <a:fontRef idx="minor">
+                    <a:schemeClr val="tx1"/>
+                  </a:fontRef>
+                </p:style>
+              </p:cxnSp>
+            </p:grpSp>
+          </p:grpSp>
+        </p:grpSp>
+        <p:grpSp>
+          <p:nvGrpSpPr>
+            <p:cNvPr id="30" name="Group 29"/>
+            <p:cNvGrpSpPr/>
+            <p:nvPr/>
+          </p:nvGrpSpPr>
+          <p:grpSpPr>
+            <a:xfrm>
+              <a:off x="3231099" y="4525379"/>
+              <a:ext cx="1688503" cy="1850754"/>
+              <a:chOff x="3296836" y="4641750"/>
+              <a:chExt cx="1688503" cy="1850754"/>
+            </a:xfrm>
+          </p:grpSpPr>
+          <p:cxnSp>
+            <p:nvCxnSpPr>
+              <p:cNvPr id="31" name="Straight Arrow Connector 30"/>
+              <p:cNvCxnSpPr/>
+              <p:nvPr/>
+            </p:nvCxnSpPr>
+            <p:spPr>
+              <a:xfrm>
+                <a:off x="3700651" y="5888099"/>
+                <a:ext cx="1284688" cy="0"/>
+              </a:xfrm>
+              <a:prstGeom prst="straightConnector1">
+                <a:avLst/>
+              </a:prstGeom>
+              <a:ln w="38100">
+                <a:solidFill>
+                  <a:schemeClr val="tx1"/>
+                </a:solidFill>
+                <a:tailEnd type="triangle"/>
+              </a:ln>
+            </p:spPr>
+            <p:style>
+              <a:lnRef idx="1">
+                <a:schemeClr val="accent1"/>
+              </a:lnRef>
+              <a:fillRef idx="0">
+                <a:schemeClr val="accent1"/>
+              </a:fillRef>
+              <a:effectRef idx="0">
+                <a:schemeClr val="accent1"/>
+              </a:effectRef>
+              <a:fontRef idx="minor">
+                <a:schemeClr val="tx1"/>
+              </a:fontRef>
+            </p:style>
+          </p:cxnSp>
+          <p:cxnSp>
+            <p:nvCxnSpPr>
+              <p:cNvPr id="32" name="Straight Arrow Connector 31"/>
+              <p:cNvCxnSpPr/>
+              <p:nvPr/>
+            </p:nvCxnSpPr>
+            <p:spPr>
+              <a:xfrm flipH="1" flipV="1">
+                <a:off x="3716798" y="4641750"/>
+                <a:ext cx="3" cy="1264401"/>
+              </a:xfrm>
+              <a:prstGeom prst="straightConnector1">
+                <a:avLst/>
+              </a:prstGeom>
+              <a:ln w="38100">
+                <a:solidFill>
+                  <a:schemeClr val="tx1"/>
+                </a:solidFill>
+                <a:tailEnd type="triangle"/>
+              </a:ln>
+            </p:spPr>
+            <p:style>
+              <a:lnRef idx="1">
+                <a:schemeClr val="accent1"/>
+              </a:lnRef>
+              <a:fillRef idx="0">
+                <a:schemeClr val="accent1"/>
+              </a:fillRef>
+              <a:effectRef idx="0">
+                <a:schemeClr val="accent1"/>
+              </a:effectRef>
+              <a:fontRef idx="minor">
+                <a:schemeClr val="tx1"/>
+              </a:fontRef>
+            </p:style>
+          </p:cxnSp>
+          <p:cxnSp>
+            <p:nvCxnSpPr>
+              <p:cNvPr id="33" name="Straight Arrow Connector 32"/>
+              <p:cNvCxnSpPr/>
+              <p:nvPr/>
+            </p:nvCxnSpPr>
+            <p:spPr>
+              <a:xfrm flipH="1">
+                <a:off x="3296836" y="5888099"/>
+                <a:ext cx="416041" cy="604405"/>
+              </a:xfrm>
+              <a:prstGeom prst="straightConnector1">
+                <a:avLst/>
+              </a:prstGeom>
+              <a:ln w="38100">
+                <a:solidFill>
+                  <a:schemeClr val="tx1"/>
+                </a:solidFill>
+                <a:tailEnd type="triangle"/>
+              </a:ln>
+            </p:spPr>
+            <p:style>
+              <a:lnRef idx="1">
+                <a:schemeClr val="accent1"/>
+              </a:lnRef>
+              <a:fillRef idx="0">
+                <a:schemeClr val="accent1"/>
+              </a:fillRef>
+              <a:effectRef idx="0">
+                <a:schemeClr val="accent1"/>
+              </a:effectRef>
+              <a:fontRef idx="minor">
+                <a:schemeClr val="tx1"/>
+              </a:fontRef>
+            </p:style>
+          </p:cxnSp>
+          <p:cxnSp>
+            <p:nvCxnSpPr>
+              <p:cNvPr id="34" name="Straight Connector 33"/>
+              <p:cNvCxnSpPr/>
+              <p:nvPr/>
+            </p:nvCxnSpPr>
+            <p:spPr>
+              <a:xfrm flipH="1">
+                <a:off x="3626798" y="6000466"/>
+                <a:ext cx="180000" cy="0"/>
+              </a:xfrm>
+              <a:prstGeom prst="line">
+                <a:avLst/>
+              </a:prstGeom>
+              <a:ln w="38100">
+                <a:solidFill>
+                  <a:schemeClr val="tx1"/>
+                </a:solidFill>
+              </a:ln>
+            </p:spPr>
+            <p:style>
+              <a:lnRef idx="1">
+                <a:schemeClr val="accent1"/>
+              </a:lnRef>
+              <a:fillRef idx="0">
+                <a:schemeClr val="accent1"/>
+              </a:fillRef>
+              <a:effectRef idx="0">
+                <a:schemeClr val="accent1"/>
+              </a:effectRef>
+              <a:fontRef idx="minor">
+                <a:schemeClr val="tx1"/>
+              </a:fontRef>
+            </p:style>
+          </p:cxnSp>
+          <p:cxnSp>
+            <p:nvCxnSpPr>
+              <p:cNvPr id="35" name="Straight Connector 34"/>
+              <p:cNvCxnSpPr/>
+              <p:nvPr/>
+            </p:nvCxnSpPr>
+            <p:spPr>
+              <a:xfrm flipV="1">
+                <a:off x="3788580" y="5892648"/>
+                <a:ext cx="89835" cy="116916"/>
+              </a:xfrm>
+              <a:prstGeom prst="line">
+                <a:avLst/>
+              </a:prstGeom>
+              <a:ln w="38100">
+                <a:solidFill>
+                  <a:schemeClr val="tx1"/>
+                </a:solidFill>
+              </a:ln>
+            </p:spPr>
+            <p:style>
+              <a:lnRef idx="1">
+                <a:schemeClr val="accent1"/>
+              </a:lnRef>
+              <a:fillRef idx="0">
+                <a:schemeClr val="accent1"/>
+              </a:fillRef>
+              <a:effectRef idx="0">
+                <a:schemeClr val="accent1"/>
+              </a:effectRef>
+              <a:fontRef idx="minor">
+                <a:schemeClr val="tx1"/>
+              </a:fontRef>
+            </p:style>
+          </p:cxnSp>
+          <p:cxnSp>
+            <p:nvCxnSpPr>
+              <p:cNvPr id="36" name="Straight Connector 35"/>
+              <p:cNvCxnSpPr/>
+              <p:nvPr/>
+            </p:nvCxnSpPr>
+            <p:spPr>
+              <a:xfrm flipH="1" flipV="1">
+                <a:off x="3872918" y="5723423"/>
+                <a:ext cx="1255" cy="167130"/>
+              </a:xfrm>
+              <a:prstGeom prst="line">
+                <a:avLst/>
+              </a:prstGeom>
+              <a:ln w="38100">
+                <a:solidFill>
+                  <a:schemeClr val="tx1"/>
+                </a:solidFill>
+              </a:ln>
+            </p:spPr>
+            <p:style>
+              <a:lnRef idx="1">
+                <a:schemeClr val="accent1"/>
+              </a:lnRef>
+              <a:fillRef idx="0">
+                <a:schemeClr val="accent1"/>
+              </a:fillRef>
+              <a:effectRef idx="0">
+                <a:schemeClr val="accent1"/>
+              </a:effectRef>
+              <a:fontRef idx="minor">
+                <a:schemeClr val="tx1"/>
+              </a:fontRef>
+            </p:style>
+          </p:cxnSp>
+          <p:cxnSp>
+            <p:nvCxnSpPr>
+              <p:cNvPr id="37" name="Straight Connector 36"/>
+              <p:cNvCxnSpPr/>
+              <p:nvPr/>
+            </p:nvCxnSpPr>
+            <p:spPr>
+              <a:xfrm flipV="1">
+                <a:off x="3732540" y="5738323"/>
+                <a:ext cx="148515" cy="0"/>
+              </a:xfrm>
+              <a:prstGeom prst="line">
+                <a:avLst/>
+              </a:prstGeom>
+              <a:ln w="38100">
+                <a:solidFill>
+                  <a:schemeClr val="tx1"/>
+                </a:solidFill>
+              </a:ln>
+            </p:spPr>
+            <p:style>
+              <a:lnRef idx="1">
+                <a:schemeClr val="accent1"/>
+              </a:lnRef>
+              <a:fillRef idx="0">
+                <a:schemeClr val="accent1"/>
+              </a:fillRef>
+              <a:effectRef idx="0">
+                <a:schemeClr val="accent1"/>
+              </a:effectRef>
+              <a:fontRef idx="minor">
+                <a:schemeClr val="tx1"/>
+              </a:fontRef>
+            </p:style>
+          </p:cxnSp>
+          <mc:AlternateContent xmlns:mc="http://schemas.openxmlformats.org/markup-compatibility/2006" xmlns:a14="http://schemas.microsoft.com/office/drawing/2010/main">
+            <mc:Choice Requires="a14">
+              <p:sp>
+                <p:nvSpPr>
+                  <p:cNvPr id="38" name="TextBox 37"/>
+                  <p:cNvSpPr txBox="1"/>
+                  <p:nvPr/>
+                </p:nvSpPr>
+                <p:spPr>
+                  <a:xfrm>
+                    <a:off x="4155811" y="5890553"/>
+                    <a:ext cx="183320" cy="276999"/>
+                  </a:xfrm>
+                  <a:prstGeom prst="rect">
+                    <a:avLst/>
+                  </a:prstGeom>
+                  <a:noFill/>
+                </p:spPr>
+                <p:txBody>
+                  <a:bodyPr wrap="none" lIns="0" tIns="0" rIns="0" bIns="0" rtlCol="0">
+                    <a:spAutoFit/>
+                  </a:bodyPr>
+                  <a:lstStyle/>
+                  <a:p>
+                    <a:pPr/>
+                    <a14:m>
+                      <m:oMathPara xmlns:m="http://schemas.openxmlformats.org/officeDocument/2006/math">
+                        <m:oMathParaPr>
+                          <m:jc m:val="centerGroup"/>
+                        </m:oMathParaPr>
+                        <m:oMath xmlns:m="http://schemas.openxmlformats.org/officeDocument/2006/math">
+                          <m:r>
+                            <a:rPr lang="en-CA" b="0" i="1" smtClean="0">
+                              <a:latin typeface="Cambria Math" charset="0"/>
+                            </a:rPr>
+                            <m:t>𝑥</m:t>
+                          </m:r>
+                        </m:oMath>
+                      </m:oMathPara>
+                    </a14:m>
+                    <a:endParaRPr lang="en-US" dirty="0"/>
+                  </a:p>
+                </p:txBody>
+              </p:sp>
+            </mc:Choice>
+            <mc:Fallback xmlns="">
+              <p:sp>
+                <p:nvSpPr>
+                  <p:cNvPr id="72" name="TextBox 71"/>
+                  <p:cNvSpPr txBox="1">
+                    <a:spLocks noRot="1" noChangeAspect="1" noMove="1" noResize="1" noEditPoints="1" noAdjustHandles="1" noChangeArrowheads="1" noChangeShapeType="1" noTextEdit="1"/>
+                  </p:cNvSpPr>
+                  <p:nvPr/>
+                </p:nvSpPr>
+                <p:spPr>
+                  <a:xfrm>
+                    <a:off x="4155811" y="5890553"/>
+                    <a:ext cx="183320" cy="276999"/>
+                  </a:xfrm>
+                  <a:prstGeom prst="rect">
+                    <a:avLst/>
+                  </a:prstGeom>
+                  <a:blipFill rotWithShape="0">
+                    <a:blip r:embed="rId6"/>
+                    <a:stretch>
+                      <a:fillRect l="-20000" r="-10000"/>
+                    </a:stretch>
+                  </a:blipFill>
+                </p:spPr>
+                <p:txBody>
+                  <a:bodyPr/>
+                  <a:lstStyle/>
+                  <a:p>
+                    <a:r>
+                      <a:rPr lang="en-US">
+                        <a:noFill/>
+                      </a:rPr>
+                      <a:t> </a:t>
+                    </a:r>
+                  </a:p>
+                </p:txBody>
+              </p:sp>
+            </mc:Fallback>
+          </mc:AlternateContent>
+          <mc:AlternateContent xmlns:mc="http://schemas.openxmlformats.org/markup-compatibility/2006" xmlns:a14="http://schemas.microsoft.com/office/drawing/2010/main">
+            <mc:Choice Requires="a14">
+              <p:sp>
+                <p:nvSpPr>
+                  <p:cNvPr id="39" name="TextBox 38"/>
+                  <p:cNvSpPr txBox="1"/>
+                  <p:nvPr/>
+                </p:nvSpPr>
+                <p:spPr>
+                  <a:xfrm>
+                    <a:off x="3749588" y="5000300"/>
+                    <a:ext cx="186718" cy="276999"/>
+                  </a:xfrm>
+                  <a:prstGeom prst="rect">
+                    <a:avLst/>
+                  </a:prstGeom>
+                  <a:noFill/>
+                </p:spPr>
+                <p:txBody>
+                  <a:bodyPr wrap="none" lIns="0" tIns="0" rIns="0" bIns="0" rtlCol="0">
+                    <a:spAutoFit/>
+                  </a:bodyPr>
+                  <a:lstStyle/>
+                  <a:p>
+                    <a:pPr/>
+                    <a14:m>
+                      <m:oMathPara xmlns:m="http://schemas.openxmlformats.org/officeDocument/2006/math">
+                        <m:oMathParaPr>
+                          <m:jc m:val="centerGroup"/>
+                        </m:oMathParaPr>
+                        <m:oMath xmlns:m="http://schemas.openxmlformats.org/officeDocument/2006/math">
+                          <m:r>
+                            <a:rPr lang="en-CA" b="0" i="1" smtClean="0">
+                              <a:latin typeface="Cambria Math" charset="0"/>
+                            </a:rPr>
+                            <m:t>𝑦</m:t>
+                          </m:r>
+                        </m:oMath>
+                      </m:oMathPara>
+                    </a14:m>
+                    <a:endParaRPr lang="en-US" dirty="0"/>
+                  </a:p>
+                </p:txBody>
+              </p:sp>
+            </mc:Choice>
+            <mc:Fallback xmlns="">
+              <p:sp>
+                <p:nvSpPr>
+                  <p:cNvPr id="73" name="TextBox 72"/>
+                  <p:cNvSpPr txBox="1">
+                    <a:spLocks noRot="1" noChangeAspect="1" noMove="1" noResize="1" noEditPoints="1" noAdjustHandles="1" noChangeArrowheads="1" noChangeShapeType="1" noTextEdit="1"/>
+                  </p:cNvSpPr>
+                  <p:nvPr/>
+                </p:nvSpPr>
+                <p:spPr>
+                  <a:xfrm>
+                    <a:off x="3749588" y="5000300"/>
+                    <a:ext cx="186718" cy="276999"/>
+                  </a:xfrm>
+                  <a:prstGeom prst="rect">
+                    <a:avLst/>
+                  </a:prstGeom>
+                  <a:blipFill rotWithShape="0">
+                    <a:blip r:embed="rId7"/>
+                    <a:stretch>
+                      <a:fillRect l="-29032" r="-25806" b="-23913"/>
+                    </a:stretch>
+                  </a:blipFill>
+                </p:spPr>
+                <p:txBody>
+                  <a:bodyPr/>
+                  <a:lstStyle/>
+                  <a:p>
+                    <a:r>
+                      <a:rPr lang="en-US">
+                        <a:noFill/>
+                      </a:rPr>
+                      <a:t> </a:t>
+                    </a:r>
+                  </a:p>
+                </p:txBody>
+              </p:sp>
+            </mc:Fallback>
+          </mc:AlternateContent>
+          <mc:AlternateContent xmlns:mc="http://schemas.openxmlformats.org/markup-compatibility/2006" xmlns:a14="http://schemas.microsoft.com/office/drawing/2010/main">
+            <mc:Choice Requires="a14">
+              <p:sp>
+                <p:nvSpPr>
+                  <p:cNvPr id="40" name="TextBox 39"/>
+                  <p:cNvSpPr txBox="1"/>
+                  <p:nvPr/>
+                </p:nvSpPr>
+                <p:spPr>
+                  <a:xfrm>
+                    <a:off x="3313487" y="5913302"/>
+                    <a:ext cx="169084" cy="276999"/>
+                  </a:xfrm>
+                  <a:prstGeom prst="rect">
+                    <a:avLst/>
+                  </a:prstGeom>
+                  <a:noFill/>
+                </p:spPr>
+                <p:txBody>
+                  <a:bodyPr wrap="none" lIns="0" tIns="0" rIns="0" bIns="0" rtlCol="0">
+                    <a:spAutoFit/>
+                  </a:bodyPr>
+                  <a:lstStyle/>
+                  <a:p>
+                    <a:pPr/>
+                    <a14:m>
+                      <m:oMathPara xmlns:m="http://schemas.openxmlformats.org/officeDocument/2006/math">
+                        <m:oMathParaPr>
+                          <m:jc m:val="centerGroup"/>
+                        </m:oMathParaPr>
+                        <m:oMath xmlns:m="http://schemas.openxmlformats.org/officeDocument/2006/math">
+                          <m:r>
+                            <a:rPr lang="en-CA" b="0" i="1" smtClean="0">
+                              <a:latin typeface="Cambria Math" charset="0"/>
+                            </a:rPr>
+                            <m:t>𝑧</m:t>
+                          </m:r>
+                        </m:oMath>
+                      </m:oMathPara>
+                    </a14:m>
+                    <a:endParaRPr lang="en-US" dirty="0"/>
+                  </a:p>
+                </p:txBody>
+              </p:sp>
+            </mc:Choice>
+            <mc:Fallback xmlns="">
+              <p:sp>
+                <p:nvSpPr>
+                  <p:cNvPr id="74" name="TextBox 73"/>
+                  <p:cNvSpPr txBox="1">
+                    <a:spLocks noRot="1" noChangeAspect="1" noMove="1" noResize="1" noEditPoints="1" noAdjustHandles="1" noChangeArrowheads="1" noChangeShapeType="1" noTextEdit="1"/>
+                  </p:cNvSpPr>
+                  <p:nvPr/>
+                </p:nvSpPr>
+                <p:spPr>
+                  <a:xfrm>
+                    <a:off x="3313487" y="5913302"/>
+                    <a:ext cx="169084" cy="276999"/>
+                  </a:xfrm>
+                  <a:prstGeom prst="rect">
+                    <a:avLst/>
+                  </a:prstGeom>
+                  <a:blipFill rotWithShape="0">
+                    <a:blip r:embed="rId8"/>
+                    <a:stretch>
+                      <a:fillRect l="-21429" r="-10714"/>
+                    </a:stretch>
+                  </a:blipFill>
+                </p:spPr>
+                <p:txBody>
+                  <a:bodyPr/>
+                  <a:lstStyle/>
+                  <a:p>
+                    <a:r>
+                      <a:rPr lang="en-US">
+                        <a:noFill/>
+                      </a:rPr>
+                      <a:t> </a:t>
+                    </a:r>
+                  </a:p>
+                </p:txBody>
+              </p:sp>
+            </mc:Fallback>
+          </mc:AlternateContent>
+        </p:grpSp>
+      </p:grpSp>
+      <p:grpSp>
+        <p:nvGrpSpPr>
+          <p:cNvPr id="55" name="Group 54"/>
+          <p:cNvGrpSpPr/>
+          <p:nvPr/>
+        </p:nvGrpSpPr>
+        <p:grpSpPr>
+          <a:xfrm>
+            <a:off x="406471" y="48126"/>
+            <a:ext cx="5909077" cy="4074917"/>
+            <a:chOff x="0" y="161313"/>
+            <a:chExt cx="5909077" cy="4074917"/>
+          </a:xfrm>
+        </p:grpSpPr>
+        <p:grpSp>
+          <p:nvGrpSpPr>
+            <p:cNvPr id="56" name="Group 55"/>
+            <p:cNvGrpSpPr/>
+            <p:nvPr/>
+          </p:nvGrpSpPr>
+          <p:grpSpPr>
+            <a:xfrm>
+              <a:off x="0" y="161313"/>
+              <a:ext cx="5909077" cy="4074917"/>
+              <a:chOff x="2468804" y="697423"/>
+              <a:chExt cx="5909077" cy="4074917"/>
+            </a:xfrm>
+          </p:grpSpPr>
+          <p:grpSp>
+            <p:nvGrpSpPr>
+              <p:cNvPr id="72" name="Group 71"/>
+              <p:cNvGrpSpPr/>
+              <p:nvPr/>
+            </p:nvGrpSpPr>
+            <p:grpSpPr>
+              <a:xfrm>
+                <a:off x="2468804" y="697423"/>
+                <a:ext cx="4117976" cy="4074917"/>
+                <a:chOff x="2468804" y="697423"/>
+                <a:chExt cx="4117976" cy="4074917"/>
+              </a:xfrm>
+            </p:grpSpPr>
+            <p:pic>
+              <p:nvPicPr>
+                <p:cNvPr id="74" name="Picture 73"/>
+                <p:cNvPicPr>
+                  <a:picLocks noChangeAspect="1"/>
+                </p:cNvPicPr>
+                <p:nvPr/>
+              </p:nvPicPr>
+              <p:blipFill>
+                <a:blip r:embed="rId9">
+                  <a:extLst>
+                    <a:ext uri="{28A0092B-C50C-407E-A947-70E740481C1C}">
+                      <a14:useLocalDpi xmlns:a14="http://schemas.microsoft.com/office/drawing/2010/main" val="0"/>
+                    </a:ext>
+                  </a:extLst>
+                </a:blip>
+                <a:stretch>
+                  <a:fillRect/>
+                </a:stretch>
+              </p:blipFill>
+              <p:spPr>
+                <a:xfrm>
+                  <a:off x="3332804" y="1637516"/>
+                  <a:ext cx="3253976" cy="3134824"/>
+                </a:xfrm>
+                <a:prstGeom prst="rect">
+                  <a:avLst/>
+                </a:prstGeom>
+              </p:spPr>
+            </p:pic>
+            <p:cxnSp>
+              <p:nvCxnSpPr>
+                <p:cNvPr id="75" name="Straight Arrow Connector 74"/>
+                <p:cNvCxnSpPr/>
+                <p:nvPr/>
+              </p:nvCxnSpPr>
+              <p:spPr>
+                <a:xfrm flipV="1">
+                  <a:off x="5052780" y="697423"/>
+                  <a:ext cx="0" cy="864000"/>
+                </a:xfrm>
+                <a:prstGeom prst="straightConnector1">
+                  <a:avLst/>
+                </a:prstGeom>
+                <a:ln w="38100">
+                  <a:solidFill>
+                    <a:srgbClr val="C00000"/>
+                  </a:solidFill>
+                  <a:tailEnd type="triangle"/>
+                </a:ln>
+              </p:spPr>
+              <p:style>
+                <a:lnRef idx="1">
+                  <a:schemeClr val="accent1"/>
+                </a:lnRef>
+                <a:fillRef idx="0">
+                  <a:schemeClr val="accent1"/>
+                </a:fillRef>
+                <a:effectRef idx="0">
+                  <a:schemeClr val="accent1"/>
+                </a:effectRef>
+                <a:fontRef idx="minor">
+                  <a:schemeClr val="tx1"/>
+                </a:fontRef>
+              </p:style>
+            </p:cxnSp>
+            <p:cxnSp>
+              <p:nvCxnSpPr>
+                <p:cNvPr id="76" name="Straight Arrow Connector 75"/>
+                <p:cNvCxnSpPr/>
+                <p:nvPr/>
+              </p:nvCxnSpPr>
+              <p:spPr>
+                <a:xfrm flipH="1" flipV="1">
+                  <a:off x="2468804" y="3391545"/>
+                  <a:ext cx="864000" cy="0"/>
+                </a:xfrm>
+                <a:prstGeom prst="straightConnector1">
+                  <a:avLst/>
+                </a:prstGeom>
+                <a:ln w="38100">
+                  <a:solidFill>
+                    <a:srgbClr val="7030A0"/>
+                  </a:solidFill>
+                  <a:tailEnd type="triangle"/>
+                </a:ln>
+              </p:spPr>
+              <p:style>
+                <a:lnRef idx="1">
+                  <a:schemeClr val="accent1"/>
+                </a:lnRef>
+                <a:fillRef idx="0">
+                  <a:schemeClr val="accent1"/>
+                </a:fillRef>
+                <a:effectRef idx="0">
+                  <a:schemeClr val="accent1"/>
+                </a:effectRef>
+                <a:fontRef idx="minor">
+                  <a:schemeClr val="tx1"/>
+                </a:fontRef>
+              </p:style>
+            </p:cxnSp>
+            <p:cxnSp>
+              <p:nvCxnSpPr>
+                <p:cNvPr id="77" name="Straight Arrow Connector 76"/>
+                <p:cNvCxnSpPr/>
+                <p:nvPr/>
+              </p:nvCxnSpPr>
+              <p:spPr>
+                <a:xfrm flipH="1" flipV="1">
+                  <a:off x="2774197" y="2422325"/>
+                  <a:ext cx="707059" cy="219998"/>
+                </a:xfrm>
+                <a:prstGeom prst="straightConnector1">
+                  <a:avLst/>
+                </a:prstGeom>
+                <a:ln w="38100">
+                  <a:solidFill>
+                    <a:srgbClr val="0070C0"/>
+                  </a:solidFill>
+                  <a:tailEnd type="triangle"/>
+                </a:ln>
+              </p:spPr>
+              <p:style>
+                <a:lnRef idx="1">
+                  <a:schemeClr val="accent1"/>
+                </a:lnRef>
+                <a:fillRef idx="0">
+                  <a:schemeClr val="accent1"/>
+                </a:fillRef>
+                <a:effectRef idx="0">
+                  <a:schemeClr val="accent1"/>
+                </a:effectRef>
+                <a:fontRef idx="minor">
+                  <a:schemeClr val="tx1"/>
+                </a:fontRef>
+              </p:style>
+            </p:cxnSp>
+            <mc:AlternateContent xmlns:mc="http://schemas.openxmlformats.org/markup-compatibility/2006" xmlns:a14="http://schemas.microsoft.com/office/drawing/2010/main">
+              <mc:Choice Requires="a14">
+                <p:sp>
+                  <p:nvSpPr>
+                    <p:cNvPr id="78" name="TextBox 77"/>
+                    <p:cNvSpPr txBox="1"/>
+                    <p:nvPr/>
+                  </p:nvSpPr>
+                  <p:spPr>
+                    <a:xfrm>
+                      <a:off x="5196016" y="990923"/>
+                      <a:ext cx="186782" cy="276999"/>
+                    </a:xfrm>
+                    <a:prstGeom prst="rect">
+                      <a:avLst/>
+                    </a:prstGeom>
+                    <a:noFill/>
+                  </p:spPr>
+                  <p:txBody>
+                    <a:bodyPr wrap="none" lIns="0" tIns="0" rIns="0" bIns="0" rtlCol="0">
+                      <a:spAutoFit/>
+                    </a:bodyPr>
+                    <a:lstStyle/>
+                    <a:p>
+                      <a:pPr/>
+                      <a14:m>
+                        <m:oMathPara xmlns:m="http://schemas.openxmlformats.org/officeDocument/2006/math">
+                          <m:oMathParaPr>
+                            <m:jc m:val="centerGroup"/>
+                          </m:oMathParaPr>
+                          <m:oMath xmlns:m="http://schemas.openxmlformats.org/officeDocument/2006/math">
+                            <m:acc>
+                              <m:accPr>
+                                <m:chr m:val="⃗"/>
+                                <m:ctrlPr>
+                                  <a:rPr lang="en-CA" b="0" i="1" smtClean="0">
+                                    <a:solidFill>
+                                      <a:srgbClr val="C00000"/>
+                                    </a:solidFill>
+                                    <a:latin typeface="Cambria Math" charset="0"/>
+                                  </a:rPr>
+                                </m:ctrlPr>
+                              </m:accPr>
+                              <m:e>
+                                <m:r>
+                                  <a:rPr lang="en-CA" b="0" i="1" smtClean="0">
+                                    <a:solidFill>
+                                      <a:srgbClr val="C00000"/>
+                                    </a:solidFill>
+                                    <a:latin typeface="Cambria Math" charset="0"/>
+                                  </a:rPr>
+                                  <m:t>𝑎</m:t>
+                                </m:r>
+                              </m:e>
+                            </m:acc>
+                          </m:oMath>
+                        </m:oMathPara>
+                      </a14:m>
+                      <a:endParaRPr lang="en-US" dirty="0">
+                        <a:solidFill>
+                          <a:srgbClr val="C00000"/>
+                        </a:solidFill>
+                      </a:endParaRPr>
+                    </a:p>
+                  </p:txBody>
+                </p:sp>
+              </mc:Choice>
+              <mc:Fallback xmlns="">
+                <p:sp>
+                  <p:nvSpPr>
+                    <p:cNvPr id="22" name="TextBox 21"/>
+                    <p:cNvSpPr txBox="1">
+                      <a:spLocks noRot="1" noChangeAspect="1" noMove="1" noResize="1" noEditPoints="1" noAdjustHandles="1" noChangeArrowheads="1" noChangeShapeType="1" noTextEdit="1"/>
+                    </p:cNvSpPr>
+                    <p:nvPr/>
+                  </p:nvSpPr>
+                  <p:spPr>
+                    <a:xfrm>
+                      <a:off x="5196016" y="990923"/>
+                      <a:ext cx="186782" cy="276999"/>
+                    </a:xfrm>
+                    <a:prstGeom prst="rect">
+                      <a:avLst/>
+                    </a:prstGeom>
+                    <a:blipFill rotWithShape="0">
+                      <a:blip r:embed="rId10"/>
+                      <a:stretch>
+                        <a:fillRect l="-25806" t="-36957" r="-90323" b="-2174"/>
+                      </a:stretch>
+                    </a:blipFill>
+                  </p:spPr>
+                  <p:txBody>
+                    <a:bodyPr/>
+                    <a:lstStyle/>
+                    <a:p>
+                      <a:r>
+                        <a:rPr lang="en-US">
+                          <a:noFill/>
+                        </a:rPr>
+                        <a:t> </a:t>
+                      </a:r>
+                    </a:p>
+                  </p:txBody>
+                </p:sp>
+              </mc:Fallback>
+            </mc:AlternateContent>
+            <mc:AlternateContent xmlns:mc="http://schemas.openxmlformats.org/markup-compatibility/2006" xmlns:a14="http://schemas.microsoft.com/office/drawing/2010/main">
+              <mc:Choice Requires="a14">
+                <p:sp>
+                  <p:nvSpPr>
+                    <p:cNvPr id="79" name="TextBox 78"/>
+                    <p:cNvSpPr txBox="1"/>
+                    <p:nvPr/>
+                  </p:nvSpPr>
+                  <p:spPr>
+                    <a:xfrm>
+                      <a:off x="3146023" y="2245779"/>
+                      <a:ext cx="186778" cy="317972"/>
+                    </a:xfrm>
+                    <a:prstGeom prst="rect">
+                      <a:avLst/>
+                    </a:prstGeom>
+                    <a:noFill/>
+                  </p:spPr>
+                  <p:txBody>
+                    <a:bodyPr wrap="square" lIns="0" tIns="0" rIns="0" bIns="0" rtlCol="0">
+                      <a:spAutoFit/>
+                    </a:bodyPr>
+                    <a:lstStyle/>
+                    <a:p>
+                      <a:pPr/>
+                      <a14:m>
+                        <m:oMathPara xmlns:m="http://schemas.openxmlformats.org/officeDocument/2006/math">
+                          <m:oMathParaPr>
+                            <m:jc m:val="centerGroup"/>
+                          </m:oMathParaPr>
+                          <m:oMath xmlns:m="http://schemas.openxmlformats.org/officeDocument/2006/math">
+                            <m:acc>
+                              <m:accPr>
+                                <m:chr m:val="⃗"/>
+                                <m:ctrlPr>
+                                  <a:rPr lang="en-CA" b="0" i="1" smtClean="0">
+                                    <a:solidFill>
+                                      <a:srgbClr val="0070C0"/>
+                                    </a:solidFill>
+                                    <a:latin typeface="Cambria Math" charset="0"/>
+                                  </a:rPr>
+                                </m:ctrlPr>
+                              </m:accPr>
+                              <m:e>
+                                <m:r>
+                                  <a:rPr lang="en-CA" b="0" i="1" smtClean="0">
+                                    <a:solidFill>
+                                      <a:srgbClr val="0070C0"/>
+                                    </a:solidFill>
+                                    <a:latin typeface="Cambria Math" charset="0"/>
+                                  </a:rPr>
+                                  <m:t>𝑏</m:t>
+                                </m:r>
+                              </m:e>
+                            </m:acc>
+                          </m:oMath>
+                        </m:oMathPara>
+                      </a14:m>
+                      <a:endParaRPr lang="en-US" dirty="0">
+                        <a:solidFill>
+                          <a:srgbClr val="0070C0"/>
+                        </a:solidFill>
+                      </a:endParaRPr>
+                    </a:p>
+                  </p:txBody>
+                </p:sp>
+              </mc:Choice>
+              <mc:Fallback xmlns="">
+                <p:sp>
+                  <p:nvSpPr>
+                    <p:cNvPr id="23" name="TextBox 22"/>
+                    <p:cNvSpPr txBox="1">
+                      <a:spLocks noRot="1" noChangeAspect="1" noMove="1" noResize="1" noEditPoints="1" noAdjustHandles="1" noChangeArrowheads="1" noChangeShapeType="1" noTextEdit="1"/>
+                    </p:cNvSpPr>
+                    <p:nvPr/>
+                  </p:nvSpPr>
+                  <p:spPr>
+                    <a:xfrm>
+                      <a:off x="3146023" y="2245779"/>
+                      <a:ext cx="186778" cy="317972"/>
+                    </a:xfrm>
+                    <a:prstGeom prst="rect">
+                      <a:avLst/>
+                    </a:prstGeom>
+                    <a:blipFill rotWithShape="0">
+                      <a:blip r:embed="rId11"/>
+                      <a:stretch>
+                        <a:fillRect l="-30000" r="-30000" b="-7692"/>
+                      </a:stretch>
+                    </a:blipFill>
+                  </p:spPr>
+                  <p:txBody>
+                    <a:bodyPr/>
+                    <a:lstStyle/>
+                    <a:p>
+                      <a:r>
+                        <a:rPr lang="en-US">
+                          <a:noFill/>
+                        </a:rPr>
+                        <a:t> </a:t>
+                      </a:r>
+                    </a:p>
+                  </p:txBody>
+                </p:sp>
+              </mc:Fallback>
+            </mc:AlternateContent>
+            <mc:AlternateContent xmlns:mc="http://schemas.openxmlformats.org/markup-compatibility/2006" xmlns:a14="http://schemas.microsoft.com/office/drawing/2010/main">
+              <mc:Choice Requires="a14">
+                <p:sp>
+                  <p:nvSpPr>
+                    <p:cNvPr id="80" name="TextBox 79"/>
+                    <p:cNvSpPr txBox="1"/>
+                    <p:nvPr/>
+                  </p:nvSpPr>
+                  <p:spPr>
+                    <a:xfrm>
+                      <a:off x="2652939" y="3030588"/>
+                      <a:ext cx="584583" cy="317972"/>
+                    </a:xfrm>
+                    <a:prstGeom prst="rect">
+                      <a:avLst/>
+                    </a:prstGeom>
+                    <a:noFill/>
+                  </p:spPr>
+                  <p:txBody>
+                    <a:bodyPr wrap="none" lIns="0" tIns="0" rIns="0" bIns="0" rtlCol="0">
+                      <a:spAutoFit/>
+                    </a:bodyPr>
+                    <a:lstStyle/>
+                    <a:p>
+                      <a:pPr/>
+                      <a14:m>
+                        <m:oMathPara xmlns:m="http://schemas.openxmlformats.org/officeDocument/2006/math">
+                          <m:oMathParaPr>
+                            <m:jc m:val="centerGroup"/>
+                          </m:oMathParaPr>
+                          <m:oMath xmlns:m="http://schemas.openxmlformats.org/officeDocument/2006/math">
+                            <m:acc>
+                              <m:accPr>
+                                <m:chr m:val="⃗"/>
+                                <m:ctrlPr>
+                                  <a:rPr lang="en-CA" b="0" i="1" smtClean="0">
+                                    <a:solidFill>
+                                      <a:srgbClr val="7030A0"/>
+                                    </a:solidFill>
+                                    <a:latin typeface="Cambria Math" charset="0"/>
+                                  </a:rPr>
+                                </m:ctrlPr>
+                              </m:accPr>
+                              <m:e>
+                                <m:r>
+                                  <a:rPr lang="en-CA" b="0" i="1" smtClean="0">
+                                    <a:solidFill>
+                                      <a:srgbClr val="7030A0"/>
+                                    </a:solidFill>
+                                    <a:latin typeface="Cambria Math" charset="0"/>
+                                  </a:rPr>
+                                  <m:t>𝑎</m:t>
+                                </m:r>
+                              </m:e>
+                            </m:acc>
+                            <m:r>
+                              <a:rPr lang="en-CA" b="0" i="1" smtClean="0">
+                                <a:solidFill>
+                                  <a:srgbClr val="7030A0"/>
+                                </a:solidFill>
+                                <a:latin typeface="Cambria Math" charset="0"/>
+                              </a:rPr>
+                              <m:t> × </m:t>
+                            </m:r>
+                            <m:acc>
+                              <m:accPr>
+                                <m:chr m:val="⃗"/>
+                                <m:ctrlPr>
+                                  <a:rPr lang="en-CA" b="0" i="1" smtClean="0">
+                                    <a:solidFill>
+                                      <a:srgbClr val="7030A0"/>
+                                    </a:solidFill>
+                                    <a:latin typeface="Cambria Math" charset="0"/>
+                                  </a:rPr>
+                                </m:ctrlPr>
+                              </m:accPr>
+                              <m:e>
+                                <m:r>
+                                  <a:rPr lang="en-CA" b="0" i="1" smtClean="0">
+                                    <a:solidFill>
+                                      <a:srgbClr val="7030A0"/>
+                                    </a:solidFill>
+                                    <a:latin typeface="Cambria Math" charset="0"/>
+                                  </a:rPr>
+                                  <m:t>𝑏</m:t>
+                                </m:r>
+                              </m:e>
+                            </m:acc>
+                          </m:oMath>
+                        </m:oMathPara>
+                      </a14:m>
+                      <a:endParaRPr lang="en-US" dirty="0">
+                        <a:solidFill>
+                          <a:srgbClr val="7030A0"/>
+                        </a:solidFill>
+                      </a:endParaRPr>
+                    </a:p>
+                  </p:txBody>
+                </p:sp>
+              </mc:Choice>
+              <mc:Fallback xmlns="">
+                <p:sp>
+                  <p:nvSpPr>
+                    <p:cNvPr id="24" name="TextBox 23"/>
+                    <p:cNvSpPr txBox="1">
+                      <a:spLocks noRot="1" noChangeAspect="1" noMove="1" noResize="1" noEditPoints="1" noAdjustHandles="1" noChangeArrowheads="1" noChangeShapeType="1" noTextEdit="1"/>
+                    </p:cNvSpPr>
+                    <p:nvPr/>
+                  </p:nvSpPr>
+                  <p:spPr>
+                    <a:xfrm>
+                      <a:off x="2652939" y="3030588"/>
+                      <a:ext cx="584583" cy="317972"/>
+                    </a:xfrm>
+                    <a:prstGeom prst="rect">
+                      <a:avLst/>
+                    </a:prstGeom>
+                    <a:blipFill rotWithShape="0">
+                      <a:blip r:embed="rId12"/>
+                      <a:stretch>
+                        <a:fillRect l="-8333" t="-113462" r="-8333" b="-157692"/>
+                      </a:stretch>
+                    </a:blipFill>
+                  </p:spPr>
+                  <p:txBody>
+                    <a:bodyPr/>
+                    <a:lstStyle/>
+                    <a:p>
+                      <a:r>
+                        <a:rPr lang="en-US">
+                          <a:noFill/>
+                        </a:rPr>
+                        <a:t> </a:t>
+                      </a:r>
+                    </a:p>
+                  </p:txBody>
+                </p:sp>
+              </mc:Fallback>
+            </mc:AlternateContent>
+          </p:grpSp>
+          <p:sp>
+            <p:nvSpPr>
+              <p:cNvPr id="73" name="Rectangle 72"/>
+              <p:cNvSpPr/>
+              <p:nvPr/>
+            </p:nvSpPr>
+            <p:spPr>
+              <a:xfrm>
+                <a:off x="6544155" y="990923"/>
+                <a:ext cx="1833726" cy="1709699"/>
+              </a:xfrm>
+              <a:prstGeom prst="rect">
+                <a:avLst/>
+              </a:prstGeom>
+              <a:solidFill>
+                <a:schemeClr val="bg1"/>
+              </a:solidFill>
+              <a:ln>
+                <a:solidFill>
+                  <a:schemeClr val="tx1"/>
+                </a:solidFill>
+              </a:ln>
+            </p:spPr>
+            <p:style>
+              <a:lnRef idx="2">
+                <a:schemeClr val="accent1">
+                  <a:shade val="50000"/>
+                </a:schemeClr>
+              </a:lnRef>
+              <a:fillRef idx="1">
+                <a:schemeClr val="accent1"/>
+              </a:fillRef>
+              <a:effectRef idx="0">
+                <a:schemeClr val="accent1"/>
+              </a:effectRef>
+              <a:fontRef idx="minor">
+                <a:schemeClr val="lt1"/>
+              </a:fontRef>
+            </p:style>
+            <p:txBody>
+              <a:bodyPr rtlCol="0" anchor="ctr"/>
+              <a:lstStyle/>
+              <a:p>
+                <a:pPr algn="ctr"/>
+                <a:endParaRPr lang="en-US"/>
+              </a:p>
+            </p:txBody>
+          </p:sp>
+        </p:grpSp>
+        <p:grpSp>
+          <p:nvGrpSpPr>
+            <p:cNvPr id="57" name="Group 56"/>
+            <p:cNvGrpSpPr/>
+            <p:nvPr/>
+          </p:nvGrpSpPr>
+          <p:grpSpPr>
+            <a:xfrm>
+              <a:off x="4351782" y="524608"/>
+              <a:ext cx="1358426" cy="1555612"/>
+              <a:chOff x="1225550" y="4498085"/>
+              <a:chExt cx="1358426" cy="1555612"/>
+            </a:xfrm>
+          </p:grpSpPr>
+          <p:cxnSp>
+            <p:nvCxnSpPr>
+              <p:cNvPr id="58" name="Straight Connector 57"/>
+              <p:cNvCxnSpPr/>
+              <p:nvPr/>
+            </p:nvCxnSpPr>
+            <p:spPr>
+              <a:xfrm flipH="1">
+                <a:off x="2034895" y="5671781"/>
+                <a:ext cx="180000" cy="0"/>
+              </a:xfrm>
+              <a:prstGeom prst="line">
+                <a:avLst/>
+              </a:prstGeom>
+              <a:ln w="38100">
+                <a:solidFill>
+                  <a:schemeClr val="tx1"/>
+                </a:solidFill>
+              </a:ln>
+            </p:spPr>
+            <p:style>
+              <a:lnRef idx="1">
+                <a:schemeClr val="accent1"/>
+              </a:lnRef>
+              <a:fillRef idx="0">
+                <a:schemeClr val="accent1"/>
+              </a:fillRef>
+              <a:effectRef idx="0">
+                <a:schemeClr val="accent1"/>
+              </a:effectRef>
+              <a:fontRef idx="minor">
+                <a:schemeClr val="tx1"/>
+              </a:fontRef>
+            </p:style>
+          </p:cxnSp>
+          <p:grpSp>
+            <p:nvGrpSpPr>
+              <p:cNvPr id="59" name="Group 58"/>
+              <p:cNvGrpSpPr/>
+              <p:nvPr/>
+            </p:nvGrpSpPr>
+            <p:grpSpPr>
+              <a:xfrm>
+                <a:off x="1225550" y="4498085"/>
+                <a:ext cx="1358426" cy="1555612"/>
+                <a:chOff x="1225550" y="4639105"/>
+                <a:chExt cx="1358426" cy="1555612"/>
+              </a:xfrm>
+            </p:grpSpPr>
+            <p:cxnSp>
+              <p:nvCxnSpPr>
+                <p:cNvPr id="60" name="Straight Connector 59"/>
+                <p:cNvCxnSpPr/>
+                <p:nvPr/>
+              </p:nvCxnSpPr>
+              <p:spPr>
+                <a:xfrm flipH="1" flipV="1">
+                  <a:off x="2041776" y="5814975"/>
+                  <a:ext cx="176652" cy="90036"/>
+                </a:xfrm>
+                <a:prstGeom prst="line">
+                  <a:avLst/>
+                </a:prstGeom>
+                <a:ln w="38100">
+                  <a:solidFill>
+                    <a:schemeClr val="tx1"/>
+                  </a:solidFill>
+                </a:ln>
+              </p:spPr>
+              <p:style>
+                <a:lnRef idx="1">
+                  <a:schemeClr val="accent1"/>
+                </a:lnRef>
+                <a:fillRef idx="0">
+                  <a:schemeClr val="accent1"/>
+                </a:fillRef>
+                <a:effectRef idx="0">
+                  <a:schemeClr val="accent1"/>
+                </a:effectRef>
+                <a:fontRef idx="minor">
+                  <a:schemeClr val="tx1"/>
+                </a:fontRef>
+              </p:style>
+            </p:cxnSp>
+            <p:grpSp>
+              <p:nvGrpSpPr>
+                <p:cNvPr id="61" name="Group 60"/>
+                <p:cNvGrpSpPr/>
+                <p:nvPr/>
+              </p:nvGrpSpPr>
+              <p:grpSpPr>
+                <a:xfrm>
+                  <a:off x="1225550" y="4639105"/>
+                  <a:ext cx="1358426" cy="1555612"/>
+                  <a:chOff x="1225550" y="4639105"/>
+                  <a:chExt cx="1358426" cy="1555612"/>
+                </a:xfrm>
+              </p:grpSpPr>
+              <p:grpSp>
+                <p:nvGrpSpPr>
+                  <p:cNvPr id="62" name="Group 61"/>
+                  <p:cNvGrpSpPr/>
+                  <p:nvPr/>
+                </p:nvGrpSpPr>
+                <p:grpSpPr>
+                  <a:xfrm>
+                    <a:off x="1225550" y="4639105"/>
+                    <a:ext cx="1358426" cy="1555612"/>
+                    <a:chOff x="6931217" y="1112374"/>
+                    <a:chExt cx="1358426" cy="1555612"/>
+                  </a:xfrm>
+                </p:grpSpPr>
+                <p:grpSp>
+                  <p:nvGrpSpPr>
+                    <p:cNvPr id="65" name="Group 64"/>
+                    <p:cNvGrpSpPr/>
+                    <p:nvPr/>
+                  </p:nvGrpSpPr>
+                  <p:grpSpPr>
+                    <a:xfrm>
+                      <a:off x="6931217" y="1112374"/>
+                      <a:ext cx="1161876" cy="1272829"/>
+                      <a:chOff x="8560978" y="1321139"/>
+                      <a:chExt cx="1980000" cy="1993197"/>
+                    </a:xfrm>
+                  </p:grpSpPr>
+                  <p:cxnSp>
+                    <p:nvCxnSpPr>
+                      <p:cNvPr id="69" name="Straight Arrow Connector 68"/>
+                      <p:cNvCxnSpPr/>
+                      <p:nvPr/>
+                    </p:nvCxnSpPr>
+                    <p:spPr>
+                      <a:xfrm flipH="1" flipV="1">
+                        <a:off x="10506045" y="1321139"/>
+                        <a:ext cx="5" cy="1980000"/>
+                      </a:xfrm>
+                      <a:prstGeom prst="straightConnector1">
+                        <a:avLst/>
+                      </a:prstGeom>
+                      <a:ln w="38100">
+                        <a:solidFill>
+                          <a:schemeClr val="tx1"/>
+                        </a:solidFill>
+                        <a:tailEnd type="triangle"/>
+                      </a:ln>
+                    </p:spPr>
+                    <p:style>
+                      <a:lnRef idx="1">
+                        <a:schemeClr val="accent1"/>
+                      </a:lnRef>
+                      <a:fillRef idx="0">
+                        <a:schemeClr val="accent1"/>
+                      </a:fillRef>
+                      <a:effectRef idx="0">
+                        <a:schemeClr val="accent1"/>
+                      </a:effectRef>
+                      <a:fontRef idx="minor">
+                        <a:schemeClr val="tx1"/>
+                      </a:fontRef>
+                    </p:style>
+                  </p:cxnSp>
+                  <p:cxnSp>
+                    <p:nvCxnSpPr>
+                      <p:cNvPr id="70" name="Straight Arrow Connector 69"/>
+                      <p:cNvCxnSpPr/>
+                      <p:nvPr/>
+                    </p:nvCxnSpPr>
+                    <p:spPr>
+                      <a:xfrm flipH="1" flipV="1">
+                        <a:off x="9061769" y="2458100"/>
+                        <a:ext cx="1444278" cy="847180"/>
+                      </a:xfrm>
+                      <a:prstGeom prst="straightConnector1">
+                        <a:avLst/>
+                      </a:prstGeom>
+                      <a:ln w="38100">
+                        <a:solidFill>
+                          <a:schemeClr val="tx1"/>
+                        </a:solidFill>
+                        <a:tailEnd type="triangle"/>
+                      </a:ln>
+                    </p:spPr>
+                    <p:style>
+                      <a:lnRef idx="1">
+                        <a:schemeClr val="accent1"/>
+                      </a:lnRef>
+                      <a:fillRef idx="0">
+                        <a:schemeClr val="accent1"/>
+                      </a:fillRef>
+                      <a:effectRef idx="0">
+                        <a:schemeClr val="accent1"/>
+                      </a:effectRef>
+                      <a:fontRef idx="minor">
+                        <a:schemeClr val="tx1"/>
+                      </a:fontRef>
+                    </p:style>
+                  </p:cxnSp>
+                  <p:cxnSp>
+                    <p:nvCxnSpPr>
+                      <p:cNvPr id="71" name="Straight Arrow Connector 70"/>
+                      <p:cNvCxnSpPr/>
+                      <p:nvPr/>
+                    </p:nvCxnSpPr>
+                    <p:spPr>
+                      <a:xfrm flipH="1" flipV="1">
+                        <a:off x="8560978" y="3314336"/>
+                        <a:ext cx="1980000" cy="0"/>
+                      </a:xfrm>
+                      <a:prstGeom prst="straightConnector1">
+                        <a:avLst/>
+                      </a:prstGeom>
+                      <a:ln w="38100">
+                        <a:solidFill>
+                          <a:schemeClr val="tx1"/>
+                        </a:solidFill>
+                        <a:tailEnd type="triangle"/>
+                      </a:ln>
+                    </p:spPr>
+                    <p:style>
+                      <a:lnRef idx="1">
+                        <a:schemeClr val="accent1"/>
+                      </a:lnRef>
+                      <a:fillRef idx="0">
+                        <a:schemeClr val="accent1"/>
+                      </a:fillRef>
+                      <a:effectRef idx="0">
+                        <a:schemeClr val="accent1"/>
+                      </a:effectRef>
+                      <a:fontRef idx="minor">
+                        <a:schemeClr val="tx1"/>
+                      </a:fontRef>
+                    </p:style>
+                  </p:cxnSp>
+                </p:grpSp>
+                <mc:AlternateContent xmlns:mc="http://schemas.openxmlformats.org/markup-compatibility/2006" xmlns:a14="http://schemas.microsoft.com/office/drawing/2010/main">
+                  <mc:Choice Requires="a14">
+                    <p:sp>
+                      <p:nvSpPr>
+                        <p:cNvPr id="66" name="TextBox 65"/>
+                        <p:cNvSpPr txBox="1"/>
+                        <p:nvPr/>
+                      </p:nvSpPr>
+                      <p:spPr>
+                        <a:xfrm>
+                          <a:off x="8102862" y="1561423"/>
+                          <a:ext cx="186781" cy="276999"/>
+                        </a:xfrm>
+                        <a:prstGeom prst="rect">
+                          <a:avLst/>
+                        </a:prstGeom>
+                        <a:noFill/>
+                      </p:spPr>
+                      <p:txBody>
+                        <a:bodyPr wrap="none" lIns="0" tIns="0" rIns="0" bIns="0" rtlCol="0">
+                          <a:spAutoFit/>
+                        </a:bodyPr>
+                        <a:lstStyle/>
+                        <a:p>
+                          <a:pPr/>
+                          <a14:m>
+                            <m:oMathPara xmlns:m="http://schemas.openxmlformats.org/officeDocument/2006/math">
+                              <m:oMathParaPr>
+                                <m:jc m:val="centerGroup"/>
+                              </m:oMathParaPr>
+                              <m:oMath xmlns:m="http://schemas.openxmlformats.org/officeDocument/2006/math">
+                                <m:r>
+                                  <a:rPr lang="en-CA" b="0" i="1" smtClean="0">
+                                    <a:latin typeface="Cambria Math" charset="0"/>
+                                  </a:rPr>
+                                  <m:t>𝑎</m:t>
+                                </m:r>
+                              </m:oMath>
+                            </m:oMathPara>
+                          </a14:m>
+                          <a:endParaRPr lang="en-US" dirty="0"/>
+                        </a:p>
+                      </p:txBody>
+                    </p:sp>
+                  </mc:Choice>
+                  <mc:Fallback xmlns="">
+                    <p:sp>
+                      <p:nvSpPr>
+                        <p:cNvPr id="88" name="TextBox 87"/>
+                        <p:cNvSpPr txBox="1">
+                          <a:spLocks noRot="1" noChangeAspect="1" noMove="1" noResize="1" noEditPoints="1" noAdjustHandles="1" noChangeArrowheads="1" noChangeShapeType="1" noTextEdit="1"/>
+                        </p:cNvSpPr>
+                        <p:nvPr/>
+                      </p:nvSpPr>
+                      <p:spPr>
+                        <a:xfrm>
+                          <a:off x="8102862" y="1561423"/>
+                          <a:ext cx="186781" cy="276999"/>
+                        </a:xfrm>
+                        <a:prstGeom prst="rect">
+                          <a:avLst/>
+                        </a:prstGeom>
+                        <a:blipFill rotWithShape="0">
+                          <a:blip r:embed="rId13"/>
+                          <a:stretch>
+                            <a:fillRect l="-16129" r="-12903"/>
+                          </a:stretch>
+                        </a:blipFill>
+                      </p:spPr>
+                      <p:txBody>
+                        <a:bodyPr/>
+                        <a:lstStyle/>
+                        <a:p>
+                          <a:r>
+                            <a:rPr lang="en-US">
+                              <a:noFill/>
+                            </a:rPr>
+                            <a:t> </a:t>
+                          </a:r>
+                        </a:p>
+                      </p:txBody>
+                    </p:sp>
+                  </mc:Fallback>
+                </mc:AlternateContent>
+                <mc:AlternateContent xmlns:mc="http://schemas.openxmlformats.org/markup-compatibility/2006" xmlns:a14="http://schemas.microsoft.com/office/drawing/2010/main">
+                  <mc:Choice Requires="a14">
+                    <p:sp>
+                      <p:nvSpPr>
+                        <p:cNvPr id="67" name="TextBox 66"/>
+                        <p:cNvSpPr txBox="1"/>
+                        <p:nvPr/>
+                      </p:nvSpPr>
+                      <p:spPr>
+                        <a:xfrm>
+                          <a:off x="7645584" y="1774270"/>
+                          <a:ext cx="182999" cy="276999"/>
+                        </a:xfrm>
+                        <a:prstGeom prst="rect">
+                          <a:avLst/>
+                        </a:prstGeom>
+                        <a:noFill/>
+                      </p:spPr>
+                      <p:txBody>
+                        <a:bodyPr wrap="none" lIns="0" tIns="0" rIns="0" bIns="0" rtlCol="0">
+                          <a:spAutoFit/>
+                        </a:bodyPr>
+                        <a:lstStyle/>
+                        <a:p>
+                          <a:pPr/>
+                          <a14:m>
+                            <m:oMathPara xmlns:m="http://schemas.openxmlformats.org/officeDocument/2006/math">
+                              <m:oMathParaPr>
+                                <m:jc m:val="centerGroup"/>
+                              </m:oMathParaPr>
+                              <m:oMath xmlns:m="http://schemas.openxmlformats.org/officeDocument/2006/math">
+                                <m:r>
+                                  <a:rPr lang="en-CA" b="0" i="1" smtClean="0">
+                                    <a:latin typeface="Cambria Math" charset="0"/>
+                                  </a:rPr>
+                                  <m:t>𝑏</m:t>
+                                </m:r>
+                              </m:oMath>
+                            </m:oMathPara>
+                          </a14:m>
+                          <a:endParaRPr lang="en-US" dirty="0"/>
+                        </a:p>
+                      </p:txBody>
+                    </p:sp>
+                  </mc:Choice>
+                  <mc:Fallback xmlns="">
+                    <p:sp>
+                      <p:nvSpPr>
+                        <p:cNvPr id="89" name="TextBox 88"/>
+                        <p:cNvSpPr txBox="1">
+                          <a:spLocks noRot="1" noChangeAspect="1" noMove="1" noResize="1" noEditPoints="1" noAdjustHandles="1" noChangeArrowheads="1" noChangeShapeType="1" noTextEdit="1"/>
+                        </p:cNvSpPr>
+                        <p:nvPr/>
+                      </p:nvSpPr>
+                      <p:spPr>
+                        <a:xfrm>
+                          <a:off x="7645584" y="1774270"/>
+                          <a:ext cx="182999" cy="276999"/>
+                        </a:xfrm>
+                        <a:prstGeom prst="rect">
+                          <a:avLst/>
+                        </a:prstGeom>
+                        <a:blipFill rotWithShape="0">
+                          <a:blip r:embed="rId14"/>
+                          <a:stretch>
+                            <a:fillRect l="-33333" r="-26667" b="-8889"/>
+                          </a:stretch>
+                        </a:blipFill>
+                      </p:spPr>
+                      <p:txBody>
+                        <a:bodyPr/>
+                        <a:lstStyle/>
+                        <a:p>
+                          <a:r>
+                            <a:rPr lang="en-US">
+                              <a:noFill/>
+                            </a:rPr>
+                            <a:t> </a:t>
+                          </a:r>
+                        </a:p>
+                      </p:txBody>
+                    </p:sp>
+                  </mc:Fallback>
+                </mc:AlternateContent>
+                <mc:AlternateContent xmlns:mc="http://schemas.openxmlformats.org/markup-compatibility/2006" xmlns:a14="http://schemas.microsoft.com/office/drawing/2010/main">
+                  <mc:Choice Requires="a14">
+                    <p:sp>
+                      <p:nvSpPr>
+                        <p:cNvPr id="68" name="TextBox 67"/>
+                        <p:cNvSpPr txBox="1"/>
+                        <p:nvPr/>
+                      </p:nvSpPr>
+                      <p:spPr>
+                        <a:xfrm>
+                          <a:off x="7296707" y="2390987"/>
+                          <a:ext cx="584584" cy="276999"/>
+                        </a:xfrm>
+                        <a:prstGeom prst="rect">
+                          <a:avLst/>
+                        </a:prstGeom>
+                        <a:noFill/>
+                      </p:spPr>
+                      <p:txBody>
+                        <a:bodyPr wrap="none" lIns="0" tIns="0" rIns="0" bIns="0" rtlCol="0">
+                          <a:spAutoFit/>
+                        </a:bodyPr>
+                        <a:lstStyle/>
+                        <a:p>
+                          <a:pPr/>
+                          <a14:m>
+                            <m:oMathPara xmlns:m="http://schemas.openxmlformats.org/officeDocument/2006/math">
+                              <m:oMathParaPr>
+                                <m:jc m:val="centerGroup"/>
+                              </m:oMathParaPr>
+                              <m:oMath xmlns:m="http://schemas.openxmlformats.org/officeDocument/2006/math">
+                                <m:r>
+                                  <a:rPr lang="en-CA" i="1">
+                                    <a:latin typeface="Cambria Math" charset="0"/>
+                                  </a:rPr>
+                                  <m:t>𝑎</m:t>
+                                </m:r>
+                                <m:r>
+                                  <a:rPr lang="en-CA" i="1">
+                                    <a:latin typeface="Cambria Math" charset="0"/>
+                                  </a:rPr>
+                                  <m:t> × </m:t>
+                                </m:r>
+                                <m:r>
+                                  <a:rPr lang="en-CA" i="1">
+                                    <a:latin typeface="Cambria Math" charset="0"/>
+                                  </a:rPr>
+                                  <m:t>𝑏</m:t>
+                                </m:r>
+                              </m:oMath>
+                            </m:oMathPara>
+                          </a14:m>
+                          <a:endParaRPr lang="en-US" dirty="0"/>
+                        </a:p>
+                      </p:txBody>
+                    </p:sp>
+                  </mc:Choice>
+                  <mc:Fallback xmlns="">
+                    <p:sp>
+                      <p:nvSpPr>
+                        <p:cNvPr id="90" name="TextBox 89"/>
+                        <p:cNvSpPr txBox="1">
+                          <a:spLocks noRot="1" noChangeAspect="1" noMove="1" noResize="1" noEditPoints="1" noAdjustHandles="1" noChangeArrowheads="1" noChangeShapeType="1" noTextEdit="1"/>
+                        </p:cNvSpPr>
+                        <p:nvPr/>
+                      </p:nvSpPr>
+                      <p:spPr>
+                        <a:xfrm>
+                          <a:off x="7296707" y="2390987"/>
+                          <a:ext cx="584584" cy="276999"/>
+                        </a:xfrm>
+                        <a:prstGeom prst="rect">
+                          <a:avLst/>
+                        </a:prstGeom>
+                        <a:blipFill rotWithShape="0">
+                          <a:blip r:embed="rId15"/>
+                          <a:stretch>
+                            <a:fillRect l="-5208" t="-146667" r="-8333" b="-182222"/>
+                          </a:stretch>
+                        </a:blipFill>
+                      </p:spPr>
+                      <p:txBody>
+                        <a:bodyPr/>
+                        <a:lstStyle/>
+                        <a:p>
+                          <a:r>
+                            <a:rPr lang="en-US">
+                              <a:noFill/>
+                            </a:rPr>
+                            <a:t> </a:t>
+                          </a:r>
+                        </a:p>
+                      </p:txBody>
+                    </p:sp>
+                  </mc:Fallback>
+                </mc:AlternateContent>
+              </p:grpSp>
+              <p:cxnSp>
+                <p:nvCxnSpPr>
+                  <p:cNvPr id="63" name="Straight Connector 62"/>
+                  <p:cNvCxnSpPr/>
+                  <p:nvPr/>
+                </p:nvCxnSpPr>
+                <p:spPr>
+                  <a:xfrm flipH="1" flipV="1">
+                    <a:off x="2214895" y="5735706"/>
+                    <a:ext cx="1255" cy="167130"/>
+                  </a:xfrm>
+                  <a:prstGeom prst="line">
+                    <a:avLst/>
+                  </a:prstGeom>
+                  <a:ln w="38100">
+                    <a:solidFill>
+                      <a:schemeClr val="tx1"/>
+                    </a:solidFill>
+                  </a:ln>
+                </p:spPr>
+                <p:style>
+                  <a:lnRef idx="1">
+                    <a:schemeClr val="accent1"/>
+                  </a:lnRef>
+                  <a:fillRef idx="0">
+                    <a:schemeClr val="accent1"/>
+                  </a:fillRef>
+                  <a:effectRef idx="0">
+                    <a:schemeClr val="accent1"/>
+                  </a:effectRef>
+                  <a:fontRef idx="minor">
+                    <a:schemeClr val="tx1"/>
+                  </a:fontRef>
+                </p:style>
+              </p:cxnSp>
+              <p:cxnSp>
+                <p:nvCxnSpPr>
+                  <p:cNvPr id="64" name="Straight Connector 63"/>
+                  <p:cNvCxnSpPr/>
+                  <p:nvPr/>
+                </p:nvCxnSpPr>
+                <p:spPr>
+                  <a:xfrm flipV="1">
+                    <a:off x="2217786" y="5751509"/>
+                    <a:ext cx="148515" cy="0"/>
+                  </a:xfrm>
+                  <a:prstGeom prst="line">
+                    <a:avLst/>
+                  </a:prstGeom>
+                  <a:ln w="38100">
+                    <a:solidFill>
+                      <a:schemeClr val="tx1"/>
+                    </a:solidFill>
+                  </a:ln>
+                </p:spPr>
+                <p:style>
+                  <a:lnRef idx="1">
+                    <a:schemeClr val="accent1"/>
+                  </a:lnRef>
+                  <a:fillRef idx="0">
+                    <a:schemeClr val="accent1"/>
+                  </a:fillRef>
+                  <a:effectRef idx="0">
+                    <a:schemeClr val="accent1"/>
+                  </a:effectRef>
+                  <a:fontRef idx="minor">
+                    <a:schemeClr val="tx1"/>
+                  </a:fontRef>
+                </p:style>
+              </p:cxnSp>
+            </p:grpSp>
+          </p:grpSp>
+        </p:grpSp>
       </p:grpSp>
     </p:spTree>
     <p:extLst>
@@ -18975,8 +20195,8 @@
                 </a:fontRef>
               </p:style>
             </p:cxnSp>
-            <mc:AlternateContent xmlns:mc="http://schemas.openxmlformats.org/markup-compatibility/2006">
-              <mc:Choice xmlns:a14="http://schemas.microsoft.com/office/drawing/2010/main" Requires="a14">
+            <mc:AlternateContent xmlns:mc="http://schemas.openxmlformats.org/markup-compatibility/2006" xmlns:a14="http://schemas.microsoft.com/office/drawing/2010/main">
+              <mc:Choice Requires="a14">
                 <p:sp>
                   <p:nvSpPr>
                     <p:cNvPr id="80" name="TextBox 79"/>
@@ -18999,6 +20219,7 @@
                     </a:bodyPr>
                     <a:lstStyle/>
                     <a:p>
+                      <a:pPr/>
                       <a14:m>
                         <m:oMathPara xmlns:m="http://schemas.openxmlformats.org/officeDocument/2006/math">
                           <m:oMathParaPr>
@@ -19022,7 +20243,7 @@
                   </p:txBody>
                 </p:sp>
               </mc:Choice>
-              <mc:Fallback>
+              <mc:Fallback xmlns="">
                 <p:sp>
                   <p:nvSpPr>
                     <p:cNvPr id="80" name="TextBox 79"/>
@@ -19363,8 +20584,8 @@
               </a:fontRef>
             </p:style>
           </p:cxnSp>
-          <mc:AlternateContent xmlns:mc="http://schemas.openxmlformats.org/markup-compatibility/2006">
-            <mc:Choice xmlns:a14="http://schemas.microsoft.com/office/drawing/2010/main" Requires="a14">
+          <mc:AlternateContent xmlns:mc="http://schemas.openxmlformats.org/markup-compatibility/2006" xmlns:a14="http://schemas.microsoft.com/office/drawing/2010/main">
+            <mc:Choice Requires="a14">
               <p:sp>
                 <p:nvSpPr>
                   <p:cNvPr id="141" name="TextBox 140"/>
@@ -19387,6 +20608,7 @@
                   </a:bodyPr>
                   <a:lstStyle/>
                   <a:p>
+                    <a:pPr/>
                     <a14:m>
                       <m:oMathPara xmlns:m="http://schemas.openxmlformats.org/officeDocument/2006/math">
                         <m:oMathParaPr>
@@ -19429,7 +20651,7 @@
                 </p:txBody>
               </p:sp>
             </mc:Choice>
-            <mc:Fallback>
+            <mc:Fallback xmlns="">
               <p:sp>
                 <p:nvSpPr>
                   <p:cNvPr id="141" name="TextBox 140"/>
@@ -19468,8 +20690,8 @@
               </p:sp>
             </mc:Fallback>
           </mc:AlternateContent>
-          <mc:AlternateContent xmlns:mc="http://schemas.openxmlformats.org/markup-compatibility/2006">
-            <mc:Choice xmlns:a14="http://schemas.microsoft.com/office/drawing/2010/main" Requires="a14">
+          <mc:AlternateContent xmlns:mc="http://schemas.openxmlformats.org/markup-compatibility/2006" xmlns:a14="http://schemas.microsoft.com/office/drawing/2010/main">
+            <mc:Choice Requires="a14">
               <p:sp>
                 <p:nvSpPr>
                   <p:cNvPr id="142" name="TextBox 141"/>
@@ -19492,6 +20714,7 @@
                   </a:bodyPr>
                   <a:lstStyle/>
                   <a:p>
+                    <a:pPr/>
                     <a14:m>
                       <m:oMathPara xmlns:m="http://schemas.openxmlformats.org/officeDocument/2006/math">
                         <m:oMathParaPr>
@@ -19534,7 +20757,7 @@
                 </p:txBody>
               </p:sp>
             </mc:Choice>
-            <mc:Fallback>
+            <mc:Fallback xmlns="">
               <p:sp>
                 <p:nvSpPr>
                   <p:cNvPr id="142" name="TextBox 141"/>
@@ -19782,8 +21005,8 @@
                 </a:fontRef>
               </p:style>
             </p:cxnSp>
-            <mc:AlternateContent xmlns:mc="http://schemas.openxmlformats.org/markup-compatibility/2006">
-              <mc:Choice xmlns:a14="http://schemas.microsoft.com/office/drawing/2010/main" Requires="a14">
+            <mc:AlternateContent xmlns:mc="http://schemas.openxmlformats.org/markup-compatibility/2006" xmlns:a14="http://schemas.microsoft.com/office/drawing/2010/main">
+              <mc:Choice Requires="a14">
                 <p:sp>
                   <p:nvSpPr>
                     <p:cNvPr id="74" name="TextBox 73"/>
@@ -19806,6 +21029,7 @@
                     </a:bodyPr>
                     <a:lstStyle/>
                     <a:p>
+                      <a:pPr/>
                       <a14:m>
                         <m:oMathPara xmlns:m="http://schemas.openxmlformats.org/officeDocument/2006/math">
                           <m:oMathParaPr>
@@ -19829,7 +21053,7 @@
                   </p:txBody>
                 </p:sp>
               </mc:Choice>
-              <mc:Fallback>
+              <mc:Fallback xmlns="">
                 <p:sp>
                   <p:nvSpPr>
                     <p:cNvPr id="74" name="TextBox 73"/>
@@ -20244,7 +21468,7 @@
                   <p:nvPr/>
                 </p:nvPicPr>
                 <p:blipFill rotWithShape="1">
-                  <a:blip r:embed="rId6">
+                  <a:blip r:embed="rId9">
                     <a:extLst>
                       <a:ext uri="{28A0092B-C50C-407E-A947-70E740481C1C}">
                         <a14:useLocalDpi xmlns:a14="http://schemas.microsoft.com/office/drawing/2010/main" val="0"/>
@@ -20676,7 +21900,7 @@
                   <p:nvPr/>
                 </p:nvPicPr>
                 <p:blipFill rotWithShape="1">
-                  <a:blip r:embed="rId6">
+                  <a:blip r:embed="rId9">
                     <a:extLst>
                       <a:ext uri="{28A0092B-C50C-407E-A947-70E740481C1C}">
                         <a14:useLocalDpi xmlns:a14="http://schemas.microsoft.com/office/drawing/2010/main" val="0"/>
@@ -20733,8 +21957,8 @@
               </p:cxnSp>
             </p:grpSp>
           </p:grpSp>
-          <mc:AlternateContent xmlns:mc="http://schemas.openxmlformats.org/markup-compatibility/2006">
-            <mc:Choice xmlns:a14="http://schemas.microsoft.com/office/drawing/2010/main" Requires="a14">
+          <mc:AlternateContent xmlns:mc="http://schemas.openxmlformats.org/markup-compatibility/2006" xmlns:a14="http://schemas.microsoft.com/office/drawing/2010/main">
+            <mc:Choice Requires="a14">
               <p:sp>
                 <p:nvSpPr>
                   <p:cNvPr id="143" name="TextBox 142"/>
@@ -20757,6 +21981,7 @@
                   </a:bodyPr>
                   <a:lstStyle/>
                   <a:p>
+                    <a:pPr/>
                     <a14:m>
                       <m:oMathPara xmlns:m="http://schemas.openxmlformats.org/officeDocument/2006/math">
                         <m:oMathParaPr>
@@ -20810,7 +22035,7 @@
                 </p:txBody>
               </p:sp>
             </mc:Choice>
-            <mc:Fallback>
+            <mc:Fallback xmlns="">
               <p:sp>
                 <p:nvSpPr>
                   <p:cNvPr id="143" name="TextBox 142"/>
@@ -20849,8 +22074,8 @@
               </p:sp>
             </mc:Fallback>
           </mc:AlternateContent>
-          <mc:AlternateContent xmlns:mc="http://schemas.openxmlformats.org/markup-compatibility/2006">
-            <mc:Choice xmlns:a14="http://schemas.microsoft.com/office/drawing/2010/main" Requires="a14">
+          <mc:AlternateContent xmlns:mc="http://schemas.openxmlformats.org/markup-compatibility/2006" xmlns:a14="http://schemas.microsoft.com/office/drawing/2010/main">
+            <mc:Choice Requires="a14">
               <p:sp>
                 <p:nvSpPr>
                   <p:cNvPr id="144" name="TextBox 143"/>
@@ -20873,6 +22098,7 @@
                   </a:bodyPr>
                   <a:lstStyle/>
                   <a:p>
+                    <a:pPr/>
                     <a14:m>
                       <m:oMathPara xmlns:m="http://schemas.openxmlformats.org/officeDocument/2006/math">
                         <m:oMathParaPr>
@@ -20926,7 +22152,7 @@
                 </p:txBody>
               </p:sp>
             </mc:Choice>
-            <mc:Fallback>
+            <mc:Fallback xmlns="">
               <p:sp>
                 <p:nvSpPr>
                   <p:cNvPr id="144" name="TextBox 143"/>

--- a/tex/figures/Vectors/Figures.pptx
+++ b/tex/figures/Vectors/Figures.pptx
@@ -116,6 +116,123 @@
 </p:presentation>
 </file>
 
+<file path=ppt/revisionInfo.xml><?xml version="1.0" encoding="utf-8"?>
+<p1510:revInfo xmlns:a="http://schemas.openxmlformats.org/drawingml/2006/main" xmlns:r="http://schemas.openxmlformats.org/officeDocument/2006/relationships" xmlns:p1510="http://schemas.microsoft.com/office/powerpoint/2015/10/main">
+  <p1510:revLst>
+    <p1510:client id="{A23B8B32-1414-43DA-BF9E-6296BD528649}" v="18" dt="2019-08-13T21:38:15.405"/>
+  </p1510:revLst>
+</p1510:revInfo>
+</file>
+
+<file path=ppt/changesInfos/changesInfo1.xml><?xml version="1.0" encoding="utf-8"?>
+<pc:chgInfo xmlns:a="http://schemas.openxmlformats.org/drawingml/2006/main" xmlns:r="http://schemas.openxmlformats.org/officeDocument/2006/relationships" xmlns:ac="http://schemas.microsoft.com/office/drawing/2013/main/command" xmlns:pc="http://schemas.microsoft.com/office/powerpoint/2013/main/command">
+  <pc:docChgLst>
+    <pc:chgData name="Joshua Rinaldo" userId="eeaa994f99e4e508" providerId="LiveId" clId="{A23B8B32-1414-43DA-BF9E-6296BD528649}"/>
+    <pc:docChg chg="undo modSld">
+      <pc:chgData name="Joshua Rinaldo" userId="eeaa994f99e4e508" providerId="LiveId" clId="{A23B8B32-1414-43DA-BF9E-6296BD528649}" dt="2019-08-13T21:38:34.682" v="63" actId="1076"/>
+      <pc:docMkLst>
+        <pc:docMk/>
+      </pc:docMkLst>
+      <pc:sldChg chg="addSp delSp modSp">
+        <pc:chgData name="Joshua Rinaldo" userId="eeaa994f99e4e508" providerId="LiveId" clId="{A23B8B32-1414-43DA-BF9E-6296BD528649}" dt="2019-08-13T21:38:34.682" v="63" actId="1076"/>
+        <pc:sldMkLst>
+          <pc:docMk/>
+          <pc:sldMk cId="269846042" sldId="259"/>
+        </pc:sldMkLst>
+        <pc:spChg chg="mod">
+          <ac:chgData name="Joshua Rinaldo" userId="eeaa994f99e4e508" providerId="LiveId" clId="{A23B8B32-1414-43DA-BF9E-6296BD528649}" dt="2019-08-13T21:38:01.757" v="38" actId="1076"/>
+          <ac:spMkLst>
+            <pc:docMk/>
+            <pc:sldMk cId="269846042" sldId="259"/>
+            <ac:spMk id="73" creationId="{00000000-0000-0000-0000-000000000000}"/>
+          </ac:spMkLst>
+        </pc:spChg>
+        <pc:spChg chg="mod">
+          <ac:chgData name="Joshua Rinaldo" userId="eeaa994f99e4e508" providerId="LiveId" clId="{A23B8B32-1414-43DA-BF9E-6296BD528649}" dt="2019-08-13T21:38:21.288" v="59" actId="1076"/>
+          <ac:spMkLst>
+            <pc:docMk/>
+            <pc:sldMk cId="269846042" sldId="259"/>
+            <ac:spMk id="78" creationId="{00000000-0000-0000-0000-000000000000}"/>
+          </ac:spMkLst>
+        </pc:spChg>
+        <pc:spChg chg="mod">
+          <ac:chgData name="Joshua Rinaldo" userId="eeaa994f99e4e508" providerId="LiveId" clId="{A23B8B32-1414-43DA-BF9E-6296BD528649}" dt="2019-08-13T21:36:06.909" v="1" actId="20577"/>
+          <ac:spMkLst>
+            <pc:docMk/>
+            <pc:sldMk cId="269846042" sldId="259"/>
+            <ac:spMk id="79" creationId="{00000000-0000-0000-0000-000000000000}"/>
+          </ac:spMkLst>
+        </pc:spChg>
+        <pc:spChg chg="mod">
+          <ac:chgData name="Joshua Rinaldo" userId="eeaa994f99e4e508" providerId="LiveId" clId="{A23B8B32-1414-43DA-BF9E-6296BD528649}" dt="2019-08-13T21:38:34.682" v="63" actId="1076"/>
+          <ac:spMkLst>
+            <pc:docMk/>
+            <pc:sldMk cId="269846042" sldId="259"/>
+            <ac:spMk id="80" creationId="{00000000-0000-0000-0000-000000000000}"/>
+          </ac:spMkLst>
+        </pc:spChg>
+        <pc:grpChg chg="add del mod">
+          <ac:chgData name="Joshua Rinaldo" userId="eeaa994f99e4e508" providerId="LiveId" clId="{A23B8B32-1414-43DA-BF9E-6296BD528649}" dt="2019-08-13T21:38:15.405" v="58" actId="20577"/>
+          <ac:grpSpMkLst>
+            <pc:docMk/>
+            <pc:sldMk cId="269846042" sldId="259"/>
+            <ac:grpSpMk id="55" creationId="{00000000-0000-0000-0000-000000000000}"/>
+          </ac:grpSpMkLst>
+        </pc:grpChg>
+        <pc:grpChg chg="mod topLvl">
+          <ac:chgData name="Joshua Rinaldo" userId="eeaa994f99e4e508" providerId="LiveId" clId="{A23B8B32-1414-43DA-BF9E-6296BD528649}" dt="2019-08-13T21:38:15.405" v="58" actId="20577"/>
+          <ac:grpSpMkLst>
+            <pc:docMk/>
+            <pc:sldMk cId="269846042" sldId="259"/>
+            <ac:grpSpMk id="56" creationId="{00000000-0000-0000-0000-000000000000}"/>
+          </ac:grpSpMkLst>
+        </pc:grpChg>
+        <pc:grpChg chg="mod topLvl">
+          <ac:chgData name="Joshua Rinaldo" userId="eeaa994f99e4e508" providerId="LiveId" clId="{A23B8B32-1414-43DA-BF9E-6296BD528649}" dt="2019-08-13T21:38:02.131" v="40" actId="165"/>
+          <ac:grpSpMkLst>
+            <pc:docMk/>
+            <pc:sldMk cId="269846042" sldId="259"/>
+            <ac:grpSpMk id="57" creationId="{00000000-0000-0000-0000-000000000000}"/>
+          </ac:grpSpMkLst>
+        </pc:grpChg>
+        <pc:grpChg chg="mod">
+          <ac:chgData name="Joshua Rinaldo" userId="eeaa994f99e4e508" providerId="LiveId" clId="{A23B8B32-1414-43DA-BF9E-6296BD528649}" dt="2019-08-13T21:38:15.405" v="58" actId="20577"/>
+          <ac:grpSpMkLst>
+            <pc:docMk/>
+            <pc:sldMk cId="269846042" sldId="259"/>
+            <ac:grpSpMk id="72" creationId="{00000000-0000-0000-0000-000000000000}"/>
+          </ac:grpSpMkLst>
+        </pc:grpChg>
+        <pc:cxnChg chg="mod">
+          <ac:chgData name="Joshua Rinaldo" userId="eeaa994f99e4e508" providerId="LiveId" clId="{A23B8B32-1414-43DA-BF9E-6296BD528649}" dt="2019-08-13T21:38:30.885" v="62" actId="14100"/>
+          <ac:cxnSpMkLst>
+            <pc:docMk/>
+            <pc:sldMk cId="269846042" sldId="259"/>
+            <ac:cxnSpMk id="75" creationId="{00000000-0000-0000-0000-000000000000}"/>
+          </ac:cxnSpMkLst>
+        </pc:cxnChg>
+        <pc:cxnChg chg="mod">
+          <ac:chgData name="Joshua Rinaldo" userId="eeaa994f99e4e508" providerId="LiveId" clId="{A23B8B32-1414-43DA-BF9E-6296BD528649}" dt="2019-08-13T21:38:05.421" v="56" actId="14100"/>
+          <ac:cxnSpMkLst>
+            <pc:docMk/>
+            <pc:sldMk cId="269846042" sldId="259"/>
+            <ac:cxnSpMk id="76" creationId="{00000000-0000-0000-0000-000000000000}"/>
+          </ac:cxnSpMkLst>
+        </pc:cxnChg>
+        <pc:cxnChg chg="mod">
+          <ac:chgData name="Joshua Rinaldo" userId="eeaa994f99e4e508" providerId="LiveId" clId="{A23B8B32-1414-43DA-BF9E-6296BD528649}" dt="2019-08-13T21:38:04.363" v="51" actId="14100"/>
+          <ac:cxnSpMkLst>
+            <pc:docMk/>
+            <pc:sldMk cId="269846042" sldId="259"/>
+            <ac:cxnSpMk id="77" creationId="{00000000-0000-0000-0000-000000000000}"/>
+          </ac:cxnSpMkLst>
+        </pc:cxnChg>
+      </pc:sldChg>
+    </pc:docChg>
+  </pc:docChgLst>
+</pc:chgInfo>
+</file>
+
 <file path=ppt/slideLayouts/slideLayout1.xml><?xml version="1.0" encoding="utf-8"?>
 <p:sldLayout xmlns:a="http://schemas.openxmlformats.org/drawingml/2006/main" xmlns:r="http://schemas.openxmlformats.org/officeDocument/2006/relationships" xmlns:p="http://schemas.openxmlformats.org/presentationml/2006/main" type="title" preserve="1">
   <p:cSld name="Title Slide">
@@ -158,10 +275,9 @@
           </a:lstStyle>
           <a:p>
             <a:r>
-              <a:rPr lang="en-US" smtClean="0"/>
+              <a:rPr lang="en-US"/>
               <a:t>Click to edit Master title style</a:t>
             </a:r>
-            <a:endParaRPr lang="en-US"/>
           </a:p>
         </p:txBody>
       </p:sp>
@@ -223,10 +339,9 @@
           </a:lstStyle>
           <a:p>
             <a:r>
-              <a:rPr lang="en-US" smtClean="0"/>
+              <a:rPr lang="en-US"/>
               <a:t>Click to edit Master subtitle style</a:t>
             </a:r>
-            <a:endParaRPr lang="en-US"/>
           </a:p>
         </p:txBody>
       </p:sp>
@@ -247,7 +362,7 @@
           <a:p>
             <a:fld id="{A0A0F70D-D73B-9842-8C35-014CD7899AD7}" type="datetimeFigureOut">
               <a:rPr lang="en-US" smtClean="0"/>
-              <a:t>8/14/18</a:t>
+              <a:t>8/13/2019</a:t>
             </a:fld>
             <a:endParaRPr lang="en-US"/>
           </a:p>
@@ -341,10 +456,9 @@
           <a:lstStyle/>
           <a:p>
             <a:r>
-              <a:rPr lang="en-US" smtClean="0"/>
+              <a:rPr lang="en-US"/>
               <a:t>Click to edit Master title style</a:t>
             </a:r>
-            <a:endParaRPr lang="en-US"/>
           </a:p>
         </p:txBody>
       </p:sp>
@@ -365,38 +479,37 @@
           <a:p>
             <a:pPr lvl="0"/>
             <a:r>
-              <a:rPr lang="en-US" smtClean="0"/>
+              <a:rPr lang="en-US"/>
               <a:t>Click to edit Master text styles</a:t>
             </a:r>
           </a:p>
           <a:p>
             <a:pPr lvl="1"/>
             <a:r>
-              <a:rPr lang="en-US" smtClean="0"/>
+              <a:rPr lang="en-US"/>
               <a:t>Second level</a:t>
             </a:r>
           </a:p>
           <a:p>
             <a:pPr lvl="2"/>
             <a:r>
-              <a:rPr lang="en-US" smtClean="0"/>
+              <a:rPr lang="en-US"/>
               <a:t>Third level</a:t>
             </a:r>
           </a:p>
           <a:p>
             <a:pPr lvl="3"/>
             <a:r>
-              <a:rPr lang="en-US" smtClean="0"/>
+              <a:rPr lang="en-US"/>
               <a:t>Fourth level</a:t>
             </a:r>
           </a:p>
           <a:p>
             <a:pPr lvl="4"/>
             <a:r>
-              <a:rPr lang="en-US" smtClean="0"/>
+              <a:rPr lang="en-US"/>
               <a:t>Fifth level</a:t>
             </a:r>
-            <a:endParaRPr lang="en-US"/>
           </a:p>
         </p:txBody>
       </p:sp>
@@ -417,7 +530,7 @@
           <a:p>
             <a:fld id="{A0A0F70D-D73B-9842-8C35-014CD7899AD7}" type="datetimeFigureOut">
               <a:rPr lang="en-US" smtClean="0"/>
-              <a:t>8/14/18</a:t>
+              <a:t>8/13/2019</a:t>
             </a:fld>
             <a:endParaRPr lang="en-US"/>
           </a:p>
@@ -516,10 +629,9 @@
           <a:lstStyle/>
           <a:p>
             <a:r>
-              <a:rPr lang="en-US" smtClean="0"/>
+              <a:rPr lang="en-US"/>
               <a:t>Click to edit Master title style</a:t>
             </a:r>
-            <a:endParaRPr lang="en-US"/>
           </a:p>
         </p:txBody>
       </p:sp>
@@ -545,38 +657,37 @@
           <a:p>
             <a:pPr lvl="0"/>
             <a:r>
-              <a:rPr lang="en-US" smtClean="0"/>
+              <a:rPr lang="en-US"/>
               <a:t>Click to edit Master text styles</a:t>
             </a:r>
           </a:p>
           <a:p>
             <a:pPr lvl="1"/>
             <a:r>
-              <a:rPr lang="en-US" smtClean="0"/>
+              <a:rPr lang="en-US"/>
               <a:t>Second level</a:t>
             </a:r>
           </a:p>
           <a:p>
             <a:pPr lvl="2"/>
             <a:r>
-              <a:rPr lang="en-US" smtClean="0"/>
+              <a:rPr lang="en-US"/>
               <a:t>Third level</a:t>
             </a:r>
           </a:p>
           <a:p>
             <a:pPr lvl="3"/>
             <a:r>
-              <a:rPr lang="en-US" smtClean="0"/>
+              <a:rPr lang="en-US"/>
               <a:t>Fourth level</a:t>
             </a:r>
           </a:p>
           <a:p>
             <a:pPr lvl="4"/>
             <a:r>
-              <a:rPr lang="en-US" smtClean="0"/>
+              <a:rPr lang="en-US"/>
               <a:t>Fifth level</a:t>
             </a:r>
-            <a:endParaRPr lang="en-US"/>
           </a:p>
         </p:txBody>
       </p:sp>
@@ -597,7 +708,7 @@
           <a:p>
             <a:fld id="{A0A0F70D-D73B-9842-8C35-014CD7899AD7}" type="datetimeFigureOut">
               <a:rPr lang="en-US" smtClean="0"/>
-              <a:t>8/14/18</a:t>
+              <a:t>8/13/2019</a:t>
             </a:fld>
             <a:endParaRPr lang="en-US"/>
           </a:p>
@@ -691,10 +802,9 @@
           <a:lstStyle/>
           <a:p>
             <a:r>
-              <a:rPr lang="en-US" smtClean="0"/>
+              <a:rPr lang="en-US"/>
               <a:t>Click to edit Master title style</a:t>
             </a:r>
-            <a:endParaRPr lang="en-US"/>
           </a:p>
         </p:txBody>
       </p:sp>
@@ -715,38 +825,37 @@
           <a:p>
             <a:pPr lvl="0"/>
             <a:r>
-              <a:rPr lang="en-US" smtClean="0"/>
+              <a:rPr lang="en-US"/>
               <a:t>Click to edit Master text styles</a:t>
             </a:r>
           </a:p>
           <a:p>
             <a:pPr lvl="1"/>
             <a:r>
-              <a:rPr lang="en-US" smtClean="0"/>
+              <a:rPr lang="en-US"/>
               <a:t>Second level</a:t>
             </a:r>
           </a:p>
           <a:p>
             <a:pPr lvl="2"/>
             <a:r>
-              <a:rPr lang="en-US" smtClean="0"/>
+              <a:rPr lang="en-US"/>
               <a:t>Third level</a:t>
             </a:r>
           </a:p>
           <a:p>
             <a:pPr lvl="3"/>
             <a:r>
-              <a:rPr lang="en-US" smtClean="0"/>
+              <a:rPr lang="en-US"/>
               <a:t>Fourth level</a:t>
             </a:r>
           </a:p>
           <a:p>
             <a:pPr lvl="4"/>
             <a:r>
-              <a:rPr lang="en-US" smtClean="0"/>
+              <a:rPr lang="en-US"/>
               <a:t>Fifth level</a:t>
             </a:r>
-            <a:endParaRPr lang="en-US"/>
           </a:p>
         </p:txBody>
       </p:sp>
@@ -767,7 +876,7 @@
           <a:p>
             <a:fld id="{A0A0F70D-D73B-9842-8C35-014CD7899AD7}" type="datetimeFigureOut">
               <a:rPr lang="en-US" smtClean="0"/>
-              <a:t>8/14/18</a:t>
+              <a:t>8/13/2019</a:t>
             </a:fld>
             <a:endParaRPr lang="en-US"/>
           </a:p>
@@ -870,10 +979,9 @@
           </a:lstStyle>
           <a:p>
             <a:r>
-              <a:rPr lang="en-US" smtClean="0"/>
+              <a:rPr lang="en-US"/>
               <a:t>Click to edit Master title style</a:t>
             </a:r>
-            <a:endParaRPr lang="en-US"/>
           </a:p>
         </p:txBody>
       </p:sp>
@@ -990,7 +1098,7 @@
           <a:p>
             <a:pPr lvl="0"/>
             <a:r>
-              <a:rPr lang="en-US" smtClean="0"/>
+              <a:rPr lang="en-US"/>
               <a:t>Click to edit Master text styles</a:t>
             </a:r>
           </a:p>
@@ -1013,7 +1121,7 @@
           <a:p>
             <a:fld id="{A0A0F70D-D73B-9842-8C35-014CD7899AD7}" type="datetimeFigureOut">
               <a:rPr lang="en-US" smtClean="0"/>
-              <a:t>8/14/18</a:t>
+              <a:t>8/13/2019</a:t>
             </a:fld>
             <a:endParaRPr lang="en-US"/>
           </a:p>
@@ -1107,10 +1215,9 @@
           <a:lstStyle/>
           <a:p>
             <a:r>
-              <a:rPr lang="en-US" smtClean="0"/>
+              <a:rPr lang="en-US"/>
               <a:t>Click to edit Master title style</a:t>
             </a:r>
-            <a:endParaRPr lang="en-US"/>
           </a:p>
         </p:txBody>
       </p:sp>
@@ -1136,38 +1243,37 @@
           <a:p>
             <a:pPr lvl="0"/>
             <a:r>
-              <a:rPr lang="en-US" smtClean="0"/>
+              <a:rPr lang="en-US"/>
               <a:t>Click to edit Master text styles</a:t>
             </a:r>
           </a:p>
           <a:p>
             <a:pPr lvl="1"/>
             <a:r>
-              <a:rPr lang="en-US" smtClean="0"/>
+              <a:rPr lang="en-US"/>
               <a:t>Second level</a:t>
             </a:r>
           </a:p>
           <a:p>
             <a:pPr lvl="2"/>
             <a:r>
-              <a:rPr lang="en-US" smtClean="0"/>
+              <a:rPr lang="en-US"/>
               <a:t>Third level</a:t>
             </a:r>
           </a:p>
           <a:p>
             <a:pPr lvl="3"/>
             <a:r>
-              <a:rPr lang="en-US" smtClean="0"/>
+              <a:rPr lang="en-US"/>
               <a:t>Fourth level</a:t>
             </a:r>
           </a:p>
           <a:p>
             <a:pPr lvl="4"/>
             <a:r>
-              <a:rPr lang="en-US" smtClean="0"/>
+              <a:rPr lang="en-US"/>
               <a:t>Fifth level</a:t>
             </a:r>
-            <a:endParaRPr lang="en-US"/>
           </a:p>
         </p:txBody>
       </p:sp>
@@ -1193,38 +1299,37 @@
           <a:p>
             <a:pPr lvl="0"/>
             <a:r>
-              <a:rPr lang="en-US" smtClean="0"/>
+              <a:rPr lang="en-US"/>
               <a:t>Click to edit Master text styles</a:t>
             </a:r>
           </a:p>
           <a:p>
             <a:pPr lvl="1"/>
             <a:r>
-              <a:rPr lang="en-US" smtClean="0"/>
+              <a:rPr lang="en-US"/>
               <a:t>Second level</a:t>
             </a:r>
           </a:p>
           <a:p>
             <a:pPr lvl="2"/>
             <a:r>
-              <a:rPr lang="en-US" smtClean="0"/>
+              <a:rPr lang="en-US"/>
               <a:t>Third level</a:t>
             </a:r>
           </a:p>
           <a:p>
             <a:pPr lvl="3"/>
             <a:r>
-              <a:rPr lang="en-US" smtClean="0"/>
+              <a:rPr lang="en-US"/>
               <a:t>Fourth level</a:t>
             </a:r>
           </a:p>
           <a:p>
             <a:pPr lvl="4"/>
             <a:r>
-              <a:rPr lang="en-US" smtClean="0"/>
+              <a:rPr lang="en-US"/>
               <a:t>Fifth level</a:t>
             </a:r>
-            <a:endParaRPr lang="en-US"/>
           </a:p>
         </p:txBody>
       </p:sp>
@@ -1245,7 +1350,7 @@
           <a:p>
             <a:fld id="{A0A0F70D-D73B-9842-8C35-014CD7899AD7}" type="datetimeFigureOut">
               <a:rPr lang="en-US" smtClean="0"/>
-              <a:t>8/14/18</a:t>
+              <a:t>8/13/2019</a:t>
             </a:fld>
             <a:endParaRPr lang="en-US"/>
           </a:p>
@@ -1344,10 +1449,9 @@
           <a:lstStyle/>
           <a:p>
             <a:r>
-              <a:rPr lang="en-US" smtClean="0"/>
+              <a:rPr lang="en-US"/>
               <a:t>Click to edit Master title style</a:t>
             </a:r>
-            <a:endParaRPr lang="en-US"/>
           </a:p>
         </p:txBody>
       </p:sp>
@@ -1410,7 +1514,7 @@
           <a:p>
             <a:pPr lvl="0"/>
             <a:r>
-              <a:rPr lang="en-US" smtClean="0"/>
+              <a:rPr lang="en-US"/>
               <a:t>Click to edit Master text styles</a:t>
             </a:r>
           </a:p>
@@ -1438,38 +1542,37 @@
           <a:p>
             <a:pPr lvl="0"/>
             <a:r>
-              <a:rPr lang="en-US" smtClean="0"/>
+              <a:rPr lang="en-US"/>
               <a:t>Click to edit Master text styles</a:t>
             </a:r>
           </a:p>
           <a:p>
             <a:pPr lvl="1"/>
             <a:r>
-              <a:rPr lang="en-US" smtClean="0"/>
+              <a:rPr lang="en-US"/>
               <a:t>Second level</a:t>
             </a:r>
           </a:p>
           <a:p>
             <a:pPr lvl="2"/>
             <a:r>
-              <a:rPr lang="en-US" smtClean="0"/>
+              <a:rPr lang="en-US"/>
               <a:t>Third level</a:t>
             </a:r>
           </a:p>
           <a:p>
             <a:pPr lvl="3"/>
             <a:r>
-              <a:rPr lang="en-US" smtClean="0"/>
+              <a:rPr lang="en-US"/>
               <a:t>Fourth level</a:t>
             </a:r>
           </a:p>
           <a:p>
             <a:pPr lvl="4"/>
             <a:r>
-              <a:rPr lang="en-US" smtClean="0"/>
+              <a:rPr lang="en-US"/>
               <a:t>Fifth level</a:t>
             </a:r>
-            <a:endParaRPr lang="en-US"/>
           </a:p>
         </p:txBody>
       </p:sp>
@@ -1532,7 +1635,7 @@
           <a:p>
             <a:pPr lvl="0"/>
             <a:r>
-              <a:rPr lang="en-US" smtClean="0"/>
+              <a:rPr lang="en-US"/>
               <a:t>Click to edit Master text styles</a:t>
             </a:r>
           </a:p>
@@ -1560,38 +1663,37 @@
           <a:p>
             <a:pPr lvl="0"/>
             <a:r>
-              <a:rPr lang="en-US" smtClean="0"/>
+              <a:rPr lang="en-US"/>
               <a:t>Click to edit Master text styles</a:t>
             </a:r>
           </a:p>
           <a:p>
             <a:pPr lvl="1"/>
             <a:r>
-              <a:rPr lang="en-US" smtClean="0"/>
+              <a:rPr lang="en-US"/>
               <a:t>Second level</a:t>
             </a:r>
           </a:p>
           <a:p>
             <a:pPr lvl="2"/>
             <a:r>
-              <a:rPr lang="en-US" smtClean="0"/>
+              <a:rPr lang="en-US"/>
               <a:t>Third level</a:t>
             </a:r>
           </a:p>
           <a:p>
             <a:pPr lvl="3"/>
             <a:r>
-              <a:rPr lang="en-US" smtClean="0"/>
+              <a:rPr lang="en-US"/>
               <a:t>Fourth level</a:t>
             </a:r>
           </a:p>
           <a:p>
             <a:pPr lvl="4"/>
             <a:r>
-              <a:rPr lang="en-US" smtClean="0"/>
+              <a:rPr lang="en-US"/>
               <a:t>Fifth level</a:t>
             </a:r>
-            <a:endParaRPr lang="en-US"/>
           </a:p>
         </p:txBody>
       </p:sp>
@@ -1612,7 +1714,7 @@
           <a:p>
             <a:fld id="{A0A0F70D-D73B-9842-8C35-014CD7899AD7}" type="datetimeFigureOut">
               <a:rPr lang="en-US" smtClean="0"/>
-              <a:t>8/14/18</a:t>
+              <a:t>8/13/2019</a:t>
             </a:fld>
             <a:endParaRPr lang="en-US"/>
           </a:p>
@@ -1706,10 +1808,9 @@
           <a:lstStyle/>
           <a:p>
             <a:r>
-              <a:rPr lang="en-US" smtClean="0"/>
+              <a:rPr lang="en-US"/>
               <a:t>Click to edit Master title style</a:t>
             </a:r>
-            <a:endParaRPr lang="en-US"/>
           </a:p>
         </p:txBody>
       </p:sp>
@@ -1730,7 +1831,7 @@
           <a:p>
             <a:fld id="{A0A0F70D-D73B-9842-8C35-014CD7899AD7}" type="datetimeFigureOut">
               <a:rPr lang="en-US" smtClean="0"/>
-              <a:t>8/14/18</a:t>
+              <a:t>8/13/2019</a:t>
             </a:fld>
             <a:endParaRPr lang="en-US"/>
           </a:p>
@@ -1825,7 +1926,7 @@
           <a:p>
             <a:fld id="{A0A0F70D-D73B-9842-8C35-014CD7899AD7}" type="datetimeFigureOut">
               <a:rPr lang="en-US" smtClean="0"/>
-              <a:t>8/14/18</a:t>
+              <a:t>8/13/2019</a:t>
             </a:fld>
             <a:endParaRPr lang="en-US"/>
           </a:p>
@@ -1928,10 +2029,9 @@
           </a:lstStyle>
           <a:p>
             <a:r>
-              <a:rPr lang="en-US" smtClean="0"/>
+              <a:rPr lang="en-US"/>
               <a:t>Click to edit Master title style</a:t>
             </a:r>
-            <a:endParaRPr lang="en-US"/>
           </a:p>
         </p:txBody>
       </p:sp>
@@ -1985,38 +2085,37 @@
           <a:p>
             <a:pPr lvl="0"/>
             <a:r>
-              <a:rPr lang="en-US" smtClean="0"/>
+              <a:rPr lang="en-US"/>
               <a:t>Click to edit Master text styles</a:t>
             </a:r>
           </a:p>
           <a:p>
             <a:pPr lvl="1"/>
             <a:r>
-              <a:rPr lang="en-US" smtClean="0"/>
+              <a:rPr lang="en-US"/>
               <a:t>Second level</a:t>
             </a:r>
           </a:p>
           <a:p>
             <a:pPr lvl="2"/>
             <a:r>
-              <a:rPr lang="en-US" smtClean="0"/>
+              <a:rPr lang="en-US"/>
               <a:t>Third level</a:t>
             </a:r>
           </a:p>
           <a:p>
             <a:pPr lvl="3"/>
             <a:r>
-              <a:rPr lang="en-US" smtClean="0"/>
+              <a:rPr lang="en-US"/>
               <a:t>Fourth level</a:t>
             </a:r>
           </a:p>
           <a:p>
             <a:pPr lvl="4"/>
             <a:r>
-              <a:rPr lang="en-US" smtClean="0"/>
+              <a:rPr lang="en-US"/>
               <a:t>Fifth level</a:t>
             </a:r>
-            <a:endParaRPr lang="en-US"/>
           </a:p>
         </p:txBody>
       </p:sp>
@@ -2079,7 +2178,7 @@
           <a:p>
             <a:pPr lvl="0"/>
             <a:r>
-              <a:rPr lang="en-US" smtClean="0"/>
+              <a:rPr lang="en-US"/>
               <a:t>Click to edit Master text styles</a:t>
             </a:r>
           </a:p>
@@ -2102,7 +2201,7 @@
           <a:p>
             <a:fld id="{A0A0F70D-D73B-9842-8C35-014CD7899AD7}" type="datetimeFigureOut">
               <a:rPr lang="en-US" smtClean="0"/>
-              <a:t>8/14/18</a:t>
+              <a:t>8/13/2019</a:t>
             </a:fld>
             <a:endParaRPr lang="en-US"/>
           </a:p>
@@ -2205,10 +2304,9 @@
           </a:lstStyle>
           <a:p>
             <a:r>
-              <a:rPr lang="en-US" smtClean="0"/>
+              <a:rPr lang="en-US"/>
               <a:t>Click to edit Master title style</a:t>
             </a:r>
-            <a:endParaRPr lang="en-US"/>
           </a:p>
         </p:txBody>
       </p:sp>
@@ -2332,7 +2430,7 @@
           <a:p>
             <a:pPr lvl="0"/>
             <a:r>
-              <a:rPr lang="en-US" smtClean="0"/>
+              <a:rPr lang="en-US"/>
               <a:t>Click to edit Master text styles</a:t>
             </a:r>
           </a:p>
@@ -2355,7 +2453,7 @@
           <a:p>
             <a:fld id="{A0A0F70D-D73B-9842-8C35-014CD7899AD7}" type="datetimeFigureOut">
               <a:rPr lang="en-US" smtClean="0"/>
-              <a:t>8/14/18</a:t>
+              <a:t>8/13/2019</a:t>
             </a:fld>
             <a:endParaRPr lang="en-US"/>
           </a:p>
@@ -2464,10 +2562,9 @@
           <a:lstStyle/>
           <a:p>
             <a:r>
-              <a:rPr lang="en-US" smtClean="0"/>
+              <a:rPr lang="en-US"/>
               <a:t>Click to edit Master title style</a:t>
             </a:r>
-            <a:endParaRPr lang="en-US"/>
           </a:p>
         </p:txBody>
       </p:sp>
@@ -2498,38 +2595,37 @@
           <a:p>
             <a:pPr lvl="0"/>
             <a:r>
-              <a:rPr lang="en-US" smtClean="0"/>
+              <a:rPr lang="en-US"/>
               <a:t>Click to edit Master text styles</a:t>
             </a:r>
           </a:p>
           <a:p>
             <a:pPr lvl="1"/>
             <a:r>
-              <a:rPr lang="en-US" smtClean="0"/>
+              <a:rPr lang="en-US"/>
               <a:t>Second level</a:t>
             </a:r>
           </a:p>
           <a:p>
             <a:pPr lvl="2"/>
             <a:r>
-              <a:rPr lang="en-US" smtClean="0"/>
+              <a:rPr lang="en-US"/>
               <a:t>Third level</a:t>
             </a:r>
           </a:p>
           <a:p>
             <a:pPr lvl="3"/>
             <a:r>
-              <a:rPr lang="en-US" smtClean="0"/>
+              <a:rPr lang="en-US"/>
               <a:t>Fourth level</a:t>
             </a:r>
           </a:p>
           <a:p>
             <a:pPr lvl="4"/>
             <a:r>
-              <a:rPr lang="en-US" smtClean="0"/>
+              <a:rPr lang="en-US"/>
               <a:t>Fifth level</a:t>
             </a:r>
-            <a:endParaRPr lang="en-US"/>
           </a:p>
         </p:txBody>
       </p:sp>
@@ -2568,7 +2664,7 @@
           <a:p>
             <a:fld id="{A0A0F70D-D73B-9842-8C35-014CD7899AD7}" type="datetimeFigureOut">
               <a:rPr lang="en-US" smtClean="0"/>
-              <a:t>8/14/18</a:t>
+              <a:t>8/13/2019</a:t>
             </a:fld>
             <a:endParaRPr lang="en-US"/>
           </a:p>
@@ -4448,7 +4544,7 @@
                           <m:sSubPr>
                             <m:ctrlPr>
                               <a:rPr lang="en-CA" b="0" i="1" smtClean="0">
-                                <a:latin typeface="Cambria Math" charset="0"/>
+                                <a:latin typeface="Cambria Math" panose="02040503050406030204" pitchFamily="18" charset="0"/>
                               </a:rPr>
                             </m:ctrlPr>
                           </m:sSubPr>
@@ -5139,7 +5235,7 @@
                           <m:sSubPr>
                             <m:ctrlPr>
                               <a:rPr lang="en-US" i="1">
-                                <a:latin typeface="Cambria Math" charset="0"/>
+                                <a:latin typeface="Cambria Math" panose="02040503050406030204" pitchFamily="18" charset="0"/>
                                 <a:cs typeface="Arial" panose="020B0604020202020204" pitchFamily="34" charset="0"/>
                               </a:rPr>
                             </m:ctrlPr>
@@ -5244,7 +5340,7 @@
                           <m:sSubPr>
                             <m:ctrlPr>
                               <a:rPr lang="en-US" i="1">
-                                <a:latin typeface="Cambria Math" charset="0"/>
+                                <a:latin typeface="Cambria Math" panose="02040503050406030204" pitchFamily="18" charset="0"/>
                                 <a:cs typeface="Arial" panose="020B0604020202020204" pitchFamily="34" charset="0"/>
                               </a:rPr>
                             </m:ctrlPr>
@@ -5836,7 +5932,7 @@
                           <m:sSubPr>
                             <m:ctrlPr>
                               <a:rPr lang="en-US" i="1" smtClean="0">
-                                <a:latin typeface="Cambria Math" charset="0"/>
+                                <a:latin typeface="Cambria Math" panose="02040503050406030204" pitchFamily="18" charset="0"/>
                                 <a:cs typeface="Arial" panose="020B0604020202020204" pitchFamily="34" charset="0"/>
                               </a:rPr>
                             </m:ctrlPr>
@@ -6049,7 +6145,7 @@
                           <m:sSubPr>
                             <m:ctrlPr>
                               <a:rPr lang="en-US" i="1" smtClean="0">
-                                <a:latin typeface="Cambria Math" charset="0"/>
+                                <a:latin typeface="Cambria Math" panose="02040503050406030204" pitchFamily="18" charset="0"/>
                                 <a:cs typeface="Arial" panose="020B0604020202020204" pitchFamily="34" charset="0"/>
                               </a:rPr>
                             </m:ctrlPr>
@@ -6154,7 +6250,7 @@
                           <m:sSubPr>
                             <m:ctrlPr>
                               <a:rPr lang="en-US" i="1" smtClean="0">
-                                <a:latin typeface="Cambria Math" charset="0"/>
+                                <a:latin typeface="Cambria Math" panose="02040503050406030204" pitchFamily="18" charset="0"/>
                                 <a:cs typeface="Arial" panose="020B0604020202020204" pitchFamily="34" charset="0"/>
                               </a:rPr>
                             </m:ctrlPr>
@@ -6866,10 +6962,9 @@
                     </m:oMath>
                   </a14:m>
                   <a:r>
-                    <a:rPr lang="en-CA" dirty="0" smtClean="0"/>
+                    <a:rPr lang="en-CA" dirty="0"/>
                     <a:t> </a:t>
                   </a:r>
-                  <a:endParaRPr lang="en-CA" dirty="0"/>
                 </a:p>
               </p:txBody>
             </p:sp>
@@ -7110,7 +7205,7 @@
                                 <m:chr m:val="⃗"/>
                                 <m:ctrlPr>
                                   <a:rPr lang="en-CA" b="0" i="1" smtClean="0">
-                                    <a:latin typeface="Cambria Math" charset="0"/>
+                                    <a:latin typeface="Cambria Math" panose="02040503050406030204" pitchFamily="18" charset="0"/>
                                   </a:rPr>
                                 </m:ctrlPr>
                               </m:accPr>
@@ -7126,7 +7221,7 @@
                           </m:oMath>
                         </m:oMathPara>
                       </a14:m>
-                      <a:endParaRPr lang="en-CA" b="0" i="1" dirty="0" smtClean="0">
+                      <a:endParaRPr lang="en-CA" b="0" i="1" dirty="0">
                         <a:latin typeface="Cambria Math" charset="0"/>
                       </a:endParaRPr>
                     </a:p>
@@ -7208,7 +7303,7 @@
                               <m:chr m:val="⃗"/>
                               <m:ctrlPr>
                                 <a:rPr lang="en-CA" b="0" i="1" smtClean="0">
-                                  <a:latin typeface="Cambria Math" charset="0"/>
+                                  <a:latin typeface="Cambria Math" panose="02040503050406030204" pitchFamily="18" charset="0"/>
                                 </a:rPr>
                               </m:ctrlPr>
                             </m:accPr>
@@ -7404,7 +7499,7 @@
                                 <m:chr m:val="⃗"/>
                                 <m:ctrlPr>
                                   <a:rPr lang="en-CA" b="0" i="1" smtClean="0">
-                                    <a:latin typeface="Cambria Math" charset="0"/>
+                                    <a:latin typeface="Cambria Math" panose="02040503050406030204" pitchFamily="18" charset="0"/>
                                   </a:rPr>
                                 </m:ctrlPr>
                               </m:accPr>
@@ -7500,7 +7595,7 @@
                               <m:chr m:val="⃗"/>
                               <m:ctrlPr>
                                 <a:rPr lang="en-CA" b="0" i="1" smtClean="0">
-                                  <a:latin typeface="Cambria Math" charset="0"/>
+                                  <a:latin typeface="Cambria Math" panose="02040503050406030204" pitchFamily="18" charset="0"/>
                                 </a:rPr>
                               </m:ctrlPr>
                             </m:accPr>
@@ -7697,7 +7792,7 @@
                                 <m:chr m:val="⃗"/>
                                 <m:ctrlPr>
                                   <a:rPr lang="en-CA" b="0" i="1" smtClean="0">
-                                    <a:latin typeface="Cambria Math" charset="0"/>
+                                    <a:latin typeface="Cambria Math" panose="02040503050406030204" pitchFamily="18" charset="0"/>
                                   </a:rPr>
                                 </m:ctrlPr>
                               </m:accPr>
@@ -7793,7 +7888,7 @@
                               <m:chr m:val="⃗"/>
                               <m:ctrlPr>
                                 <a:rPr lang="en-CA" b="0" i="1" smtClean="0">
-                                  <a:latin typeface="Cambria Math" charset="0"/>
+                                  <a:latin typeface="Cambria Math" panose="02040503050406030204" pitchFamily="18" charset="0"/>
                                 </a:rPr>
                               </m:ctrlPr>
                             </m:accPr>
@@ -7877,7 +7972,7 @@
             <a:lstStyle/>
             <a:p>
               <a:r>
-                <a:rPr lang="en-US" sz="3200" smtClean="0">
+                <a:rPr lang="en-US" sz="3200">
                   <a:latin typeface="Wingdings 2" charset="2"/>
                   <a:ea typeface="Wingdings 2" charset="2"/>
                   <a:cs typeface="Wingdings 2" charset="2"/>
@@ -7915,18 +8010,13 @@
             <a:lstStyle/>
             <a:p>
               <a:r>
-                <a:rPr lang="en-US" sz="3200" dirty="0" smtClean="0">
+                <a:rPr lang="en-US" sz="3200" dirty="0">
                   <a:latin typeface="Wingdings 2" charset="2"/>
                   <a:ea typeface="Wingdings 2" charset="2"/>
                   <a:cs typeface="Wingdings 2" charset="2"/>
                 </a:rPr>
                 <a:t>k</a:t>
               </a:r>
-              <a:endParaRPr lang="en-US" sz="3200" dirty="0">
-                <a:latin typeface="Wingdings 2" charset="2"/>
-                <a:ea typeface="Wingdings 2" charset="2"/>
-                <a:cs typeface="Wingdings 2" charset="2"/>
-              </a:endParaRPr>
             </a:p>
           </p:txBody>
         </p:sp>
@@ -7953,18 +8043,13 @@
             <a:lstStyle/>
             <a:p>
               <a:r>
-                <a:rPr lang="en-US" sz="3200" dirty="0" smtClean="0">
+                <a:rPr lang="en-US" sz="3200" dirty="0">
                   <a:latin typeface="Wingdings 2" charset="2"/>
                   <a:ea typeface="Wingdings 2" charset="2"/>
                   <a:cs typeface="Wingdings 2" charset="2"/>
                 </a:rPr>
                 <a:t>l</a:t>
               </a:r>
-              <a:endParaRPr lang="en-US" sz="3200" dirty="0">
-                <a:latin typeface="Wingdings 2" charset="2"/>
-                <a:ea typeface="Wingdings 2" charset="2"/>
-                <a:cs typeface="Wingdings 2" charset="2"/>
-              </a:endParaRPr>
             </a:p>
           </p:txBody>
         </p:sp>
@@ -8369,7 +8454,7 @@
                             <m:sSubPr>
                               <m:ctrlPr>
                                 <a:rPr lang="en-US" i="1" smtClean="0">
-                                  <a:latin typeface="Cambria Math" charset="0"/>
+                                  <a:latin typeface="Cambria Math" panose="02040503050406030204" pitchFamily="18" charset="0"/>
                                   <a:cs typeface="Arial" panose="020B0604020202020204" pitchFamily="34" charset="0"/>
                                 </a:rPr>
                               </m:ctrlPr>
@@ -8474,7 +8559,7 @@
                             <m:sSubPr>
                               <m:ctrlPr>
                                 <a:rPr lang="en-US" i="1" smtClean="0">
-                                  <a:latin typeface="Cambria Math" charset="0"/>
+                                  <a:latin typeface="Cambria Math" panose="02040503050406030204" pitchFamily="18" charset="0"/>
                                   <a:cs typeface="Arial" panose="020B0604020202020204" pitchFamily="34" charset="0"/>
                                 </a:rPr>
                               </m:ctrlPr>
@@ -8579,7 +8664,7 @@
                             <m:sSubPr>
                               <m:ctrlPr>
                                 <a:rPr lang="en-US" i="1" smtClean="0">
-                                  <a:latin typeface="Cambria Math" charset="0"/>
+                                  <a:latin typeface="Cambria Math" panose="02040503050406030204" pitchFamily="18" charset="0"/>
                                   <a:cs typeface="Arial" panose="020B0604020202020204" pitchFamily="34" charset="0"/>
                                 </a:rPr>
                               </m:ctrlPr>
@@ -8684,7 +8769,7 @@
                             <m:sSubPr>
                               <m:ctrlPr>
                                 <a:rPr lang="en-US" i="1" smtClean="0">
-                                  <a:latin typeface="Cambria Math" charset="0"/>
+                                  <a:latin typeface="Cambria Math" panose="02040503050406030204" pitchFamily="18" charset="0"/>
                                   <a:cs typeface="Arial" panose="020B0604020202020204" pitchFamily="34" charset="0"/>
                                 </a:rPr>
                               </m:ctrlPr>
@@ -9092,7 +9177,7 @@
                                   <a:solidFill>
                                     <a:srgbClr val="FF0000"/>
                                   </a:solidFill>
-                                  <a:latin typeface="Cambria Math" charset="0"/>
+                                  <a:latin typeface="Cambria Math" panose="02040503050406030204" pitchFamily="18" charset="0"/>
                                   <a:cs typeface="Arial" panose="020B0604020202020204" pitchFamily="34" charset="0"/>
                                 </a:rPr>
                               </m:ctrlPr>
@@ -9269,7 +9354,7 @@
                           <m:sSubPr>
                             <m:ctrlPr>
                               <a:rPr lang="en-US" sz="2000" b="0" i="1" smtClean="0">
-                                <a:latin typeface="Cambria Math" charset="0"/>
+                                <a:latin typeface="Cambria Math" panose="02040503050406030204" pitchFamily="18" charset="0"/>
                                 <a:cs typeface="Arial" panose="020B0604020202020204" pitchFamily="34" charset="0"/>
                               </a:rPr>
                             </m:ctrlPr>
@@ -9280,7 +9365,7 @@
                                 <m:chr m:val="⃗"/>
                                 <m:ctrlPr>
                                   <a:rPr lang="en-US" sz="2000" b="0" i="1" smtClean="0">
-                                    <a:latin typeface="Cambria Math" charset="0"/>
+                                    <a:latin typeface="Cambria Math" panose="02040503050406030204" pitchFamily="18" charset="0"/>
                                     <a:cs typeface="Arial" panose="020B0604020202020204" pitchFamily="34" charset="0"/>
                                   </a:rPr>
                                 </m:ctrlPr>
@@ -9391,7 +9476,7 @@
                           <m:sSubPr>
                             <m:ctrlPr>
                               <a:rPr lang="en-US" sz="2000" b="0" i="1" smtClean="0">
-                                <a:latin typeface="Cambria Math" charset="0"/>
+                                <a:latin typeface="Cambria Math" panose="02040503050406030204" pitchFamily="18" charset="0"/>
                                 <a:cs typeface="Arial" panose="020B0604020202020204" pitchFamily="34" charset="0"/>
                               </a:rPr>
                             </m:ctrlPr>
@@ -9402,7 +9487,7 @@
                                 <m:chr m:val="⃗"/>
                                 <m:ctrlPr>
                                   <a:rPr lang="en-US" sz="2000" b="0" i="1" smtClean="0">
-                                    <a:latin typeface="Cambria Math" charset="0"/>
+                                    <a:latin typeface="Cambria Math" panose="02040503050406030204" pitchFamily="18" charset="0"/>
                                     <a:cs typeface="Arial" panose="020B0604020202020204" pitchFamily="34" charset="0"/>
                                   </a:rPr>
                                 </m:ctrlPr>
@@ -10241,7 +10326,7 @@
                           <m:sSubPr>
                             <m:ctrlPr>
                               <a:rPr lang="en-US" b="0" i="1" smtClean="0">
-                                <a:latin typeface="Cambria Math" charset="0"/>
+                                <a:latin typeface="Cambria Math" panose="02040503050406030204" pitchFamily="18" charset="0"/>
                               </a:rPr>
                             </m:ctrlPr>
                           </m:sSubPr>
@@ -10343,7 +10428,7 @@
                           <m:sSubPr>
                             <m:ctrlPr>
                               <a:rPr lang="en-US" i="1" smtClean="0">
-                                <a:latin typeface="Cambria Math" charset="0"/>
+                                <a:latin typeface="Cambria Math" panose="02040503050406030204" pitchFamily="18" charset="0"/>
                               </a:rPr>
                             </m:ctrlPr>
                           </m:sSubPr>
@@ -10445,7 +10530,7 @@
                           <m:sSubPr>
                             <m:ctrlPr>
                               <a:rPr lang="en-US" i="1" smtClean="0">
-                                <a:latin typeface="Cambria Math" charset="0"/>
+                                <a:latin typeface="Cambria Math" panose="02040503050406030204" pitchFamily="18" charset="0"/>
                               </a:rPr>
                             </m:ctrlPr>
                           </m:sSubPr>
@@ -11260,7 +11345,7 @@
                             <m:sSubPr>
                               <m:ctrlPr>
                                 <a:rPr lang="en-US" i="1" smtClean="0">
-                                  <a:latin typeface="Cambria Math" charset="0"/>
+                                  <a:latin typeface="Cambria Math" panose="02040503050406030204" pitchFamily="18" charset="0"/>
                                 </a:rPr>
                               </m:ctrlPr>
                             </m:sSubPr>
@@ -11446,7 +11531,7 @@
                           <m:sSubPr>
                             <m:ctrlPr>
                               <a:rPr lang="en-US" b="0" i="1" smtClean="0">
-                                <a:latin typeface="Cambria Math" charset="0"/>
+                                <a:latin typeface="Cambria Math" panose="02040503050406030204" pitchFamily="18" charset="0"/>
                               </a:rPr>
                             </m:ctrlPr>
                           </m:sSubPr>
@@ -11548,7 +11633,7 @@
                           <m:sSubPr>
                             <m:ctrlPr>
                               <a:rPr lang="en-US" b="0" i="1" smtClean="0">
-                                <a:latin typeface="Cambria Math" charset="0"/>
+                                <a:latin typeface="Cambria Math" panose="02040503050406030204" pitchFamily="18" charset="0"/>
                               </a:rPr>
                             </m:ctrlPr>
                           </m:sSubPr>
@@ -11575,7 +11660,7 @@
                       </m:oMath>
                     </m:oMathPara>
                   </a14:m>
-                  <a:endParaRPr lang="en-US" b="0" dirty="0" smtClean="0"/>
+                  <a:endParaRPr lang="en-US" b="0" dirty="0"/>
                 </a:p>
               </p:txBody>
             </p:sp>
@@ -12464,7 +12549,7 @@
                             <m:sSubPr>
                               <m:ctrlPr>
                                 <a:rPr lang="en-US" b="0" i="1" smtClean="0">
-                                  <a:latin typeface="Cambria Math" charset="0"/>
+                                  <a:latin typeface="Cambria Math" panose="02040503050406030204" pitchFamily="18" charset="0"/>
                                 </a:rPr>
                               </m:ctrlPr>
                             </m:sSubPr>
@@ -12686,7 +12771,7 @@
                           <m:sSubPr>
                             <m:ctrlPr>
                               <a:rPr lang="en-US" i="1" smtClean="0">
-                                <a:latin typeface="Cambria Math" charset="0"/>
+                                <a:latin typeface="Cambria Math" panose="02040503050406030204" pitchFamily="18" charset="0"/>
                               </a:rPr>
                             </m:ctrlPr>
                           </m:sSubPr>
@@ -12788,7 +12873,7 @@
                           <m:sSubPr>
                             <m:ctrlPr>
                               <a:rPr lang="en-US" i="1" smtClean="0">
-                                <a:latin typeface="Cambria Math" charset="0"/>
+                                <a:latin typeface="Cambria Math" panose="02040503050406030204" pitchFamily="18" charset="0"/>
                               </a:rPr>
                             </m:ctrlPr>
                           </m:sSubPr>
@@ -13592,7 +13677,7 @@
                               <m:sSubPr>
                                 <m:ctrlPr>
                                   <a:rPr lang="en-US" i="1" smtClean="0">
-                                    <a:latin typeface="Cambria Math" charset="0"/>
+                                    <a:latin typeface="Cambria Math" panose="02040503050406030204" pitchFamily="18" charset="0"/>
                                   </a:rPr>
                                 </m:ctrlPr>
                               </m:sSubPr>
@@ -13778,7 +13863,7 @@
                             <m:sSubPr>
                               <m:ctrlPr>
                                 <a:rPr lang="en-US" b="0" i="1" smtClean="0">
-                                  <a:latin typeface="Cambria Math" charset="0"/>
+                                  <a:latin typeface="Cambria Math" panose="02040503050406030204" pitchFamily="18" charset="0"/>
                                 </a:rPr>
                               </m:ctrlPr>
                             </m:sSubPr>
@@ -13880,7 +13965,7 @@
                             <m:sSubPr>
                               <m:ctrlPr>
                                 <a:rPr lang="en-US" b="0" i="1" smtClean="0">
-                                  <a:latin typeface="Cambria Math" charset="0"/>
+                                  <a:latin typeface="Cambria Math" panose="02040503050406030204" pitchFamily="18" charset="0"/>
                                 </a:rPr>
                               </m:ctrlPr>
                             </m:sSubPr>
@@ -13907,7 +13992,7 @@
                         </m:oMath>
                       </m:oMathPara>
                     </a14:m>
-                    <a:endParaRPr lang="en-US" b="0" dirty="0" smtClean="0"/>
+                    <a:endParaRPr lang="en-US" b="0" dirty="0"/>
                   </a:p>
                 </p:txBody>
               </p:sp>
@@ -14770,7 +14855,7 @@
                               <m:sSubPr>
                                 <m:ctrlPr>
                                   <a:rPr lang="en-US" b="0" i="1" smtClean="0">
-                                    <a:latin typeface="Cambria Math" charset="0"/>
+                                    <a:latin typeface="Cambria Math" panose="02040503050406030204" pitchFamily="18" charset="0"/>
                                   </a:rPr>
                                 </m:ctrlPr>
                               </m:sSubPr>
@@ -14956,7 +15041,7 @@
                             <m:sSubPr>
                               <m:ctrlPr>
                                 <a:rPr lang="en-US" i="1" smtClean="0">
-                                  <a:latin typeface="Cambria Math" charset="0"/>
+                                  <a:latin typeface="Cambria Math" panose="02040503050406030204" pitchFamily="18" charset="0"/>
                                 </a:rPr>
                               </m:ctrlPr>
                             </m:sSubPr>
@@ -15058,7 +15143,7 @@
                             <m:sSubPr>
                               <m:ctrlPr>
                                 <a:rPr lang="en-US" i="1" smtClean="0">
-                                  <a:latin typeface="Cambria Math" charset="0"/>
+                                  <a:latin typeface="Cambria Math" panose="02040503050406030204" pitchFamily="18" charset="0"/>
                                 </a:rPr>
                               </m:ctrlPr>
                             </m:sSubPr>
@@ -16499,10 +16584,10 @@
         </p:nvGrpSpPr>
         <p:grpSpPr>
           <a:xfrm>
-            <a:off x="406471" y="48126"/>
-            <a:ext cx="5909077" cy="4074917"/>
-            <a:chOff x="0" y="161313"/>
-            <a:chExt cx="5909077" cy="4074917"/>
+            <a:off x="406471" y="341626"/>
+            <a:ext cx="5909077" cy="3781417"/>
+            <a:chOff x="0" y="454813"/>
+            <a:chExt cx="5909077" cy="3781417"/>
           </a:xfrm>
         </p:grpSpPr>
         <p:grpSp>
@@ -16513,10 +16598,10 @@
           </p:nvGrpSpPr>
           <p:grpSpPr>
             <a:xfrm>
-              <a:off x="0" y="161313"/>
-              <a:ext cx="5909077" cy="4074917"/>
-              <a:chOff x="2468804" y="697423"/>
-              <a:chExt cx="5909077" cy="4074917"/>
+              <a:off x="0" y="454813"/>
+              <a:ext cx="5909077" cy="3781417"/>
+              <a:chOff x="2468804" y="990923"/>
+              <a:chExt cx="5909077" cy="3781417"/>
             </a:xfrm>
           </p:grpSpPr>
           <p:grpSp>
@@ -16527,10 +16612,10 @@
             </p:nvGrpSpPr>
             <p:grpSpPr>
               <a:xfrm>
-                <a:off x="2468804" y="697423"/>
-                <a:ext cx="4117976" cy="4074917"/>
-                <a:chOff x="2468804" y="697423"/>
-                <a:chExt cx="4117976" cy="4074917"/>
+                <a:off x="2468804" y="990923"/>
+                <a:ext cx="4117976" cy="3781417"/>
+                <a:chOff x="2468804" y="990923"/>
+                <a:chExt cx="4117976" cy="3781417"/>
               </a:xfrm>
             </p:grpSpPr>
             <p:pic>
@@ -16566,13 +16651,15 @@
             <p:cxnSp>
               <p:nvCxnSpPr>
                 <p:cNvPr id="75" name="Straight Arrow Connector 74"/>
-                <p:cNvCxnSpPr/>
+                <p:cNvCxnSpPr>
+                  <a:cxnSpLocks/>
+                </p:cNvCxnSpPr>
                 <p:nvPr/>
               </p:nvCxnSpPr>
               <p:spPr>
-                <a:xfrm flipV="1">
-                  <a:off x="5052780" y="697423"/>
-                  <a:ext cx="0" cy="864000"/>
+                <a:xfrm flipH="1" flipV="1">
+                  <a:off x="5015326" y="990923"/>
+                  <a:ext cx="1" cy="646593"/>
                 </a:xfrm>
                 <a:prstGeom prst="straightConnector1">
                   <a:avLst/>
@@ -16602,7 +16689,9 @@
             <p:cxnSp>
               <p:nvCxnSpPr>
                 <p:cNvPr id="76" name="Straight Arrow Connector 75"/>
-                <p:cNvCxnSpPr/>
+                <p:cNvCxnSpPr>
+                  <a:cxnSpLocks/>
+                </p:cNvCxnSpPr>
                 <p:nvPr/>
               </p:nvCxnSpPr>
               <p:spPr>
@@ -16638,7 +16727,9 @@
             <p:cxnSp>
               <p:nvCxnSpPr>
                 <p:cNvPr id="77" name="Straight Arrow Connector 76"/>
-                <p:cNvCxnSpPr/>
+                <p:cNvCxnSpPr>
+                  <a:cxnSpLocks/>
+                </p:cNvCxnSpPr>
                 <p:nvPr/>
               </p:nvCxnSpPr>
               <p:spPr>
@@ -16671,8 +16762,8 @@
                 </a:fontRef>
               </p:style>
             </p:cxnSp>
-            <mc:AlternateContent xmlns:mc="http://schemas.openxmlformats.org/markup-compatibility/2006" xmlns:a14="http://schemas.microsoft.com/office/drawing/2010/main">
-              <mc:Choice Requires="a14">
+            <mc:AlternateContent xmlns:mc="http://schemas.openxmlformats.org/markup-compatibility/2006">
+              <mc:Choice xmlns:a14="http://schemas.microsoft.com/office/drawing/2010/main" Requires="a14">
                 <p:sp>
                   <p:nvSpPr>
                     <p:cNvPr id="78" name="TextBox 77"/>
@@ -16681,8 +16772,8 @@
                   </p:nvSpPr>
                   <p:spPr>
                     <a:xfrm>
-                      <a:off x="5196016" y="990923"/>
-                      <a:ext cx="186782" cy="276999"/>
+                      <a:off x="5178966" y="1037220"/>
+                      <a:ext cx="186781" cy="276999"/>
                     </a:xfrm>
                     <a:prstGeom prst="rect">
                       <a:avLst/>
@@ -16710,7 +16801,7 @@
                                     <a:solidFill>
                                       <a:srgbClr val="C00000"/>
                                     </a:solidFill>
-                                    <a:latin typeface="Cambria Math" charset="0"/>
+                                    <a:latin typeface="Cambria Math" panose="02040503050406030204" pitchFamily="18" charset="0"/>
                                   </a:rPr>
                                 </m:ctrlPr>
                               </m:accPr>
@@ -16720,7 +16811,7 @@
                                     <a:solidFill>
                                       <a:srgbClr val="C00000"/>
                                     </a:solidFill>
-                                    <a:latin typeface="Cambria Math" charset="0"/>
+                                    <a:latin typeface="Cambria Math" panose="02040503050406030204" pitchFamily="18" charset="0"/>
                                   </a:rPr>
                                   <m:t>𝑎</m:t>
                                 </m:r>
@@ -16738,10 +16829,10 @@
                   </p:txBody>
                 </p:sp>
               </mc:Choice>
-              <mc:Fallback xmlns="">
+              <mc:Fallback>
                 <p:sp>
                   <p:nvSpPr>
-                    <p:cNvPr id="22" name="TextBox 21"/>
+                    <p:cNvPr id="78" name="TextBox 77"/>
                     <p:cNvSpPr txBox="1">
                       <a:spLocks noRot="1" noChangeAspect="1" noMove="1" noResize="1" noEditPoints="1" noAdjustHandles="1" noChangeArrowheads="1" noChangeShapeType="1" noTextEdit="1"/>
                     </p:cNvSpPr>
@@ -16749,16 +16840,16 @@
                   </p:nvSpPr>
                   <p:spPr>
                     <a:xfrm>
-                      <a:off x="5196016" y="990923"/>
-                      <a:ext cx="186782" cy="276999"/>
+                      <a:off x="5178966" y="1037220"/>
+                      <a:ext cx="186781" cy="276999"/>
                     </a:xfrm>
                     <a:prstGeom prst="rect">
                       <a:avLst/>
                     </a:prstGeom>
-                    <a:blipFill rotWithShape="0">
+                    <a:blipFill>
                       <a:blip r:embed="rId10"/>
                       <a:stretch>
-                        <a:fillRect l="-25806" t="-36957" r="-90323" b="-2174"/>
+                        <a:fillRect l="-32258" t="-48889" r="-96774" b="-8889"/>
                       </a:stretch>
                     </a:blipFill>
                   </p:spPr>
@@ -16767,7 +16858,7 @@
                     <a:lstStyle/>
                     <a:p>
                       <a:r>
-                        <a:rPr lang="en-US">
+                        <a:rPr lang="en-CA">
                           <a:noFill/>
                         </a:rPr>
                         <a:t> </a:t>
@@ -16777,8 +16868,8 @@
                 </p:sp>
               </mc:Fallback>
             </mc:AlternateContent>
-            <mc:AlternateContent xmlns:mc="http://schemas.openxmlformats.org/markup-compatibility/2006" xmlns:a14="http://schemas.microsoft.com/office/drawing/2010/main">
-              <mc:Choice Requires="a14">
+            <mc:AlternateContent xmlns:mc="http://schemas.openxmlformats.org/markup-compatibility/2006">
+              <mc:Choice xmlns:a14="http://schemas.microsoft.com/office/drawing/2010/main" Requires="a14">
                 <p:sp>
                   <p:nvSpPr>
                     <p:cNvPr id="79" name="TextBox 78"/>
@@ -16788,7 +16879,7 @@
                   <p:spPr>
                     <a:xfrm>
                       <a:off x="3146023" y="2245779"/>
-                      <a:ext cx="186778" cy="317972"/>
+                      <a:ext cx="186778" cy="276999"/>
                     </a:xfrm>
                     <a:prstGeom prst="rect">
                       <a:avLst/>
@@ -16816,7 +16907,7 @@
                                     <a:solidFill>
                                       <a:srgbClr val="0070C0"/>
                                     </a:solidFill>
-                                    <a:latin typeface="Cambria Math" charset="0"/>
+                                    <a:latin typeface="Cambria Math" panose="02040503050406030204" pitchFamily="18" charset="0"/>
                                   </a:rPr>
                                 </m:ctrlPr>
                               </m:accPr>
@@ -16826,9 +16917,9 @@
                                     <a:solidFill>
                                       <a:srgbClr val="0070C0"/>
                                     </a:solidFill>
-                                    <a:latin typeface="Cambria Math" charset="0"/>
+                                    <a:latin typeface="Cambria Math" panose="02040503050406030204" pitchFamily="18" charset="0"/>
                                   </a:rPr>
-                                  <m:t>𝑏</m:t>
+                                  <m:t>𝑣</m:t>
                                 </m:r>
                               </m:e>
                             </m:acc>
@@ -16844,10 +16935,10 @@
                   </p:txBody>
                 </p:sp>
               </mc:Choice>
-              <mc:Fallback xmlns="">
+              <mc:Fallback>
                 <p:sp>
                   <p:nvSpPr>
-                    <p:cNvPr id="23" name="TextBox 22"/>
+                    <p:cNvPr id="79" name="TextBox 78"/>
                     <p:cNvSpPr txBox="1">
                       <a:spLocks noRot="1" noChangeAspect="1" noMove="1" noResize="1" noEditPoints="1" noAdjustHandles="1" noChangeArrowheads="1" noChangeShapeType="1" noTextEdit="1"/>
                     </p:cNvSpPr>
@@ -16856,15 +16947,15 @@
                   <p:spPr>
                     <a:xfrm>
                       <a:off x="3146023" y="2245779"/>
-                      <a:ext cx="186778" cy="317972"/>
+                      <a:ext cx="186778" cy="276999"/>
                     </a:xfrm>
                     <a:prstGeom prst="rect">
                       <a:avLst/>
                     </a:prstGeom>
-                    <a:blipFill rotWithShape="0">
+                    <a:blipFill>
                       <a:blip r:embed="rId11"/>
                       <a:stretch>
-                        <a:fillRect l="-30000" r="-30000" b="-7692"/>
+                        <a:fillRect l="-30000" t="-48889" r="-106667" b="-8889"/>
                       </a:stretch>
                     </a:blipFill>
                   </p:spPr>
@@ -16873,7 +16964,7 @@
                     <a:lstStyle/>
                     <a:p>
                       <a:r>
-                        <a:rPr lang="en-US">
+                        <a:rPr lang="en-CA">
                           <a:noFill/>
                         </a:rPr>
                         <a:t> </a:t>
@@ -16883,8 +16974,8 @@
                 </p:sp>
               </mc:Fallback>
             </mc:AlternateContent>
-            <mc:AlternateContent xmlns:mc="http://schemas.openxmlformats.org/markup-compatibility/2006" xmlns:a14="http://schemas.microsoft.com/office/drawing/2010/main">
-              <mc:Choice Requires="a14">
+            <mc:AlternateContent xmlns:mc="http://schemas.openxmlformats.org/markup-compatibility/2006">
+              <mc:Choice xmlns:a14="http://schemas.microsoft.com/office/drawing/2010/main" Requires="a14">
                 <p:sp>
                   <p:nvSpPr>
                     <p:cNvPr id="80" name="TextBox 79"/>
@@ -16893,7 +16984,7 @@
                   </p:nvSpPr>
                   <p:spPr>
                     <a:xfrm>
-                      <a:off x="2652939" y="3030588"/>
+                      <a:off x="2654829" y="3014748"/>
                       <a:ext cx="584583" cy="317972"/>
                     </a:xfrm>
                     <a:prstGeom prst="rect">
@@ -16922,7 +17013,7 @@
                                     <a:solidFill>
                                       <a:srgbClr val="7030A0"/>
                                     </a:solidFill>
-                                    <a:latin typeface="Cambria Math" charset="0"/>
+                                    <a:latin typeface="Cambria Math" panose="02040503050406030204" pitchFamily="18" charset="0"/>
                                   </a:rPr>
                                 </m:ctrlPr>
                               </m:accPr>
@@ -16955,7 +17046,7 @@
                                     <a:solidFill>
                                       <a:srgbClr val="7030A0"/>
                                     </a:solidFill>
-                                    <a:latin typeface="Cambria Math" charset="0"/>
+                                    <a:latin typeface="Cambria Math" panose="02040503050406030204" pitchFamily="18" charset="0"/>
                                   </a:rPr>
                                 </m:ctrlPr>
                               </m:accPr>
@@ -16983,10 +17074,10 @@
                   </p:txBody>
                 </p:sp>
               </mc:Choice>
-              <mc:Fallback xmlns="">
+              <mc:Fallback>
                 <p:sp>
                   <p:nvSpPr>
-                    <p:cNvPr id="24" name="TextBox 23"/>
+                    <p:cNvPr id="80" name="TextBox 79"/>
                     <p:cNvSpPr txBox="1">
                       <a:spLocks noRot="1" noChangeAspect="1" noMove="1" noResize="1" noEditPoints="1" noAdjustHandles="1" noChangeArrowheads="1" noChangeShapeType="1" noTextEdit="1"/>
                     </p:cNvSpPr>
@@ -16994,16 +17085,16 @@
                   </p:nvSpPr>
                   <p:spPr>
                     <a:xfrm>
-                      <a:off x="2652939" y="3030588"/>
+                      <a:off x="2654829" y="3014748"/>
                       <a:ext cx="584583" cy="317972"/>
                     </a:xfrm>
                     <a:prstGeom prst="rect">
                       <a:avLst/>
                     </a:prstGeom>
-                    <a:blipFill rotWithShape="0">
+                    <a:blipFill>
                       <a:blip r:embed="rId12"/>
                       <a:stretch>
-                        <a:fillRect l="-8333" t="-113462" r="-8333" b="-157692"/>
+                        <a:fillRect l="-14583" t="-26923" r="-20833" b="-9615"/>
                       </a:stretch>
                     </a:blipFill>
                   </p:spPr>
@@ -17012,7 +17103,7 @@
                     <a:lstStyle/>
                     <a:p>
                       <a:r>
-                        <a:rPr lang="en-US">
+                        <a:rPr lang="en-CA">
                           <a:noFill/>
                         </a:rPr>
                         <a:t> </a:t>
@@ -17831,7 +17922,7 @@
                             <m:chr m:val="⃗"/>
                             <m:ctrlPr>
                               <a:rPr lang="en-US" sz="2000" b="0" i="1" smtClean="0">
-                                <a:latin typeface="Cambria Math" charset="0"/>
+                                <a:latin typeface="Cambria Math" panose="02040503050406030204" pitchFamily="18" charset="0"/>
                                 <a:cs typeface="Arial" panose="020B0604020202020204" pitchFamily="34" charset="0"/>
                               </a:rPr>
                             </m:ctrlPr>
@@ -17968,7 +18059,7 @@
                             <m:chr m:val="⃗"/>
                             <m:ctrlPr>
                               <a:rPr lang="en-US" sz="2000" b="0" i="1" smtClean="0">
-                                <a:latin typeface="Cambria Math" charset="0"/>
+                                <a:latin typeface="Cambria Math" panose="02040503050406030204" pitchFamily="18" charset="0"/>
                                 <a:cs typeface="Arial" panose="020B0604020202020204" pitchFamily="34" charset="0"/>
                               </a:rPr>
                             </m:ctrlPr>
@@ -18105,7 +18196,7 @@
                             <m:chr m:val="⃗"/>
                             <m:ctrlPr>
                               <a:rPr lang="en-US" sz="2000" b="0" i="1" smtClean="0">
-                                <a:latin typeface="Cambria Math" charset="0"/>
+                                <a:latin typeface="Cambria Math" panose="02040503050406030204" pitchFamily="18" charset="0"/>
                                 <a:cs typeface="Arial" panose="020B0604020202020204" pitchFamily="34" charset="0"/>
                               </a:rPr>
                             </m:ctrlPr>
@@ -18206,7 +18297,7 @@
                             <m:chr m:val="⃗"/>
                             <m:ctrlPr>
                               <a:rPr lang="en-US" sz="2000" b="0" i="1" smtClean="0">
-                                <a:latin typeface="Cambria Math" charset="0"/>
+                                <a:latin typeface="Cambria Math" panose="02040503050406030204" pitchFamily="18" charset="0"/>
                                 <a:cs typeface="Arial" panose="020B0604020202020204" pitchFamily="34" charset="0"/>
                               </a:rPr>
                             </m:ctrlPr>
@@ -20623,7 +20714,7 @@
                                   <a:solidFill>
                                     <a:srgbClr val="FF0000"/>
                                   </a:solidFill>
-                                  <a:latin typeface="Cambria Math" charset="0"/>
+                                  <a:latin typeface="Cambria Math" panose="02040503050406030204" pitchFamily="18" charset="0"/>
                                 </a:rPr>
                               </m:ctrlPr>
                             </m:accPr>
@@ -20729,7 +20820,7 @@
                                   <a:solidFill>
                                     <a:srgbClr val="FF0000"/>
                                   </a:solidFill>
-                                  <a:latin typeface="Cambria Math" charset="0"/>
+                                  <a:latin typeface="Cambria Math" panose="02040503050406030204" pitchFamily="18" charset="0"/>
                                 </a:rPr>
                               </m:ctrlPr>
                             </m:accPr>
@@ -21468,7 +21559,7 @@
                   <p:nvPr/>
                 </p:nvPicPr>
                 <p:blipFill rotWithShape="1">
-                  <a:blip r:embed="rId9">
+                  <a:blip r:embed="rId11">
                     <a:extLst>
                       <a:ext uri="{28A0092B-C50C-407E-A947-70E740481C1C}">
                         <a14:useLocalDpi xmlns:a14="http://schemas.microsoft.com/office/drawing/2010/main" val="0"/>
@@ -21900,7 +21991,7 @@
                   <p:nvPr/>
                 </p:nvPicPr>
                 <p:blipFill rotWithShape="1">
-                  <a:blip r:embed="rId9">
+                  <a:blip r:embed="rId11">
                     <a:extLst>
                       <a:ext uri="{28A0092B-C50C-407E-A947-70E740481C1C}">
                         <a14:useLocalDpi xmlns:a14="http://schemas.microsoft.com/office/drawing/2010/main" val="0"/>
@@ -21996,7 +22087,7 @@
                                   <a:solidFill>
                                     <a:srgbClr val="FF0000"/>
                                   </a:solidFill>
-                                  <a:latin typeface="Cambria Math" charset="0"/>
+                                  <a:latin typeface="Cambria Math" panose="02040503050406030204" pitchFamily="18" charset="0"/>
                                 </a:rPr>
                               </m:ctrlPr>
                             </m:accPr>
@@ -22053,7 +22144,7 @@
                     <a:avLst/>
                   </a:prstGeom>
                   <a:blipFill rotWithShape="0">
-                    <a:blip r:embed="rId11"/>
+                    <a:blip r:embed="rId12"/>
                     <a:stretch>
                       <a:fillRect l="-11111" t="-146667" r="-33333" b="-182222"/>
                     </a:stretch>
@@ -22113,7 +22204,7 @@
                                   <a:solidFill>
                                     <a:srgbClr val="FF0000"/>
                                   </a:solidFill>
-                                  <a:latin typeface="Cambria Math" charset="0"/>
+                                  <a:latin typeface="Cambria Math" panose="02040503050406030204" pitchFamily="18" charset="0"/>
                                 </a:rPr>
                               </m:ctrlPr>
                             </m:accPr>
@@ -22170,7 +22261,7 @@
                     <a:avLst/>
                   </a:prstGeom>
                   <a:blipFill rotWithShape="0">
-                    <a:blip r:embed="rId12"/>
+                    <a:blip r:embed="rId13"/>
                     <a:stretch>
                       <a:fillRect l="-13333" t="-143478" r="-31111" b="-176087"/>
                     </a:stretch>
